--- a/Projects/Week-3/output/WebScrapping Project Presentation.pptx
+++ b/Projects/Week-3/output/WebScrapping Project Presentation.pptx
@@ -11,12 +11,12 @@
     <p:sldId id="256" r:id="rId2"/>
     <p:sldId id="259" r:id="rId3"/>
     <p:sldId id="263" r:id="rId4"/>
-    <p:sldId id="266" r:id="rId5"/>
-    <p:sldId id="275" r:id="rId6"/>
-    <p:sldId id="280" r:id="rId7"/>
-    <p:sldId id="287" r:id="rId8"/>
-    <p:sldId id="271" r:id="rId9"/>
-    <p:sldId id="273" r:id="rId10"/>
+    <p:sldId id="275" r:id="rId5"/>
+    <p:sldId id="273" r:id="rId6"/>
+    <p:sldId id="266" r:id="rId7"/>
+    <p:sldId id="280" r:id="rId8"/>
+    <p:sldId id="287" r:id="rId9"/>
+    <p:sldId id="271" r:id="rId10"/>
     <p:sldId id="286" r:id="rId11"/>
   </p:sldIdLst>
   <p:sldSz cx="9144000" cy="5143500" type="screen16x9"/>
@@ -1171,6 +1171,219 @@
   <p:cSld>
     <p:spTree>
       <p:nvGrpSpPr>
+        <p:cNvPr id="1" name="Shape 675"/>
+        <p:cNvGrpSpPr/>
+        <p:nvPr/>
+      </p:nvGrpSpPr>
+      <p:grpSpPr>
+        <a:xfrm>
+          <a:off x="0" y="0"/>
+          <a:ext cx="0" cy="0"/>
+          <a:chOff x="0" y="0"/>
+          <a:chExt cx="0" cy="0"/>
+        </a:xfrm>
+      </p:grpSpPr>
+      <p:sp>
+        <p:nvSpPr>
+          <p:cNvPr id="676" name="Google Shape;676;g442eb61d9d_0_449:notes"/>
+          <p:cNvSpPr>
+            <a:spLocks noGrp="1" noRot="1" noChangeAspect="1"/>
+          </p:cNvSpPr>
+          <p:nvPr>
+            <p:ph type="sldImg" idx="2"/>
+          </p:nvPr>
+        </p:nvSpPr>
+        <p:spPr>
+          <a:xfrm>
+            <a:off x="381000" y="685800"/>
+            <a:ext cx="6096000" cy="3429000"/>
+          </a:xfrm>
+          <a:custGeom>
+            <a:avLst/>
+            <a:gdLst/>
+            <a:ahLst/>
+            <a:cxnLst/>
+            <a:rect l="l" t="t" r="r" b="b"/>
+            <a:pathLst>
+              <a:path w="120000" h="120000" extrusionOk="0">
+                <a:moveTo>
+                  <a:pt x="0" y="0"/>
+                </a:moveTo>
+                <a:lnTo>
+                  <a:pt x="120000" y="0"/>
+                </a:lnTo>
+                <a:lnTo>
+                  <a:pt x="120000" y="120000"/>
+                </a:lnTo>
+                <a:lnTo>
+                  <a:pt x="0" y="120000"/>
+                </a:lnTo>
+                <a:close/>
+              </a:path>
+            </a:pathLst>
+          </a:custGeom>
+        </p:spPr>
+      </p:sp>
+      <p:sp>
+        <p:nvSpPr>
+          <p:cNvPr id="677" name="Google Shape;677;g442eb61d9d_0_449:notes"/>
+          <p:cNvSpPr txBox="1">
+            <a:spLocks noGrp="1"/>
+          </p:cNvSpPr>
+          <p:nvPr>
+            <p:ph type="body" idx="1"/>
+          </p:nvPr>
+        </p:nvSpPr>
+        <p:spPr>
+          <a:xfrm>
+            <a:off x="685800" y="4343400"/>
+            <a:ext cx="5486400" cy="4114800"/>
+          </a:xfrm>
+          <a:prstGeom prst="rect">
+            <a:avLst/>
+          </a:prstGeom>
+        </p:spPr>
+        <p:txBody>
+          <a:bodyPr spcFirstLastPara="1" wrap="square" lIns="91425" tIns="91425" rIns="91425" bIns="91425" anchor="t" anchorCtr="0">
+            <a:noAutofit/>
+          </a:bodyPr>
+          <a:lstStyle/>
+          <a:p>
+            <a:pPr marL="0" lvl="0" indent="0" algn="l" rtl="0">
+              <a:spcBef>
+                <a:spcPts val="0"/>
+              </a:spcBef>
+              <a:spcAft>
+                <a:spcPts val="0"/>
+              </a:spcAft>
+              <a:buNone/>
+            </a:pPr>
+            <a:endParaRPr/>
+          </a:p>
+        </p:txBody>
+      </p:sp>
+    </p:spTree>
+  </p:cSld>
+  <p:clrMapOvr>
+    <a:masterClrMapping/>
+  </p:clrMapOvr>
+</p:notes>
+</file>
+
+<file path=ppt/notesSlides/notesSlide5.xml><?xml version="1.0" encoding="utf-8"?>
+<p:notes xmlns:a="http://schemas.openxmlformats.org/drawingml/2006/main" xmlns:r="http://schemas.openxmlformats.org/officeDocument/2006/relationships" xmlns:p="http://schemas.openxmlformats.org/presentationml/2006/main" showMasterSp="0" showMasterPhAnim="0">
+  <p:cSld>
+    <p:spTree>
+      <p:nvGrpSpPr>
+        <p:cNvPr id="1" name="Shape 350"/>
+        <p:cNvGrpSpPr/>
+        <p:nvPr/>
+      </p:nvGrpSpPr>
+      <p:grpSpPr>
+        <a:xfrm>
+          <a:off x="0" y="0"/>
+          <a:ext cx="0" cy="0"/>
+          <a:chOff x="0" y="0"/>
+          <a:chExt cx="0" cy="0"/>
+        </a:xfrm>
+      </p:grpSpPr>
+      <p:sp>
+        <p:nvSpPr>
+          <p:cNvPr id="351" name="Google Shape;351;g442eb61d9d_0_442:notes"/>
+          <p:cNvSpPr>
+            <a:spLocks noGrp="1" noRot="1" noChangeAspect="1"/>
+          </p:cNvSpPr>
+          <p:nvPr>
+            <p:ph type="sldImg" idx="2"/>
+          </p:nvPr>
+        </p:nvSpPr>
+        <p:spPr>
+          <a:xfrm>
+            <a:off x="381000" y="685800"/>
+            <a:ext cx="6096000" cy="3429000"/>
+          </a:xfrm>
+          <a:custGeom>
+            <a:avLst/>
+            <a:gdLst/>
+            <a:ahLst/>
+            <a:cxnLst/>
+            <a:rect l="l" t="t" r="r" b="b"/>
+            <a:pathLst>
+              <a:path w="120000" h="120000" extrusionOk="0">
+                <a:moveTo>
+                  <a:pt x="0" y="0"/>
+                </a:moveTo>
+                <a:lnTo>
+                  <a:pt x="120000" y="0"/>
+                </a:lnTo>
+                <a:lnTo>
+                  <a:pt x="120000" y="120000"/>
+                </a:lnTo>
+                <a:lnTo>
+                  <a:pt x="0" y="120000"/>
+                </a:lnTo>
+                <a:close/>
+              </a:path>
+            </a:pathLst>
+          </a:custGeom>
+        </p:spPr>
+      </p:sp>
+      <p:sp>
+        <p:nvSpPr>
+          <p:cNvPr id="352" name="Google Shape;352;g442eb61d9d_0_442:notes"/>
+          <p:cNvSpPr txBox="1">
+            <a:spLocks noGrp="1"/>
+          </p:cNvSpPr>
+          <p:nvPr>
+            <p:ph type="body" idx="1"/>
+          </p:nvPr>
+        </p:nvSpPr>
+        <p:spPr>
+          <a:xfrm>
+            <a:off x="685800" y="4343400"/>
+            <a:ext cx="5486400" cy="4114800"/>
+          </a:xfrm>
+          <a:prstGeom prst="rect">
+            <a:avLst/>
+          </a:prstGeom>
+        </p:spPr>
+        <p:txBody>
+          <a:bodyPr spcFirstLastPara="1" wrap="square" lIns="91425" tIns="91425" rIns="91425" bIns="91425" anchor="t" anchorCtr="0">
+            <a:noAutofit/>
+          </a:bodyPr>
+          <a:lstStyle/>
+          <a:p>
+            <a:pPr marL="0" lvl="0" indent="0" algn="l" rtl="0">
+              <a:spcBef>
+                <a:spcPts val="0"/>
+              </a:spcBef>
+              <a:spcAft>
+                <a:spcPts val="0"/>
+              </a:spcAft>
+              <a:buNone/>
+            </a:pPr>
+            <a:endParaRPr/>
+          </a:p>
+        </p:txBody>
+      </p:sp>
+    </p:spTree>
+    <p:extLst>
+      <p:ext uri="{BB962C8B-B14F-4D97-AF65-F5344CB8AC3E}">
+        <p14:creationId xmlns:p14="http://schemas.microsoft.com/office/powerpoint/2010/main" val="1671809511"/>
+      </p:ext>
+    </p:extLst>
+  </p:cSld>
+  <p:clrMapOvr>
+    <a:masterClrMapping/>
+  </p:clrMapOvr>
+</p:notes>
+</file>
+
+<file path=ppt/notesSlides/notesSlide6.xml><?xml version="1.0" encoding="utf-8"?>
+<p:notes xmlns:a="http://schemas.openxmlformats.org/drawingml/2006/main" xmlns:r="http://schemas.openxmlformats.org/officeDocument/2006/relationships" xmlns:p="http://schemas.openxmlformats.org/presentationml/2006/main" showMasterSp="0" showMasterPhAnim="0">
+  <p:cSld>
+    <p:spTree>
+      <p:nvGrpSpPr>
         <p:cNvPr id="1" name="Shape 271"/>
         <p:cNvGrpSpPr/>
         <p:nvPr/>
@@ -1270,111 +1483,7 @@
 </p:notes>
 </file>
 
-<file path=ppt/notesSlides/notesSlide5.xml><?xml version="1.0" encoding="utf-8"?>
-<p:notes xmlns:a="http://schemas.openxmlformats.org/drawingml/2006/main" xmlns:r="http://schemas.openxmlformats.org/officeDocument/2006/relationships" xmlns:p="http://schemas.openxmlformats.org/presentationml/2006/main" showMasterSp="0" showMasterPhAnim="0">
-  <p:cSld>
-    <p:spTree>
-      <p:nvGrpSpPr>
-        <p:cNvPr id="1" name="Shape 675"/>
-        <p:cNvGrpSpPr/>
-        <p:nvPr/>
-      </p:nvGrpSpPr>
-      <p:grpSpPr>
-        <a:xfrm>
-          <a:off x="0" y="0"/>
-          <a:ext cx="0" cy="0"/>
-          <a:chOff x="0" y="0"/>
-          <a:chExt cx="0" cy="0"/>
-        </a:xfrm>
-      </p:grpSpPr>
-      <p:sp>
-        <p:nvSpPr>
-          <p:cNvPr id="676" name="Google Shape;676;g442eb61d9d_0_449:notes"/>
-          <p:cNvSpPr>
-            <a:spLocks noGrp="1" noRot="1" noChangeAspect="1"/>
-          </p:cNvSpPr>
-          <p:nvPr>
-            <p:ph type="sldImg" idx="2"/>
-          </p:nvPr>
-        </p:nvSpPr>
-        <p:spPr>
-          <a:xfrm>
-            <a:off x="381000" y="685800"/>
-            <a:ext cx="6096000" cy="3429000"/>
-          </a:xfrm>
-          <a:custGeom>
-            <a:avLst/>
-            <a:gdLst/>
-            <a:ahLst/>
-            <a:cxnLst/>
-            <a:rect l="l" t="t" r="r" b="b"/>
-            <a:pathLst>
-              <a:path w="120000" h="120000" extrusionOk="0">
-                <a:moveTo>
-                  <a:pt x="0" y="0"/>
-                </a:moveTo>
-                <a:lnTo>
-                  <a:pt x="120000" y="0"/>
-                </a:lnTo>
-                <a:lnTo>
-                  <a:pt x="120000" y="120000"/>
-                </a:lnTo>
-                <a:lnTo>
-                  <a:pt x="0" y="120000"/>
-                </a:lnTo>
-                <a:close/>
-              </a:path>
-            </a:pathLst>
-          </a:custGeom>
-        </p:spPr>
-      </p:sp>
-      <p:sp>
-        <p:nvSpPr>
-          <p:cNvPr id="677" name="Google Shape;677;g442eb61d9d_0_449:notes"/>
-          <p:cNvSpPr txBox="1">
-            <a:spLocks noGrp="1"/>
-          </p:cNvSpPr>
-          <p:nvPr>
-            <p:ph type="body" idx="1"/>
-          </p:nvPr>
-        </p:nvSpPr>
-        <p:spPr>
-          <a:xfrm>
-            <a:off x="685800" y="4343400"/>
-            <a:ext cx="5486400" cy="4114800"/>
-          </a:xfrm>
-          <a:prstGeom prst="rect">
-            <a:avLst/>
-          </a:prstGeom>
-        </p:spPr>
-        <p:txBody>
-          <a:bodyPr spcFirstLastPara="1" wrap="square" lIns="91425" tIns="91425" rIns="91425" bIns="91425" anchor="t" anchorCtr="0">
-            <a:noAutofit/>
-          </a:bodyPr>
-          <a:lstStyle/>
-          <a:p>
-            <a:pPr marL="0" lvl="0" indent="0" algn="l" rtl="0">
-              <a:spcBef>
-                <a:spcPts val="0"/>
-              </a:spcBef>
-              <a:spcAft>
-                <a:spcPts val="0"/>
-              </a:spcAft>
-              <a:buNone/>
-            </a:pPr>
-            <a:endParaRPr/>
-          </a:p>
-        </p:txBody>
-      </p:sp>
-    </p:spTree>
-  </p:cSld>
-  <p:clrMapOvr>
-    <a:masterClrMapping/>
-  </p:clrMapOvr>
-</p:notes>
-</file>
-
-<file path=ppt/notesSlides/notesSlide6.xml><?xml version="1.0" encoding="utf-8"?>
+<file path=ppt/notesSlides/notesSlide7.xml><?xml version="1.0" encoding="utf-8"?>
 <p:notes xmlns:a="http://schemas.openxmlformats.org/drawingml/2006/main" xmlns:r="http://schemas.openxmlformats.org/officeDocument/2006/relationships" xmlns:p="http://schemas.openxmlformats.org/presentationml/2006/main" showMasterSp="0" showMasterPhAnim="0">
   <p:cSld>
     <p:spTree>
@@ -1478,7 +1587,7 @@
 </p:notes>
 </file>
 
-<file path=ppt/notesSlides/notesSlide7.xml><?xml version="1.0" encoding="utf-8"?>
+<file path=ppt/notesSlides/notesSlide8.xml><?xml version="1.0" encoding="utf-8"?>
 <p:notes xmlns:a="http://schemas.openxmlformats.org/drawingml/2006/main" xmlns:r="http://schemas.openxmlformats.org/officeDocument/2006/relationships" xmlns:p="http://schemas.openxmlformats.org/presentationml/2006/main" showMasterSp="0" showMasterPhAnim="0">
   <p:cSld>
     <p:spTree>
@@ -1582,7 +1691,7 @@
 </p:notes>
 </file>
 
-<file path=ppt/notesSlides/notesSlide8.xml><?xml version="1.0" encoding="utf-8"?>
+<file path=ppt/notesSlides/notesSlide9.xml><?xml version="1.0" encoding="utf-8"?>
 <p:notes xmlns:a="http://schemas.openxmlformats.org/drawingml/2006/main" xmlns:r="http://schemas.openxmlformats.org/officeDocument/2006/relationships" xmlns:p="http://schemas.openxmlformats.org/presentationml/2006/main" showMasterSp="0" showMasterPhAnim="0">
   <p:cSld>
     <p:spTree>
@@ -1679,115 +1788,6 @@
         </p:txBody>
       </p:sp>
     </p:spTree>
-  </p:cSld>
-  <p:clrMapOvr>
-    <a:masterClrMapping/>
-  </p:clrMapOvr>
-</p:notes>
-</file>
-
-<file path=ppt/notesSlides/notesSlide9.xml><?xml version="1.0" encoding="utf-8"?>
-<p:notes xmlns:a="http://schemas.openxmlformats.org/drawingml/2006/main" xmlns:r="http://schemas.openxmlformats.org/officeDocument/2006/relationships" xmlns:p="http://schemas.openxmlformats.org/presentationml/2006/main" showMasterSp="0" showMasterPhAnim="0">
-  <p:cSld>
-    <p:spTree>
-      <p:nvGrpSpPr>
-        <p:cNvPr id="1" name="Shape 350"/>
-        <p:cNvGrpSpPr/>
-        <p:nvPr/>
-      </p:nvGrpSpPr>
-      <p:grpSpPr>
-        <a:xfrm>
-          <a:off x="0" y="0"/>
-          <a:ext cx="0" cy="0"/>
-          <a:chOff x="0" y="0"/>
-          <a:chExt cx="0" cy="0"/>
-        </a:xfrm>
-      </p:grpSpPr>
-      <p:sp>
-        <p:nvSpPr>
-          <p:cNvPr id="351" name="Google Shape;351;g442eb61d9d_0_442:notes"/>
-          <p:cNvSpPr>
-            <a:spLocks noGrp="1" noRot="1" noChangeAspect="1"/>
-          </p:cNvSpPr>
-          <p:nvPr>
-            <p:ph type="sldImg" idx="2"/>
-          </p:nvPr>
-        </p:nvSpPr>
-        <p:spPr>
-          <a:xfrm>
-            <a:off x="381000" y="685800"/>
-            <a:ext cx="6096000" cy="3429000"/>
-          </a:xfrm>
-          <a:custGeom>
-            <a:avLst/>
-            <a:gdLst/>
-            <a:ahLst/>
-            <a:cxnLst/>
-            <a:rect l="l" t="t" r="r" b="b"/>
-            <a:pathLst>
-              <a:path w="120000" h="120000" extrusionOk="0">
-                <a:moveTo>
-                  <a:pt x="0" y="0"/>
-                </a:moveTo>
-                <a:lnTo>
-                  <a:pt x="120000" y="0"/>
-                </a:lnTo>
-                <a:lnTo>
-                  <a:pt x="120000" y="120000"/>
-                </a:lnTo>
-                <a:lnTo>
-                  <a:pt x="0" y="120000"/>
-                </a:lnTo>
-                <a:close/>
-              </a:path>
-            </a:pathLst>
-          </a:custGeom>
-        </p:spPr>
-      </p:sp>
-      <p:sp>
-        <p:nvSpPr>
-          <p:cNvPr id="352" name="Google Shape;352;g442eb61d9d_0_442:notes"/>
-          <p:cNvSpPr txBox="1">
-            <a:spLocks noGrp="1"/>
-          </p:cNvSpPr>
-          <p:nvPr>
-            <p:ph type="body" idx="1"/>
-          </p:nvPr>
-        </p:nvSpPr>
-        <p:spPr>
-          <a:xfrm>
-            <a:off x="685800" y="4343400"/>
-            <a:ext cx="5486400" cy="4114800"/>
-          </a:xfrm>
-          <a:prstGeom prst="rect">
-            <a:avLst/>
-          </a:prstGeom>
-        </p:spPr>
-        <p:txBody>
-          <a:bodyPr spcFirstLastPara="1" wrap="square" lIns="91425" tIns="91425" rIns="91425" bIns="91425" anchor="t" anchorCtr="0">
-            <a:noAutofit/>
-          </a:bodyPr>
-          <a:lstStyle/>
-          <a:p>
-            <a:pPr marL="0" lvl="0" indent="0" algn="l" rtl="0">
-              <a:spcBef>
-                <a:spcPts val="0"/>
-              </a:spcBef>
-              <a:spcAft>
-                <a:spcPts val="0"/>
-              </a:spcAft>
-              <a:buNone/>
-            </a:pPr>
-            <a:endParaRPr/>
-          </a:p>
-        </p:txBody>
-      </p:sp>
-    </p:spTree>
-    <p:extLst>
-      <p:ext uri="{BB962C8B-B14F-4D97-AF65-F5344CB8AC3E}">
-        <p14:creationId xmlns:p14="http://schemas.microsoft.com/office/powerpoint/2010/main" val="1671809511"/>
-      </p:ext>
-    </p:extLst>
   </p:cSld>
   <p:clrMapOvr>
     <a:masterClrMapping/>
@@ -8416,7 +8416,7 @@
             <a:avLst/>
           </a:prstGeom>
           <a:solidFill>
-            <a:schemeClr val="accent1"/>
+            <a:schemeClr val="accent2"/>
           </a:solidFill>
           <a:ln>
             <a:noFill/>
@@ -8456,7 +8456,7 @@
             <a:avLst/>
           </a:prstGeom>
           <a:solidFill>
-            <a:schemeClr val="accent1"/>
+            <a:schemeClr val="accent2"/>
           </a:solidFill>
           <a:ln>
             <a:noFill/>
@@ -8521,14 +8521,14 @@
               <a:buNone/>
             </a:pPr>
             <a:r>
-              <a:rPr lang="es" sz="1200" dirty="0">
+              <a:rPr lang="es" sz="1200" b="1" dirty="0">
                 <a:solidFill>
                   <a:schemeClr val="dk1"/>
                 </a:solidFill>
               </a:rPr>
-              <a:t>Does anyone have any questions?</a:t>
+              <a:t>Questions?</a:t>
             </a:r>
-            <a:endParaRPr sz="1200" dirty="0">
+            <a:endParaRPr sz="1200" b="1" dirty="0">
               <a:solidFill>
                 <a:schemeClr val="dk1"/>
               </a:solidFill>
@@ -9034,6 +9034,16 @@
           <a:prstGeom prst="rect">
             <a:avLst/>
           </a:prstGeom>
+          <a:ln>
+            <a:noFill/>
+          </a:ln>
+          <a:effectLst>
+            <a:outerShdw blurRad="190500" algn="tl" rotWithShape="0">
+              <a:srgbClr val="000000">
+                <a:alpha val="70000"/>
+              </a:srgbClr>
+            </a:outerShdw>
+          </a:effectLst>
         </p:spPr>
       </p:pic>
     </p:spTree>
@@ -9073,7 +9083,7 @@
         </p:nvSpPr>
         <p:spPr>
           <a:xfrm>
-            <a:off x="539650" y="2123072"/>
+            <a:off x="3331836" y="1861816"/>
             <a:ext cx="5877000" cy="2502000"/>
           </a:xfrm>
           <a:prstGeom prst="rect">
@@ -9387,16 +9397,22 @@
         </p:blipFill>
         <p:spPr>
           <a:xfrm rot="5400000">
-            <a:off x="5783851" y="1680377"/>
+            <a:off x="164001" y="1623227"/>
             <a:ext cx="3321897" cy="2491200"/>
           </a:xfrm>
           <a:prstGeom prst="rect">
             <a:avLst/>
           </a:prstGeom>
-          <a:noFill/>
           <a:ln>
             <a:noFill/>
           </a:ln>
+          <a:effectLst>
+            <a:outerShdw blurRad="292100" dist="139700" dir="2700000" algn="tl" rotWithShape="0">
+              <a:srgbClr val="333333">
+                <a:alpha val="65000"/>
+              </a:srgbClr>
+            </a:outerShdw>
+          </a:effectLst>
         </p:spPr>
       </p:pic>
     </p:spTree>
@@ -9408,494 +9424,6 @@
 </file>
 
 <file path=ppt/slides/slide4.xml><?xml version="1.0" encoding="utf-8"?>
-<p:sld xmlns:a="http://schemas.openxmlformats.org/drawingml/2006/main" xmlns:r="http://schemas.openxmlformats.org/officeDocument/2006/relationships" xmlns:p="http://schemas.openxmlformats.org/presentationml/2006/main">
-  <p:cSld>
-    <p:spTree>
-      <p:nvGrpSpPr>
-        <p:cNvPr id="1" name="Shape 274"/>
-        <p:cNvGrpSpPr/>
-        <p:nvPr/>
-      </p:nvGrpSpPr>
-      <p:grpSpPr>
-        <a:xfrm>
-          <a:off x="0" y="0"/>
-          <a:ext cx="0" cy="0"/>
-          <a:chOff x="0" y="0"/>
-          <a:chExt cx="0" cy="0"/>
-        </a:xfrm>
-      </p:grpSpPr>
-      <p:sp>
-        <p:nvSpPr>
-          <p:cNvPr id="275" name="Google Shape;275;p42"/>
-          <p:cNvSpPr txBox="1">
-            <a:spLocks noGrp="1"/>
-          </p:cNvSpPr>
-          <p:nvPr>
-            <p:ph type="title"/>
-          </p:nvPr>
-        </p:nvSpPr>
-        <p:spPr>
-          <a:xfrm>
-            <a:off x="0" y="689475"/>
-            <a:ext cx="9144000" cy="482400"/>
-          </a:xfrm>
-          <a:prstGeom prst="rect">
-            <a:avLst/>
-          </a:prstGeom>
-        </p:spPr>
-        <p:txBody>
-          <a:bodyPr spcFirstLastPara="1" wrap="square" lIns="91425" tIns="91425" rIns="91425" bIns="91425" anchor="t" anchorCtr="0">
-            <a:noAutofit/>
-          </a:bodyPr>
-          <a:lstStyle/>
-          <a:p>
-            <a:pPr marL="0" lvl="0" indent="0" algn="ctr" rtl="0">
-              <a:spcBef>
-                <a:spcPts val="0"/>
-              </a:spcBef>
-              <a:spcAft>
-                <a:spcPts val="0"/>
-              </a:spcAft>
-              <a:buNone/>
-            </a:pPr>
-            <a:r>
-              <a:rPr lang="es" sz="2400" dirty="0"/>
-              <a:t>Fun Times … I mean … Challenges</a:t>
-            </a:r>
-            <a:endParaRPr sz="2400" dirty="0"/>
-          </a:p>
-        </p:txBody>
-      </p:sp>
-      <p:cxnSp>
-        <p:nvCxnSpPr>
-          <p:cNvPr id="276" name="Google Shape;276;p42"/>
-          <p:cNvCxnSpPr/>
-          <p:nvPr/>
-        </p:nvCxnSpPr>
-        <p:spPr>
-          <a:xfrm>
-            <a:off x="3406450" y="1926825"/>
-            <a:ext cx="0" cy="1941300"/>
-          </a:xfrm>
-          <a:prstGeom prst="straightConnector1">
-            <a:avLst/>
-          </a:prstGeom>
-          <a:noFill/>
-          <a:ln w="38100" cap="flat" cmpd="sng">
-            <a:solidFill>
-              <a:schemeClr val="accent1"/>
-            </a:solidFill>
-            <a:prstDash val="solid"/>
-            <a:round/>
-            <a:headEnd type="none" w="med" len="med"/>
-            <a:tailEnd type="none" w="med" len="med"/>
-          </a:ln>
-        </p:spPr>
-      </p:cxnSp>
-      <p:cxnSp>
-        <p:nvCxnSpPr>
-          <p:cNvPr id="277" name="Google Shape;277;p42"/>
-          <p:cNvCxnSpPr/>
-          <p:nvPr/>
-        </p:nvCxnSpPr>
-        <p:spPr>
-          <a:xfrm>
-            <a:off x="5737375" y="1926825"/>
-            <a:ext cx="0" cy="1941300"/>
-          </a:xfrm>
-          <a:prstGeom prst="straightConnector1">
-            <a:avLst/>
-          </a:prstGeom>
-          <a:noFill/>
-          <a:ln w="38100" cap="flat" cmpd="sng">
-            <a:solidFill>
-              <a:schemeClr val="accent1"/>
-            </a:solidFill>
-            <a:prstDash val="solid"/>
-            <a:round/>
-            <a:headEnd type="none" w="med" len="med"/>
-            <a:tailEnd type="none" w="med" len="med"/>
-          </a:ln>
-        </p:spPr>
-      </p:cxnSp>
-      <p:sp>
-        <p:nvSpPr>
-          <p:cNvPr id="278" name="Google Shape;278;p42"/>
-          <p:cNvSpPr txBox="1">
-            <a:spLocks noGrp="1"/>
-          </p:cNvSpPr>
-          <p:nvPr>
-            <p:ph type="sldNum" idx="12"/>
-          </p:nvPr>
-        </p:nvSpPr>
-        <p:spPr>
-          <a:xfrm>
-            <a:off x="8548658" y="4663217"/>
-            <a:ext cx="548700" cy="393600"/>
-          </a:xfrm>
-          <a:prstGeom prst="rect">
-            <a:avLst/>
-          </a:prstGeom>
-        </p:spPr>
-        <p:txBody>
-          <a:bodyPr spcFirstLastPara="1" wrap="square" lIns="91425" tIns="91425" rIns="91425" bIns="91425" anchor="ctr" anchorCtr="0">
-            <a:noAutofit/>
-          </a:bodyPr>
-          <a:lstStyle/>
-          <a:p>
-            <a:pPr marL="0" lvl="0" indent="0" algn="l" rtl="0">
-              <a:spcBef>
-                <a:spcPts val="0"/>
-              </a:spcBef>
-              <a:spcAft>
-                <a:spcPts val="0"/>
-              </a:spcAft>
-              <a:buClr>
-                <a:srgbClr val="000000"/>
-              </a:buClr>
-              <a:buSzPts val="1100"/>
-              <a:buFont typeface="Arial"/>
-              <a:buNone/>
-            </a:pPr>
-            <a:fld id="{00000000-1234-1234-1234-123412341234}" type="slidenum">
-              <a:rPr lang="es"/>
-              <a:t>4</a:t>
-            </a:fld>
-            <a:endParaRPr/>
-          </a:p>
-        </p:txBody>
-      </p:sp>
-      <p:sp>
-        <p:nvSpPr>
-          <p:cNvPr id="279" name="Google Shape;279;p42"/>
-          <p:cNvSpPr txBox="1">
-            <a:spLocks noGrp="1"/>
-          </p:cNvSpPr>
-          <p:nvPr>
-            <p:ph type="ctrTitle" idx="2"/>
-          </p:nvPr>
-        </p:nvSpPr>
-        <p:spPr>
-          <a:xfrm>
-            <a:off x="1075526" y="1301925"/>
-            <a:ext cx="2113500" cy="644700"/>
-          </a:xfrm>
-          <a:prstGeom prst="rect">
-            <a:avLst/>
-          </a:prstGeom>
-        </p:spPr>
-        <p:txBody>
-          <a:bodyPr spcFirstLastPara="1" wrap="square" lIns="91425" tIns="91425" rIns="91425" bIns="91425" anchor="b" anchorCtr="0">
-            <a:noAutofit/>
-          </a:bodyPr>
-          <a:lstStyle/>
-          <a:p>
-            <a:pPr marL="0" lvl="0" indent="0" algn="ctr" rtl="0">
-              <a:spcBef>
-                <a:spcPts val="0"/>
-              </a:spcBef>
-              <a:spcAft>
-                <a:spcPts val="0"/>
-              </a:spcAft>
-              <a:buNone/>
-            </a:pPr>
-            <a:r>
-              <a:rPr lang="es" dirty="0">
-                <a:solidFill>
-                  <a:schemeClr val="accent1">
-                    <a:lumMod val="75000"/>
-                  </a:schemeClr>
-                </a:solidFill>
-              </a:rPr>
-              <a:t>Not a Bot </a:t>
-            </a:r>
-            <a:endParaRPr dirty="0">
-              <a:solidFill>
-                <a:schemeClr val="accent1">
-                  <a:lumMod val="75000"/>
-                </a:schemeClr>
-              </a:solidFill>
-            </a:endParaRPr>
-          </a:p>
-        </p:txBody>
-      </p:sp>
-      <p:sp>
-        <p:nvSpPr>
-          <p:cNvPr id="280" name="Google Shape;280;p42"/>
-          <p:cNvSpPr txBox="1">
-            <a:spLocks noGrp="1"/>
-          </p:cNvSpPr>
-          <p:nvPr>
-            <p:ph type="subTitle" idx="1"/>
-          </p:nvPr>
-        </p:nvSpPr>
-        <p:spPr>
-          <a:xfrm>
-            <a:off x="1026600" y="2384775"/>
-            <a:ext cx="2271000" cy="1133725"/>
-          </a:xfrm>
-          <a:prstGeom prst="rect">
-            <a:avLst/>
-          </a:prstGeom>
-        </p:spPr>
-        <p:txBody>
-          <a:bodyPr spcFirstLastPara="1" wrap="square" lIns="91425" tIns="91425" rIns="91425" bIns="91425" anchor="t" anchorCtr="0">
-            <a:noAutofit/>
-          </a:bodyPr>
-          <a:lstStyle/>
-          <a:p>
-            <a:pPr marL="0" lvl="0" indent="0" algn="ctr" rtl="0">
-              <a:spcBef>
-                <a:spcPts val="0"/>
-              </a:spcBef>
-              <a:spcAft>
-                <a:spcPts val="0"/>
-              </a:spcAft>
-              <a:buClr>
-                <a:schemeClr val="dk1"/>
-              </a:buClr>
-              <a:buSzPts val="1100"/>
-              <a:buFont typeface="Arial"/>
-              <a:buNone/>
-            </a:pPr>
-            <a:r>
-              <a:rPr lang="es" dirty="0">
-                <a:solidFill>
-                  <a:schemeClr val="tx1"/>
-                </a:solidFill>
-              </a:rPr>
-              <a:t>While Python does not force you to use request headers, legitmizing your request is important.</a:t>
-            </a:r>
-          </a:p>
-        </p:txBody>
-      </p:sp>
-      <p:sp>
-        <p:nvSpPr>
-          <p:cNvPr id="281" name="Google Shape;281;p42"/>
-          <p:cNvSpPr txBox="1">
-            <a:spLocks noGrp="1"/>
-          </p:cNvSpPr>
-          <p:nvPr>
-            <p:ph type="ctrTitle" idx="3"/>
-          </p:nvPr>
-        </p:nvSpPr>
-        <p:spPr>
-          <a:xfrm>
-            <a:off x="3406450" y="1740075"/>
-            <a:ext cx="2382625" cy="644700"/>
-          </a:xfrm>
-          <a:prstGeom prst="rect">
-            <a:avLst/>
-          </a:prstGeom>
-        </p:spPr>
-        <p:txBody>
-          <a:bodyPr spcFirstLastPara="1" wrap="square" lIns="91425" tIns="91425" rIns="91425" bIns="91425" anchor="b" anchorCtr="0">
-            <a:noAutofit/>
-          </a:bodyPr>
-          <a:lstStyle/>
-          <a:p>
-            <a:pPr marL="0" lvl="0" indent="0" algn="ctr" rtl="0">
-              <a:spcBef>
-                <a:spcPts val="0"/>
-              </a:spcBef>
-              <a:spcAft>
-                <a:spcPts val="0"/>
-              </a:spcAft>
-              <a:buNone/>
-            </a:pPr>
-            <a:r>
-              <a:rPr lang="es" dirty="0">
-                <a:solidFill>
-                  <a:schemeClr val="accent1">
-                    <a:lumMod val="75000"/>
-                  </a:schemeClr>
-                </a:solidFill>
-              </a:rPr>
-              <a:t>Too many Requests so I am shut out huh!</a:t>
-            </a:r>
-            <a:endParaRPr dirty="0">
-              <a:solidFill>
-                <a:schemeClr val="accent1">
-                  <a:lumMod val="75000"/>
-                </a:schemeClr>
-              </a:solidFill>
-            </a:endParaRPr>
-          </a:p>
-        </p:txBody>
-      </p:sp>
-      <p:sp>
-        <p:nvSpPr>
-          <p:cNvPr id="282" name="Google Shape;282;p42"/>
-          <p:cNvSpPr txBox="1">
-            <a:spLocks noGrp="1"/>
-          </p:cNvSpPr>
-          <p:nvPr>
-            <p:ph type="subTitle" idx="4"/>
-          </p:nvPr>
-        </p:nvSpPr>
-        <p:spPr>
-          <a:xfrm>
-            <a:off x="3535954" y="2384775"/>
-            <a:ext cx="2113500" cy="1200250"/>
-          </a:xfrm>
-          <a:prstGeom prst="rect">
-            <a:avLst/>
-          </a:prstGeom>
-        </p:spPr>
-        <p:txBody>
-          <a:bodyPr spcFirstLastPara="1" wrap="square" lIns="91425" tIns="91425" rIns="91425" bIns="91425" anchor="t" anchorCtr="0">
-            <a:noAutofit/>
-          </a:bodyPr>
-          <a:lstStyle/>
-          <a:p>
-            <a:pPr marL="0" lvl="0" indent="0" algn="ctr" rtl="0">
-              <a:spcBef>
-                <a:spcPts val="0"/>
-              </a:spcBef>
-              <a:spcAft>
-                <a:spcPts val="0"/>
-              </a:spcAft>
-              <a:buClr>
-                <a:schemeClr val="dk1"/>
-              </a:buClr>
-              <a:buSzPts val="1100"/>
-              <a:buFont typeface="Arial"/>
-              <a:buNone/>
-            </a:pPr>
-            <a:r>
-              <a:rPr lang="es" dirty="0">
-                <a:solidFill>
-                  <a:srgbClr val="002060"/>
-                </a:solidFill>
-              </a:rPr>
-              <a:t>Some websites allow so many requests at a time. So you may get locked out for a while.</a:t>
-            </a:r>
-            <a:endParaRPr dirty="0">
-              <a:solidFill>
-                <a:srgbClr val="002060"/>
-              </a:solidFill>
-            </a:endParaRPr>
-          </a:p>
-        </p:txBody>
-      </p:sp>
-      <p:sp>
-        <p:nvSpPr>
-          <p:cNvPr id="283" name="Google Shape;283;p42"/>
-          <p:cNvSpPr txBox="1">
-            <a:spLocks noGrp="1"/>
-          </p:cNvSpPr>
-          <p:nvPr>
-            <p:ph type="ctrTitle" idx="5"/>
-          </p:nvPr>
-        </p:nvSpPr>
-        <p:spPr>
-          <a:xfrm>
-            <a:off x="5876996" y="1301925"/>
-            <a:ext cx="2113500" cy="644700"/>
-          </a:xfrm>
-          <a:prstGeom prst="rect">
-            <a:avLst/>
-          </a:prstGeom>
-        </p:spPr>
-        <p:txBody>
-          <a:bodyPr spcFirstLastPara="1" wrap="square" lIns="91425" tIns="91425" rIns="91425" bIns="91425" anchor="b" anchorCtr="0">
-            <a:noAutofit/>
-          </a:bodyPr>
-          <a:lstStyle/>
-          <a:p>
-            <a:pPr marL="0" lvl="0" indent="0" algn="ctr" rtl="0">
-              <a:spcBef>
-                <a:spcPts val="0"/>
-              </a:spcBef>
-              <a:spcAft>
-                <a:spcPts val="0"/>
-              </a:spcAft>
-              <a:buNone/>
-            </a:pPr>
-            <a:r>
-              <a:rPr lang="es" dirty="0">
-                <a:solidFill>
-                  <a:schemeClr val="accent1">
-                    <a:lumMod val="75000"/>
-                  </a:schemeClr>
-                </a:solidFill>
-              </a:rPr>
-              <a:t>Tunnel Vision</a:t>
-            </a:r>
-            <a:endParaRPr dirty="0">
-              <a:solidFill>
-                <a:schemeClr val="accent1">
-                  <a:lumMod val="75000"/>
-                </a:schemeClr>
-              </a:solidFill>
-            </a:endParaRPr>
-          </a:p>
-        </p:txBody>
-      </p:sp>
-      <p:sp>
-        <p:nvSpPr>
-          <p:cNvPr id="284" name="Google Shape;284;p42"/>
-          <p:cNvSpPr txBox="1">
-            <a:spLocks noGrp="1"/>
-          </p:cNvSpPr>
-          <p:nvPr>
-            <p:ph type="subTitle" idx="6"/>
-          </p:nvPr>
-        </p:nvSpPr>
-        <p:spPr>
-          <a:xfrm>
-            <a:off x="6020899" y="2531873"/>
-            <a:ext cx="2113500" cy="731204"/>
-          </a:xfrm>
-          <a:prstGeom prst="rect">
-            <a:avLst/>
-          </a:prstGeom>
-        </p:spPr>
-        <p:txBody>
-          <a:bodyPr spcFirstLastPara="1" wrap="square" lIns="91425" tIns="91425" rIns="91425" bIns="91425" anchor="t" anchorCtr="0">
-            <a:noAutofit/>
-          </a:bodyPr>
-          <a:lstStyle/>
-          <a:p>
-            <a:pPr marL="0" lvl="0" indent="0" algn="ctr" rtl="0">
-              <a:spcBef>
-                <a:spcPts val="0"/>
-              </a:spcBef>
-              <a:spcAft>
-                <a:spcPts val="0"/>
-              </a:spcAft>
-              <a:buClr>
-                <a:schemeClr val="dk1"/>
-              </a:buClr>
-              <a:buSzPts val="1100"/>
-              <a:buFont typeface="Arial"/>
-              <a:buNone/>
-            </a:pPr>
-            <a:r>
-              <a:rPr lang="es" dirty="0">
-                <a:solidFill>
-                  <a:srgbClr val="002060"/>
-                </a:solidFill>
-              </a:rPr>
-              <a:t>Take a breather and come back to it if stuck</a:t>
-            </a:r>
-            <a:endParaRPr dirty="0">
-              <a:solidFill>
-                <a:srgbClr val="002060"/>
-              </a:solidFill>
-            </a:endParaRPr>
-          </a:p>
-        </p:txBody>
-      </p:sp>
-    </p:spTree>
-  </p:cSld>
-  <p:clrMapOvr>
-    <a:masterClrMapping/>
-  </p:clrMapOvr>
-</p:sld>
-</file>
-
-<file path=ppt/slides/slide5.xml><?xml version="1.0" encoding="utf-8"?>
 <p:sld xmlns:a="http://schemas.openxmlformats.org/drawingml/2006/main" xmlns:r="http://schemas.openxmlformats.org/officeDocument/2006/relationships" xmlns:p="http://schemas.openxmlformats.org/presentationml/2006/main">
   <p:cSld>
     <p:spTree>
@@ -9912,6 +9440,48 @@
           <a:chExt cx="0" cy="0"/>
         </a:xfrm>
       </p:grpSpPr>
+      <p:sp>
+        <p:nvSpPr>
+          <p:cNvPr id="691" name="Google Shape;691;p51"/>
+          <p:cNvSpPr txBox="1">
+            <a:spLocks noGrp="1"/>
+          </p:cNvSpPr>
+          <p:nvPr>
+            <p:ph type="title"/>
+          </p:nvPr>
+        </p:nvSpPr>
+        <p:spPr>
+          <a:xfrm>
+            <a:off x="0" y="216225"/>
+            <a:ext cx="9144000" cy="913800"/>
+          </a:xfrm>
+          <a:prstGeom prst="rect">
+            <a:avLst/>
+          </a:prstGeom>
+        </p:spPr>
+        <p:txBody>
+          <a:bodyPr spcFirstLastPara="1" wrap="square" lIns="91425" tIns="91425" rIns="91425" bIns="91425" anchor="b" anchorCtr="0">
+            <a:noAutofit/>
+          </a:bodyPr>
+          <a:lstStyle/>
+          <a:p>
+            <a:pPr marL="0" lvl="0" indent="0" algn="ctr" rtl="0">
+              <a:spcBef>
+                <a:spcPts val="0"/>
+              </a:spcBef>
+              <a:spcAft>
+                <a:spcPts val="0"/>
+              </a:spcAft>
+              <a:buNone/>
+            </a:pPr>
+            <a:r>
+              <a:rPr lang="es" dirty="0"/>
+              <a:t>Process</a:t>
+            </a:r>
+            <a:endParaRPr dirty="0"/>
+          </a:p>
+        </p:txBody>
+      </p:sp>
       <p:grpSp>
         <p:nvGrpSpPr>
           <p:cNvPr id="679" name="Google Shape;679;p51"/>
@@ -9925,6 +9495,9 @@
             <a:chOff x="1907514" y="1611245"/>
             <a:chExt cx="5328973" cy="2793092"/>
           </a:xfrm>
+          <a:solidFill>
+            <a:schemeClr val="accent2"/>
+          </a:solidFill>
         </p:grpSpPr>
         <p:sp>
           <p:nvSpPr>
@@ -9990,13 +9563,47 @@
                 </a:path>
               </a:pathLst>
             </a:custGeom>
-            <a:solidFill>
-              <a:schemeClr val="accent1"/>
-            </a:solidFill>
+            <a:gradFill flip="none" rotWithShape="1">
+              <a:gsLst>
+                <a:gs pos="0">
+                  <a:schemeClr val="accent6">
+                    <a:lumMod val="67000"/>
+                  </a:schemeClr>
+                </a:gs>
+                <a:gs pos="48000">
+                  <a:schemeClr val="accent6">
+                    <a:lumMod val="97000"/>
+                    <a:lumOff val="3000"/>
+                  </a:schemeClr>
+                </a:gs>
+                <a:gs pos="100000">
+                  <a:schemeClr val="accent6">
+                    <a:lumMod val="60000"/>
+                    <a:lumOff val="40000"/>
+                  </a:schemeClr>
+                </a:gs>
+              </a:gsLst>
+              <a:lin ang="16200000" scaled="1"/>
+              <a:tileRect/>
+            </a:gradFill>
             <a:ln>
               <a:noFill/>
             </a:ln>
           </p:spPr>
+          <p:style>
+            <a:lnRef idx="0">
+              <a:scrgbClr r="0" g="0" b="0"/>
+            </a:lnRef>
+            <a:fillRef idx="0">
+              <a:scrgbClr r="0" g="0" b="0"/>
+            </a:fillRef>
+            <a:effectRef idx="0">
+              <a:scrgbClr r="0" g="0" b="0"/>
+            </a:effectRef>
+            <a:fontRef idx="minor">
+              <a:schemeClr val="lt1"/>
+            </a:fontRef>
+          </p:style>
           <p:txBody>
             <a:bodyPr spcFirstLastPara="1" wrap="square" lIns="91425" tIns="91425" rIns="91425" bIns="91425" anchor="ctr" anchorCtr="0">
               <a:noAutofit/>
@@ -10080,13 +9687,47 @@
                 </a:path>
               </a:pathLst>
             </a:custGeom>
-            <a:solidFill>
-              <a:schemeClr val="accent1"/>
-            </a:solidFill>
+            <a:gradFill flip="none" rotWithShape="1">
+              <a:gsLst>
+                <a:gs pos="0">
+                  <a:schemeClr val="accent6">
+                    <a:lumMod val="67000"/>
+                  </a:schemeClr>
+                </a:gs>
+                <a:gs pos="48000">
+                  <a:schemeClr val="accent6">
+                    <a:lumMod val="97000"/>
+                    <a:lumOff val="3000"/>
+                  </a:schemeClr>
+                </a:gs>
+                <a:gs pos="100000">
+                  <a:schemeClr val="accent6">
+                    <a:lumMod val="60000"/>
+                    <a:lumOff val="40000"/>
+                  </a:schemeClr>
+                </a:gs>
+              </a:gsLst>
+              <a:lin ang="16200000" scaled="1"/>
+              <a:tileRect/>
+            </a:gradFill>
             <a:ln>
               <a:noFill/>
             </a:ln>
           </p:spPr>
+          <p:style>
+            <a:lnRef idx="0">
+              <a:scrgbClr r="0" g="0" b="0"/>
+            </a:lnRef>
+            <a:fillRef idx="0">
+              <a:scrgbClr r="0" g="0" b="0"/>
+            </a:fillRef>
+            <a:effectRef idx="0">
+              <a:scrgbClr r="0" g="0" b="0"/>
+            </a:effectRef>
+            <a:fontRef idx="minor">
+              <a:schemeClr val="lt1"/>
+            </a:fontRef>
+          </p:style>
           <p:txBody>
             <a:bodyPr spcFirstLastPara="1" wrap="square" lIns="91425" tIns="91425" rIns="91425" bIns="91425" anchor="ctr" anchorCtr="0">
               <a:noAutofit/>
@@ -10173,13 +9814,47 @@
                 </a:path>
               </a:pathLst>
             </a:custGeom>
-            <a:solidFill>
-              <a:schemeClr val="accent1"/>
-            </a:solidFill>
+            <a:gradFill flip="none" rotWithShape="1">
+              <a:gsLst>
+                <a:gs pos="0">
+                  <a:schemeClr val="accent6">
+                    <a:lumMod val="67000"/>
+                  </a:schemeClr>
+                </a:gs>
+                <a:gs pos="48000">
+                  <a:schemeClr val="accent6">
+                    <a:lumMod val="97000"/>
+                    <a:lumOff val="3000"/>
+                  </a:schemeClr>
+                </a:gs>
+                <a:gs pos="100000">
+                  <a:schemeClr val="accent6">
+                    <a:lumMod val="60000"/>
+                    <a:lumOff val="40000"/>
+                  </a:schemeClr>
+                </a:gs>
+              </a:gsLst>
+              <a:lin ang="16200000" scaled="1"/>
+              <a:tileRect/>
+            </a:gradFill>
             <a:ln>
               <a:noFill/>
             </a:ln>
           </p:spPr>
+          <p:style>
+            <a:lnRef idx="0">
+              <a:scrgbClr r="0" g="0" b="0"/>
+            </a:lnRef>
+            <a:fillRef idx="0">
+              <a:scrgbClr r="0" g="0" b="0"/>
+            </a:fillRef>
+            <a:effectRef idx="0">
+              <a:scrgbClr r="0" g="0" b="0"/>
+            </a:effectRef>
+            <a:fontRef idx="minor">
+              <a:schemeClr val="lt1"/>
+            </a:fontRef>
+          </p:style>
           <p:txBody>
             <a:bodyPr spcFirstLastPara="1" wrap="square" lIns="91425" tIns="91425" rIns="91425" bIns="91425" anchor="ctr" anchorCtr="0">
               <a:noAutofit/>
@@ -10271,13 +9946,47 @@
                 </a:path>
               </a:pathLst>
             </a:custGeom>
-            <a:solidFill>
-              <a:schemeClr val="accent1"/>
-            </a:solidFill>
+            <a:gradFill flip="none" rotWithShape="1">
+              <a:gsLst>
+                <a:gs pos="0">
+                  <a:schemeClr val="accent6">
+                    <a:lumMod val="67000"/>
+                  </a:schemeClr>
+                </a:gs>
+                <a:gs pos="48000">
+                  <a:schemeClr val="accent6">
+                    <a:lumMod val="97000"/>
+                    <a:lumOff val="3000"/>
+                  </a:schemeClr>
+                </a:gs>
+                <a:gs pos="100000">
+                  <a:schemeClr val="accent6">
+                    <a:lumMod val="60000"/>
+                    <a:lumOff val="40000"/>
+                  </a:schemeClr>
+                </a:gs>
+              </a:gsLst>
+              <a:lin ang="16200000" scaled="1"/>
+              <a:tileRect/>
+            </a:gradFill>
             <a:ln>
               <a:noFill/>
             </a:ln>
           </p:spPr>
+          <p:style>
+            <a:lnRef idx="0">
+              <a:scrgbClr r="0" g="0" b="0"/>
+            </a:lnRef>
+            <a:fillRef idx="0">
+              <a:scrgbClr r="0" g="0" b="0"/>
+            </a:fillRef>
+            <a:effectRef idx="0">
+              <a:scrgbClr r="0" g="0" b="0"/>
+            </a:effectRef>
+            <a:fontRef idx="minor">
+              <a:schemeClr val="lt1"/>
+            </a:fontRef>
+          </p:style>
           <p:txBody>
             <a:bodyPr spcFirstLastPara="1" wrap="square" lIns="91425" tIns="91425" rIns="91425" bIns="91425" anchor="ctr" anchorCtr="0">
               <a:noAutofit/>
@@ -10366,13 +10075,47 @@
                 </a:path>
               </a:pathLst>
             </a:custGeom>
-            <a:solidFill>
-              <a:schemeClr val="accent1"/>
-            </a:solidFill>
+            <a:gradFill flip="none" rotWithShape="1">
+              <a:gsLst>
+                <a:gs pos="0">
+                  <a:schemeClr val="accent6">
+                    <a:lumMod val="67000"/>
+                  </a:schemeClr>
+                </a:gs>
+                <a:gs pos="48000">
+                  <a:schemeClr val="accent6">
+                    <a:lumMod val="97000"/>
+                    <a:lumOff val="3000"/>
+                  </a:schemeClr>
+                </a:gs>
+                <a:gs pos="100000">
+                  <a:schemeClr val="accent6">
+                    <a:lumMod val="60000"/>
+                    <a:lumOff val="40000"/>
+                  </a:schemeClr>
+                </a:gs>
+              </a:gsLst>
+              <a:lin ang="16200000" scaled="1"/>
+              <a:tileRect/>
+            </a:gradFill>
             <a:ln>
               <a:noFill/>
             </a:ln>
           </p:spPr>
+          <p:style>
+            <a:lnRef idx="0">
+              <a:scrgbClr r="0" g="0" b="0"/>
+            </a:lnRef>
+            <a:fillRef idx="0">
+              <a:scrgbClr r="0" g="0" b="0"/>
+            </a:fillRef>
+            <a:effectRef idx="0">
+              <a:scrgbClr r="0" g="0" b="0"/>
+            </a:effectRef>
+            <a:fontRef idx="minor">
+              <a:schemeClr val="lt1"/>
+            </a:fontRef>
+          </p:style>
           <p:txBody>
             <a:bodyPr spcFirstLastPara="1" wrap="square" lIns="91425" tIns="91425" rIns="91425" bIns="91425" anchor="ctr" anchorCtr="0">
               <a:noAutofit/>
@@ -10427,13 +10170,47 @@
                 </a:path>
               </a:pathLst>
             </a:custGeom>
-            <a:solidFill>
-              <a:schemeClr val="accent1"/>
-            </a:solidFill>
+            <a:gradFill flip="none" rotWithShape="1">
+              <a:gsLst>
+                <a:gs pos="0">
+                  <a:schemeClr val="accent6">
+                    <a:lumMod val="67000"/>
+                  </a:schemeClr>
+                </a:gs>
+                <a:gs pos="48000">
+                  <a:schemeClr val="accent6">
+                    <a:lumMod val="97000"/>
+                    <a:lumOff val="3000"/>
+                  </a:schemeClr>
+                </a:gs>
+                <a:gs pos="100000">
+                  <a:schemeClr val="accent6">
+                    <a:lumMod val="60000"/>
+                    <a:lumOff val="40000"/>
+                  </a:schemeClr>
+                </a:gs>
+              </a:gsLst>
+              <a:lin ang="16200000" scaled="1"/>
+              <a:tileRect/>
+            </a:gradFill>
             <a:ln>
               <a:noFill/>
             </a:ln>
           </p:spPr>
+          <p:style>
+            <a:lnRef idx="0">
+              <a:scrgbClr r="0" g="0" b="0"/>
+            </a:lnRef>
+            <a:fillRef idx="0">
+              <a:scrgbClr r="0" g="0" b="0"/>
+            </a:fillRef>
+            <a:effectRef idx="0">
+              <a:scrgbClr r="0" g="0" b="0"/>
+            </a:effectRef>
+            <a:fontRef idx="minor">
+              <a:schemeClr val="lt1"/>
+            </a:fontRef>
+          </p:style>
           <p:txBody>
             <a:bodyPr spcFirstLastPara="1" wrap="square" lIns="91425" tIns="91425" rIns="91425" bIns="91425" anchor="ctr" anchorCtr="0">
               <a:noAutofit/>
@@ -10499,13 +10276,47 @@
                 </a:path>
               </a:pathLst>
             </a:custGeom>
-            <a:solidFill>
-              <a:schemeClr val="accent1"/>
-            </a:solidFill>
+            <a:gradFill flip="none" rotWithShape="1">
+              <a:gsLst>
+                <a:gs pos="0">
+                  <a:schemeClr val="accent6">
+                    <a:lumMod val="67000"/>
+                  </a:schemeClr>
+                </a:gs>
+                <a:gs pos="48000">
+                  <a:schemeClr val="accent6">
+                    <a:lumMod val="97000"/>
+                    <a:lumOff val="3000"/>
+                  </a:schemeClr>
+                </a:gs>
+                <a:gs pos="100000">
+                  <a:schemeClr val="accent6">
+                    <a:lumMod val="60000"/>
+                    <a:lumOff val="40000"/>
+                  </a:schemeClr>
+                </a:gs>
+              </a:gsLst>
+              <a:lin ang="16200000" scaled="1"/>
+              <a:tileRect/>
+            </a:gradFill>
             <a:ln>
               <a:noFill/>
             </a:ln>
           </p:spPr>
+          <p:style>
+            <a:lnRef idx="0">
+              <a:scrgbClr r="0" g="0" b="0"/>
+            </a:lnRef>
+            <a:fillRef idx="0">
+              <a:scrgbClr r="0" g="0" b="0"/>
+            </a:fillRef>
+            <a:effectRef idx="0">
+              <a:scrgbClr r="0" g="0" b="0"/>
+            </a:effectRef>
+            <a:fontRef idx="minor">
+              <a:schemeClr val="lt1"/>
+            </a:fontRef>
+          </p:style>
           <p:txBody>
             <a:bodyPr spcFirstLastPara="1" wrap="square" lIns="91425" tIns="91425" rIns="91425" bIns="91425" anchor="ctr" anchorCtr="0">
               <a:noAutofit/>
@@ -10571,13 +10382,47 @@
                 </a:path>
               </a:pathLst>
             </a:custGeom>
-            <a:solidFill>
-              <a:schemeClr val="accent1"/>
-            </a:solidFill>
+            <a:gradFill flip="none" rotWithShape="1">
+              <a:gsLst>
+                <a:gs pos="0">
+                  <a:schemeClr val="accent6">
+                    <a:lumMod val="67000"/>
+                  </a:schemeClr>
+                </a:gs>
+                <a:gs pos="48000">
+                  <a:schemeClr val="accent6">
+                    <a:lumMod val="97000"/>
+                    <a:lumOff val="3000"/>
+                  </a:schemeClr>
+                </a:gs>
+                <a:gs pos="100000">
+                  <a:schemeClr val="accent6">
+                    <a:lumMod val="60000"/>
+                    <a:lumOff val="40000"/>
+                  </a:schemeClr>
+                </a:gs>
+              </a:gsLst>
+              <a:lin ang="16200000" scaled="1"/>
+              <a:tileRect/>
+            </a:gradFill>
             <a:ln>
               <a:noFill/>
             </a:ln>
           </p:spPr>
+          <p:style>
+            <a:lnRef idx="0">
+              <a:scrgbClr r="0" g="0" b="0"/>
+            </a:lnRef>
+            <a:fillRef idx="0">
+              <a:scrgbClr r="0" g="0" b="0"/>
+            </a:fillRef>
+            <a:effectRef idx="0">
+              <a:scrgbClr r="0" g="0" b="0"/>
+            </a:effectRef>
+            <a:fontRef idx="minor">
+              <a:schemeClr val="lt1"/>
+            </a:fontRef>
+          </p:style>
           <p:txBody>
             <a:bodyPr spcFirstLastPara="1" wrap="square" lIns="91425" tIns="91425" rIns="91425" bIns="91425" anchor="ctr" anchorCtr="0">
               <a:noAutofit/>
@@ -10643,13 +10488,47 @@
                 </a:path>
               </a:pathLst>
             </a:custGeom>
-            <a:solidFill>
-              <a:schemeClr val="accent1"/>
-            </a:solidFill>
+            <a:gradFill flip="none" rotWithShape="1">
+              <a:gsLst>
+                <a:gs pos="0">
+                  <a:schemeClr val="accent6">
+                    <a:lumMod val="67000"/>
+                  </a:schemeClr>
+                </a:gs>
+                <a:gs pos="48000">
+                  <a:schemeClr val="accent6">
+                    <a:lumMod val="97000"/>
+                    <a:lumOff val="3000"/>
+                  </a:schemeClr>
+                </a:gs>
+                <a:gs pos="100000">
+                  <a:schemeClr val="accent6">
+                    <a:lumMod val="60000"/>
+                    <a:lumOff val="40000"/>
+                  </a:schemeClr>
+                </a:gs>
+              </a:gsLst>
+              <a:lin ang="16200000" scaled="1"/>
+              <a:tileRect/>
+            </a:gradFill>
             <a:ln>
               <a:noFill/>
             </a:ln>
           </p:spPr>
+          <p:style>
+            <a:lnRef idx="0">
+              <a:scrgbClr r="0" g="0" b="0"/>
+            </a:lnRef>
+            <a:fillRef idx="0">
+              <a:scrgbClr r="0" g="0" b="0"/>
+            </a:fillRef>
+            <a:effectRef idx="0">
+              <a:scrgbClr r="0" g="0" b="0"/>
+            </a:effectRef>
+            <a:fontRef idx="minor">
+              <a:schemeClr val="lt1"/>
+            </a:fontRef>
+          </p:style>
           <p:txBody>
             <a:bodyPr spcFirstLastPara="1" wrap="square" lIns="91425" tIns="91425" rIns="91425" bIns="91425" anchor="ctr" anchorCtr="0">
               <a:noAutofit/>
@@ -10715,13 +10594,47 @@
                 </a:path>
               </a:pathLst>
             </a:custGeom>
-            <a:solidFill>
-              <a:schemeClr val="accent1"/>
-            </a:solidFill>
+            <a:gradFill flip="none" rotWithShape="1">
+              <a:gsLst>
+                <a:gs pos="0">
+                  <a:schemeClr val="accent6">
+                    <a:lumMod val="67000"/>
+                  </a:schemeClr>
+                </a:gs>
+                <a:gs pos="48000">
+                  <a:schemeClr val="accent6">
+                    <a:lumMod val="97000"/>
+                    <a:lumOff val="3000"/>
+                  </a:schemeClr>
+                </a:gs>
+                <a:gs pos="100000">
+                  <a:schemeClr val="accent6">
+                    <a:lumMod val="60000"/>
+                    <a:lumOff val="40000"/>
+                  </a:schemeClr>
+                </a:gs>
+              </a:gsLst>
+              <a:lin ang="16200000" scaled="1"/>
+              <a:tileRect/>
+            </a:gradFill>
             <a:ln>
               <a:noFill/>
             </a:ln>
           </p:spPr>
+          <p:style>
+            <a:lnRef idx="0">
+              <a:scrgbClr r="0" g="0" b="0"/>
+            </a:lnRef>
+            <a:fillRef idx="0">
+              <a:scrgbClr r="0" g="0" b="0"/>
+            </a:fillRef>
+            <a:effectRef idx="0">
+              <a:scrgbClr r="0" g="0" b="0"/>
+            </a:effectRef>
+            <a:fontRef idx="minor">
+              <a:schemeClr val="lt1"/>
+            </a:fontRef>
+          </p:style>
           <p:txBody>
             <a:bodyPr spcFirstLastPara="1" wrap="square" lIns="91425" tIns="91425" rIns="91425" bIns="91425" anchor="ctr" anchorCtr="0">
               <a:noAutofit/>
@@ -10787,13 +10700,47 @@
                 </a:path>
               </a:pathLst>
             </a:custGeom>
-            <a:solidFill>
-              <a:schemeClr val="accent1"/>
-            </a:solidFill>
+            <a:gradFill flip="none" rotWithShape="1">
+              <a:gsLst>
+                <a:gs pos="0">
+                  <a:schemeClr val="accent6">
+                    <a:lumMod val="67000"/>
+                  </a:schemeClr>
+                </a:gs>
+                <a:gs pos="48000">
+                  <a:schemeClr val="accent6">
+                    <a:lumMod val="97000"/>
+                    <a:lumOff val="3000"/>
+                  </a:schemeClr>
+                </a:gs>
+                <a:gs pos="100000">
+                  <a:schemeClr val="accent6">
+                    <a:lumMod val="60000"/>
+                    <a:lumOff val="40000"/>
+                  </a:schemeClr>
+                </a:gs>
+              </a:gsLst>
+              <a:lin ang="16200000" scaled="1"/>
+              <a:tileRect/>
+            </a:gradFill>
             <a:ln>
               <a:noFill/>
             </a:ln>
           </p:spPr>
+          <p:style>
+            <a:lnRef idx="0">
+              <a:scrgbClr r="0" g="0" b="0"/>
+            </a:lnRef>
+            <a:fillRef idx="0">
+              <a:scrgbClr r="0" g="0" b="0"/>
+            </a:fillRef>
+            <a:effectRef idx="0">
+              <a:scrgbClr r="0" g="0" b="0"/>
+            </a:effectRef>
+            <a:fontRef idx="minor">
+              <a:schemeClr val="lt1"/>
+            </a:fontRef>
+          </p:style>
           <p:txBody>
             <a:bodyPr spcFirstLastPara="1" wrap="square" lIns="91425" tIns="91425" rIns="91425" bIns="91425" anchor="ctr" anchorCtr="0">
               <a:noAutofit/>
@@ -10814,48 +10761,6 @@
           </p:txBody>
         </p:sp>
       </p:grpSp>
-      <p:sp>
-        <p:nvSpPr>
-          <p:cNvPr id="691" name="Google Shape;691;p51"/>
-          <p:cNvSpPr txBox="1">
-            <a:spLocks noGrp="1"/>
-          </p:cNvSpPr>
-          <p:nvPr>
-            <p:ph type="title"/>
-          </p:nvPr>
-        </p:nvSpPr>
-        <p:spPr>
-          <a:xfrm>
-            <a:off x="0" y="216225"/>
-            <a:ext cx="9144000" cy="913800"/>
-          </a:xfrm>
-          <a:prstGeom prst="rect">
-            <a:avLst/>
-          </a:prstGeom>
-        </p:spPr>
-        <p:txBody>
-          <a:bodyPr spcFirstLastPara="1" wrap="square" lIns="91425" tIns="91425" rIns="91425" bIns="91425" anchor="b" anchorCtr="0">
-            <a:noAutofit/>
-          </a:bodyPr>
-          <a:lstStyle/>
-          <a:p>
-            <a:pPr marL="0" lvl="0" indent="0" algn="ctr" rtl="0">
-              <a:spcBef>
-                <a:spcPts val="0"/>
-              </a:spcBef>
-              <a:spcAft>
-                <a:spcPts val="0"/>
-              </a:spcAft>
-              <a:buNone/>
-            </a:pPr>
-            <a:r>
-              <a:rPr lang="es" dirty="0"/>
-              <a:t>Process</a:t>
-            </a:r>
-            <a:endParaRPr dirty="0"/>
-          </a:p>
-        </p:txBody>
-      </p:sp>
       <p:sp>
         <p:nvSpPr>
           <p:cNvPr id="692" name="Google Shape;692;p51"/>
@@ -11245,7 +11150,7 @@
                   <a:srgbClr val="CCCCCC"/>
                 </a:solidFill>
               </a:rPr>
-              <a:t>5</a:t>
+              <a:t>4</a:t>
             </a:fld>
             <a:endParaRPr>
               <a:solidFill>
@@ -11263,2882 +11168,7 @@
 </p:sld>
 </file>
 
-<file path=ppt/slides/slide6.xml><?xml version="1.0" encoding="utf-8"?>
-<p:sld xmlns:a="http://schemas.openxmlformats.org/drawingml/2006/main" xmlns:r="http://schemas.openxmlformats.org/officeDocument/2006/relationships" xmlns:p="http://schemas.openxmlformats.org/presentationml/2006/main">
-  <p:cSld>
-    <p:spTree>
-      <p:nvGrpSpPr>
-        <p:cNvPr id="1" name="Shape 762"/>
-        <p:cNvGrpSpPr/>
-        <p:nvPr/>
-      </p:nvGrpSpPr>
-      <p:grpSpPr>
-        <a:xfrm>
-          <a:off x="0" y="0"/>
-          <a:ext cx="0" cy="0"/>
-          <a:chOff x="0" y="0"/>
-          <a:chExt cx="0" cy="0"/>
-        </a:xfrm>
-      </p:grpSpPr>
-      <p:sp>
-        <p:nvSpPr>
-          <p:cNvPr id="763" name="Google Shape;763;p56"/>
-          <p:cNvSpPr txBox="1">
-            <a:spLocks noGrp="1"/>
-          </p:cNvSpPr>
-          <p:nvPr>
-            <p:ph type="title" idx="4"/>
-          </p:nvPr>
-        </p:nvSpPr>
-        <p:spPr>
-          <a:xfrm>
-            <a:off x="-46650" y="927075"/>
-            <a:ext cx="9144000" cy="482400"/>
-          </a:xfrm>
-          <a:prstGeom prst="rect">
-            <a:avLst/>
-          </a:prstGeom>
-        </p:spPr>
-        <p:txBody>
-          <a:bodyPr spcFirstLastPara="1" wrap="square" lIns="91425" tIns="91425" rIns="91425" bIns="91425" anchor="t" anchorCtr="0">
-            <a:noAutofit/>
-          </a:bodyPr>
-          <a:lstStyle/>
-          <a:p>
-            <a:pPr marL="0" lvl="0" indent="0" algn="ctr" rtl="0">
-              <a:spcBef>
-                <a:spcPts val="0"/>
-              </a:spcBef>
-              <a:spcAft>
-                <a:spcPts val="0"/>
-              </a:spcAft>
-              <a:buNone/>
-            </a:pPr>
-            <a:r>
-              <a:rPr lang="es" dirty="0"/>
-              <a:t>Learnings</a:t>
-            </a:r>
-            <a:endParaRPr dirty="0"/>
-          </a:p>
-        </p:txBody>
-      </p:sp>
-      <p:sp>
-        <p:nvSpPr>
-          <p:cNvPr id="778" name="Google Shape;778;p56"/>
-          <p:cNvSpPr txBox="1">
-            <a:spLocks noGrp="1"/>
-          </p:cNvSpPr>
-          <p:nvPr>
-            <p:ph type="sldNum" idx="12"/>
-          </p:nvPr>
-        </p:nvSpPr>
-        <p:spPr>
-          <a:xfrm>
-            <a:off x="8548658" y="4663217"/>
-            <a:ext cx="548700" cy="393600"/>
-          </a:xfrm>
-          <a:prstGeom prst="rect">
-            <a:avLst/>
-          </a:prstGeom>
-        </p:spPr>
-        <p:txBody>
-          <a:bodyPr spcFirstLastPara="1" wrap="square" lIns="91425" tIns="91425" rIns="91425" bIns="91425" anchor="ctr" anchorCtr="0">
-            <a:noAutofit/>
-          </a:bodyPr>
-          <a:lstStyle/>
-          <a:p>
-            <a:pPr marL="0" lvl="0" indent="0" algn="l" rtl="0">
-              <a:spcBef>
-                <a:spcPts val="0"/>
-              </a:spcBef>
-              <a:spcAft>
-                <a:spcPts val="0"/>
-              </a:spcAft>
-              <a:buClr>
-                <a:srgbClr val="000000"/>
-              </a:buClr>
-              <a:buSzPts val="1100"/>
-              <a:buFont typeface="Arial"/>
-              <a:buNone/>
-            </a:pPr>
-            <a:fld id="{00000000-1234-1234-1234-123412341234}" type="slidenum">
-              <a:rPr lang="es"/>
-              <a:t>6</a:t>
-            </a:fld>
-            <a:endParaRPr/>
-          </a:p>
-        </p:txBody>
-      </p:sp>
-      <p:sp>
-        <p:nvSpPr>
-          <p:cNvPr id="779" name="Google Shape;779;p56"/>
-          <p:cNvSpPr txBox="1">
-            <a:spLocks noGrp="1"/>
-          </p:cNvSpPr>
-          <p:nvPr>
-            <p:ph type="ctrTitle"/>
-          </p:nvPr>
-        </p:nvSpPr>
-        <p:spPr>
-          <a:xfrm>
-            <a:off x="1113228" y="2151075"/>
-            <a:ext cx="3169500" cy="644700"/>
-          </a:xfrm>
-          <a:prstGeom prst="rect">
-            <a:avLst/>
-          </a:prstGeom>
-        </p:spPr>
-        <p:txBody>
-          <a:bodyPr spcFirstLastPara="1" wrap="square" lIns="91425" tIns="91425" rIns="91425" bIns="91425" anchor="b" anchorCtr="0">
-            <a:noAutofit/>
-          </a:bodyPr>
-          <a:lstStyle/>
-          <a:p>
-            <a:pPr marL="0" lvl="0" indent="0" algn="ctr" rtl="0">
-              <a:spcBef>
-                <a:spcPts val="0"/>
-              </a:spcBef>
-              <a:spcAft>
-                <a:spcPts val="0"/>
-              </a:spcAft>
-              <a:buNone/>
-            </a:pPr>
-            <a:r>
-              <a:rPr lang="es" dirty="0"/>
-              <a:t>Web Scrapping </a:t>
-            </a:r>
-            <a:endParaRPr dirty="0"/>
-          </a:p>
-        </p:txBody>
-      </p:sp>
-      <p:sp>
-        <p:nvSpPr>
-          <p:cNvPr id="781" name="Google Shape;781;p56"/>
-          <p:cNvSpPr txBox="1">
-            <a:spLocks noGrp="1"/>
-          </p:cNvSpPr>
-          <p:nvPr>
-            <p:ph type="ctrTitle" idx="2"/>
-          </p:nvPr>
-        </p:nvSpPr>
-        <p:spPr>
-          <a:xfrm>
-            <a:off x="4793885" y="2460686"/>
-            <a:ext cx="3169500" cy="644700"/>
-          </a:xfrm>
-          <a:prstGeom prst="rect">
-            <a:avLst/>
-          </a:prstGeom>
-        </p:spPr>
-        <p:txBody>
-          <a:bodyPr spcFirstLastPara="1" wrap="square" lIns="91425" tIns="91425" rIns="91425" bIns="91425" anchor="b" anchorCtr="0">
-            <a:noAutofit/>
-          </a:bodyPr>
-          <a:lstStyle/>
-          <a:p>
-            <a:pPr marL="0" lvl="0" indent="0" algn="ctr" rtl="0">
-              <a:spcBef>
-                <a:spcPts val="0"/>
-              </a:spcBef>
-              <a:spcAft>
-                <a:spcPts val="0"/>
-              </a:spcAft>
-              <a:buNone/>
-            </a:pPr>
-            <a:r>
-              <a:rPr lang="es" dirty="0"/>
-              <a:t>Data import/export</a:t>
-            </a:r>
-            <a:endParaRPr dirty="0"/>
-          </a:p>
-        </p:txBody>
-      </p:sp>
-      <p:sp>
-        <p:nvSpPr>
-          <p:cNvPr id="8" name="Google Shape;779;p56">
-            <a:extLst>
-              <a:ext uri="{FF2B5EF4-FFF2-40B4-BE49-F238E27FC236}">
-                <a16:creationId xmlns:a16="http://schemas.microsoft.com/office/drawing/2014/main" id="{C5CD89E9-B93C-5C4A-8308-71E8C11847EF}"/>
-              </a:ext>
-            </a:extLst>
-          </p:cNvPr>
-          <p:cNvSpPr txBox="1">
-            <a:spLocks/>
-          </p:cNvSpPr>
-          <p:nvPr/>
-        </p:nvSpPr>
-        <p:spPr>
-          <a:xfrm>
-            <a:off x="1113228" y="2795775"/>
-            <a:ext cx="3169500" cy="644700"/>
-          </a:xfrm>
-          <a:prstGeom prst="rect">
-            <a:avLst/>
-          </a:prstGeom>
-          <a:noFill/>
-          <a:ln>
-            <a:noFill/>
-          </a:ln>
-        </p:spPr>
-        <p:txBody>
-          <a:bodyPr spcFirstLastPara="1" wrap="square" lIns="91425" tIns="91425" rIns="91425" bIns="91425" anchor="b" anchorCtr="0">
-            <a:noAutofit/>
-          </a:bodyPr>
-          <a:lstStyle>
-            <a:defPPr marR="0" lvl="0" algn="l" rtl="0">
-              <a:lnSpc>
-                <a:spcPct val="100000"/>
-              </a:lnSpc>
-              <a:spcBef>
-                <a:spcPts val="0"/>
-              </a:spcBef>
-              <a:spcAft>
-                <a:spcPts val="0"/>
-              </a:spcAft>
-            </a:defPPr>
-            <a:lvl1pPr marR="0" lvl="0" algn="ctr" rtl="0">
-              <a:lnSpc>
-                <a:spcPct val="100000"/>
-              </a:lnSpc>
-              <a:spcBef>
-                <a:spcPts val="0"/>
-              </a:spcBef>
-              <a:spcAft>
-                <a:spcPts val="0"/>
-              </a:spcAft>
-              <a:buClr>
-                <a:schemeClr val="dk2"/>
-              </a:buClr>
-              <a:buSzPts val="1800"/>
-              <a:buFont typeface="Ubuntu"/>
-              <a:buNone/>
-              <a:defRPr sz="1800" b="1" i="0" u="none" strike="noStrike" cap="none">
-                <a:solidFill>
-                  <a:schemeClr val="dk2"/>
-                </a:solidFill>
-                <a:latin typeface="Ubuntu"/>
-                <a:ea typeface="Ubuntu"/>
-                <a:cs typeface="Ubuntu"/>
-                <a:sym typeface="Ubuntu"/>
-              </a:defRPr>
-            </a:lvl1pPr>
-            <a:lvl2pPr marR="0" lvl="1" algn="ctr" rtl="0">
-              <a:lnSpc>
-                <a:spcPct val="100000"/>
-              </a:lnSpc>
-              <a:spcBef>
-                <a:spcPts val="0"/>
-              </a:spcBef>
-              <a:spcAft>
-                <a:spcPts val="0"/>
-              </a:spcAft>
-              <a:buClr>
-                <a:schemeClr val="dk2"/>
-              </a:buClr>
-              <a:buSzPts val="1600"/>
-              <a:buFont typeface="Arvo"/>
-              <a:buNone/>
-              <a:defRPr sz="1600" b="0" i="0" u="none" strike="noStrike" cap="none">
-                <a:solidFill>
-                  <a:schemeClr val="dk2"/>
-                </a:solidFill>
-                <a:latin typeface="Arvo"/>
-                <a:ea typeface="Arvo"/>
-                <a:cs typeface="Arvo"/>
-                <a:sym typeface="Arvo"/>
-              </a:defRPr>
-            </a:lvl2pPr>
-            <a:lvl3pPr marR="0" lvl="2" algn="ctr" rtl="0">
-              <a:lnSpc>
-                <a:spcPct val="100000"/>
-              </a:lnSpc>
-              <a:spcBef>
-                <a:spcPts val="0"/>
-              </a:spcBef>
-              <a:spcAft>
-                <a:spcPts val="0"/>
-              </a:spcAft>
-              <a:buClr>
-                <a:schemeClr val="dk2"/>
-              </a:buClr>
-              <a:buSzPts val="1600"/>
-              <a:buFont typeface="Arvo"/>
-              <a:buNone/>
-              <a:defRPr sz="1600" b="0" i="0" u="none" strike="noStrike" cap="none">
-                <a:solidFill>
-                  <a:schemeClr val="dk2"/>
-                </a:solidFill>
-                <a:latin typeface="Arvo"/>
-                <a:ea typeface="Arvo"/>
-                <a:cs typeface="Arvo"/>
-                <a:sym typeface="Arvo"/>
-              </a:defRPr>
-            </a:lvl3pPr>
-            <a:lvl4pPr marR="0" lvl="3" algn="ctr" rtl="0">
-              <a:lnSpc>
-                <a:spcPct val="100000"/>
-              </a:lnSpc>
-              <a:spcBef>
-                <a:spcPts val="0"/>
-              </a:spcBef>
-              <a:spcAft>
-                <a:spcPts val="0"/>
-              </a:spcAft>
-              <a:buClr>
-                <a:schemeClr val="dk2"/>
-              </a:buClr>
-              <a:buSzPts val="1600"/>
-              <a:buFont typeface="Arvo"/>
-              <a:buNone/>
-              <a:defRPr sz="1600" b="0" i="0" u="none" strike="noStrike" cap="none">
-                <a:solidFill>
-                  <a:schemeClr val="dk2"/>
-                </a:solidFill>
-                <a:latin typeface="Arvo"/>
-                <a:ea typeface="Arvo"/>
-                <a:cs typeface="Arvo"/>
-                <a:sym typeface="Arvo"/>
-              </a:defRPr>
-            </a:lvl4pPr>
-            <a:lvl5pPr marR="0" lvl="4" algn="ctr" rtl="0">
-              <a:lnSpc>
-                <a:spcPct val="100000"/>
-              </a:lnSpc>
-              <a:spcBef>
-                <a:spcPts val="0"/>
-              </a:spcBef>
-              <a:spcAft>
-                <a:spcPts val="0"/>
-              </a:spcAft>
-              <a:buClr>
-                <a:schemeClr val="dk2"/>
-              </a:buClr>
-              <a:buSzPts val="1600"/>
-              <a:buFont typeface="Arvo"/>
-              <a:buNone/>
-              <a:defRPr sz="1600" b="0" i="0" u="none" strike="noStrike" cap="none">
-                <a:solidFill>
-                  <a:schemeClr val="dk2"/>
-                </a:solidFill>
-                <a:latin typeface="Arvo"/>
-                <a:ea typeface="Arvo"/>
-                <a:cs typeface="Arvo"/>
-                <a:sym typeface="Arvo"/>
-              </a:defRPr>
-            </a:lvl5pPr>
-            <a:lvl6pPr marR="0" lvl="5" algn="ctr" rtl="0">
-              <a:lnSpc>
-                <a:spcPct val="100000"/>
-              </a:lnSpc>
-              <a:spcBef>
-                <a:spcPts val="0"/>
-              </a:spcBef>
-              <a:spcAft>
-                <a:spcPts val="0"/>
-              </a:spcAft>
-              <a:buClr>
-                <a:schemeClr val="dk2"/>
-              </a:buClr>
-              <a:buSzPts val="1600"/>
-              <a:buFont typeface="Arvo"/>
-              <a:buNone/>
-              <a:defRPr sz="1600" b="0" i="0" u="none" strike="noStrike" cap="none">
-                <a:solidFill>
-                  <a:schemeClr val="dk2"/>
-                </a:solidFill>
-                <a:latin typeface="Arvo"/>
-                <a:ea typeface="Arvo"/>
-                <a:cs typeface="Arvo"/>
-                <a:sym typeface="Arvo"/>
-              </a:defRPr>
-            </a:lvl6pPr>
-            <a:lvl7pPr marR="0" lvl="6" algn="ctr" rtl="0">
-              <a:lnSpc>
-                <a:spcPct val="100000"/>
-              </a:lnSpc>
-              <a:spcBef>
-                <a:spcPts val="0"/>
-              </a:spcBef>
-              <a:spcAft>
-                <a:spcPts val="0"/>
-              </a:spcAft>
-              <a:buClr>
-                <a:schemeClr val="dk2"/>
-              </a:buClr>
-              <a:buSzPts val="1600"/>
-              <a:buFont typeface="Arvo"/>
-              <a:buNone/>
-              <a:defRPr sz="1600" b="0" i="0" u="none" strike="noStrike" cap="none">
-                <a:solidFill>
-                  <a:schemeClr val="dk2"/>
-                </a:solidFill>
-                <a:latin typeface="Arvo"/>
-                <a:ea typeface="Arvo"/>
-                <a:cs typeface="Arvo"/>
-                <a:sym typeface="Arvo"/>
-              </a:defRPr>
-            </a:lvl7pPr>
-            <a:lvl8pPr marR="0" lvl="7" algn="ctr" rtl="0">
-              <a:lnSpc>
-                <a:spcPct val="100000"/>
-              </a:lnSpc>
-              <a:spcBef>
-                <a:spcPts val="0"/>
-              </a:spcBef>
-              <a:spcAft>
-                <a:spcPts val="0"/>
-              </a:spcAft>
-              <a:buClr>
-                <a:schemeClr val="dk2"/>
-              </a:buClr>
-              <a:buSzPts val="1600"/>
-              <a:buFont typeface="Arvo"/>
-              <a:buNone/>
-              <a:defRPr sz="1600" b="0" i="0" u="none" strike="noStrike" cap="none">
-                <a:solidFill>
-                  <a:schemeClr val="dk2"/>
-                </a:solidFill>
-                <a:latin typeface="Arvo"/>
-                <a:ea typeface="Arvo"/>
-                <a:cs typeface="Arvo"/>
-                <a:sym typeface="Arvo"/>
-              </a:defRPr>
-            </a:lvl8pPr>
-            <a:lvl9pPr marR="0" lvl="8" algn="ctr" rtl="0">
-              <a:lnSpc>
-                <a:spcPct val="100000"/>
-              </a:lnSpc>
-              <a:spcBef>
-                <a:spcPts val="0"/>
-              </a:spcBef>
-              <a:spcAft>
-                <a:spcPts val="0"/>
-              </a:spcAft>
-              <a:buClr>
-                <a:schemeClr val="dk2"/>
-              </a:buClr>
-              <a:buSzPts val="1600"/>
-              <a:buFont typeface="Arvo"/>
-              <a:buNone/>
-              <a:defRPr sz="1600" b="0" i="0" u="none" strike="noStrike" cap="none">
-                <a:solidFill>
-                  <a:schemeClr val="dk2"/>
-                </a:solidFill>
-                <a:latin typeface="Arvo"/>
-                <a:ea typeface="Arvo"/>
-                <a:cs typeface="Arvo"/>
-                <a:sym typeface="Arvo"/>
-              </a:defRPr>
-            </a:lvl9pPr>
-          </a:lstStyle>
-          <a:p>
-            <a:r>
-              <a:rPr lang="fr-FR" dirty="0"/>
-              <a:t>Data </a:t>
-            </a:r>
-            <a:r>
-              <a:rPr lang="fr-FR" dirty="0" err="1"/>
-              <a:t>Cleaning</a:t>
-            </a:r>
-            <a:endParaRPr lang="fr-FR" dirty="0"/>
-          </a:p>
-        </p:txBody>
-      </p:sp>
-      <p:sp>
-        <p:nvSpPr>
-          <p:cNvPr id="9" name="Google Shape;779;p56">
-            <a:extLst>
-              <a:ext uri="{FF2B5EF4-FFF2-40B4-BE49-F238E27FC236}">
-                <a16:creationId xmlns:a16="http://schemas.microsoft.com/office/drawing/2014/main" id="{F5B5E684-6D21-A246-8202-2A1102643882}"/>
-              </a:ext>
-            </a:extLst>
-          </p:cNvPr>
-          <p:cNvSpPr txBox="1">
-            <a:spLocks/>
-          </p:cNvSpPr>
-          <p:nvPr/>
-        </p:nvSpPr>
-        <p:spPr>
-          <a:xfrm>
-            <a:off x="1113228" y="3312725"/>
-            <a:ext cx="3169500" cy="644700"/>
-          </a:xfrm>
-          <a:prstGeom prst="rect">
-            <a:avLst/>
-          </a:prstGeom>
-          <a:noFill/>
-          <a:ln>
-            <a:noFill/>
-          </a:ln>
-        </p:spPr>
-        <p:txBody>
-          <a:bodyPr spcFirstLastPara="1" wrap="square" lIns="91425" tIns="91425" rIns="91425" bIns="91425" anchor="b" anchorCtr="0">
-            <a:noAutofit/>
-          </a:bodyPr>
-          <a:lstStyle>
-            <a:defPPr marR="0" lvl="0" algn="l" rtl="0">
-              <a:lnSpc>
-                <a:spcPct val="100000"/>
-              </a:lnSpc>
-              <a:spcBef>
-                <a:spcPts val="0"/>
-              </a:spcBef>
-              <a:spcAft>
-                <a:spcPts val="0"/>
-              </a:spcAft>
-            </a:defPPr>
-            <a:lvl1pPr marR="0" lvl="0" algn="ctr" rtl="0">
-              <a:lnSpc>
-                <a:spcPct val="100000"/>
-              </a:lnSpc>
-              <a:spcBef>
-                <a:spcPts val="0"/>
-              </a:spcBef>
-              <a:spcAft>
-                <a:spcPts val="0"/>
-              </a:spcAft>
-              <a:buClr>
-                <a:schemeClr val="dk2"/>
-              </a:buClr>
-              <a:buSzPts val="1800"/>
-              <a:buFont typeface="Ubuntu"/>
-              <a:buNone/>
-              <a:defRPr sz="1800" b="1" i="0" u="none" strike="noStrike" cap="none">
-                <a:solidFill>
-                  <a:schemeClr val="dk2"/>
-                </a:solidFill>
-                <a:latin typeface="Ubuntu"/>
-                <a:ea typeface="Ubuntu"/>
-                <a:cs typeface="Ubuntu"/>
-                <a:sym typeface="Ubuntu"/>
-              </a:defRPr>
-            </a:lvl1pPr>
-            <a:lvl2pPr marR="0" lvl="1" algn="ctr" rtl="0">
-              <a:lnSpc>
-                <a:spcPct val="100000"/>
-              </a:lnSpc>
-              <a:spcBef>
-                <a:spcPts val="0"/>
-              </a:spcBef>
-              <a:spcAft>
-                <a:spcPts val="0"/>
-              </a:spcAft>
-              <a:buClr>
-                <a:schemeClr val="dk2"/>
-              </a:buClr>
-              <a:buSzPts val="1600"/>
-              <a:buFont typeface="Arvo"/>
-              <a:buNone/>
-              <a:defRPr sz="1600" b="0" i="0" u="none" strike="noStrike" cap="none">
-                <a:solidFill>
-                  <a:schemeClr val="dk2"/>
-                </a:solidFill>
-                <a:latin typeface="Arvo"/>
-                <a:ea typeface="Arvo"/>
-                <a:cs typeface="Arvo"/>
-                <a:sym typeface="Arvo"/>
-              </a:defRPr>
-            </a:lvl2pPr>
-            <a:lvl3pPr marR="0" lvl="2" algn="ctr" rtl="0">
-              <a:lnSpc>
-                <a:spcPct val="100000"/>
-              </a:lnSpc>
-              <a:spcBef>
-                <a:spcPts val="0"/>
-              </a:spcBef>
-              <a:spcAft>
-                <a:spcPts val="0"/>
-              </a:spcAft>
-              <a:buClr>
-                <a:schemeClr val="dk2"/>
-              </a:buClr>
-              <a:buSzPts val="1600"/>
-              <a:buFont typeface="Arvo"/>
-              <a:buNone/>
-              <a:defRPr sz="1600" b="0" i="0" u="none" strike="noStrike" cap="none">
-                <a:solidFill>
-                  <a:schemeClr val="dk2"/>
-                </a:solidFill>
-                <a:latin typeface="Arvo"/>
-                <a:ea typeface="Arvo"/>
-                <a:cs typeface="Arvo"/>
-                <a:sym typeface="Arvo"/>
-              </a:defRPr>
-            </a:lvl3pPr>
-            <a:lvl4pPr marR="0" lvl="3" algn="ctr" rtl="0">
-              <a:lnSpc>
-                <a:spcPct val="100000"/>
-              </a:lnSpc>
-              <a:spcBef>
-                <a:spcPts val="0"/>
-              </a:spcBef>
-              <a:spcAft>
-                <a:spcPts val="0"/>
-              </a:spcAft>
-              <a:buClr>
-                <a:schemeClr val="dk2"/>
-              </a:buClr>
-              <a:buSzPts val="1600"/>
-              <a:buFont typeface="Arvo"/>
-              <a:buNone/>
-              <a:defRPr sz="1600" b="0" i="0" u="none" strike="noStrike" cap="none">
-                <a:solidFill>
-                  <a:schemeClr val="dk2"/>
-                </a:solidFill>
-                <a:latin typeface="Arvo"/>
-                <a:ea typeface="Arvo"/>
-                <a:cs typeface="Arvo"/>
-                <a:sym typeface="Arvo"/>
-              </a:defRPr>
-            </a:lvl4pPr>
-            <a:lvl5pPr marR="0" lvl="4" algn="ctr" rtl="0">
-              <a:lnSpc>
-                <a:spcPct val="100000"/>
-              </a:lnSpc>
-              <a:spcBef>
-                <a:spcPts val="0"/>
-              </a:spcBef>
-              <a:spcAft>
-                <a:spcPts val="0"/>
-              </a:spcAft>
-              <a:buClr>
-                <a:schemeClr val="dk2"/>
-              </a:buClr>
-              <a:buSzPts val="1600"/>
-              <a:buFont typeface="Arvo"/>
-              <a:buNone/>
-              <a:defRPr sz="1600" b="0" i="0" u="none" strike="noStrike" cap="none">
-                <a:solidFill>
-                  <a:schemeClr val="dk2"/>
-                </a:solidFill>
-                <a:latin typeface="Arvo"/>
-                <a:ea typeface="Arvo"/>
-                <a:cs typeface="Arvo"/>
-                <a:sym typeface="Arvo"/>
-              </a:defRPr>
-            </a:lvl5pPr>
-            <a:lvl6pPr marR="0" lvl="5" algn="ctr" rtl="0">
-              <a:lnSpc>
-                <a:spcPct val="100000"/>
-              </a:lnSpc>
-              <a:spcBef>
-                <a:spcPts val="0"/>
-              </a:spcBef>
-              <a:spcAft>
-                <a:spcPts val="0"/>
-              </a:spcAft>
-              <a:buClr>
-                <a:schemeClr val="dk2"/>
-              </a:buClr>
-              <a:buSzPts val="1600"/>
-              <a:buFont typeface="Arvo"/>
-              <a:buNone/>
-              <a:defRPr sz="1600" b="0" i="0" u="none" strike="noStrike" cap="none">
-                <a:solidFill>
-                  <a:schemeClr val="dk2"/>
-                </a:solidFill>
-                <a:latin typeface="Arvo"/>
-                <a:ea typeface="Arvo"/>
-                <a:cs typeface="Arvo"/>
-                <a:sym typeface="Arvo"/>
-              </a:defRPr>
-            </a:lvl6pPr>
-            <a:lvl7pPr marR="0" lvl="6" algn="ctr" rtl="0">
-              <a:lnSpc>
-                <a:spcPct val="100000"/>
-              </a:lnSpc>
-              <a:spcBef>
-                <a:spcPts val="0"/>
-              </a:spcBef>
-              <a:spcAft>
-                <a:spcPts val="0"/>
-              </a:spcAft>
-              <a:buClr>
-                <a:schemeClr val="dk2"/>
-              </a:buClr>
-              <a:buSzPts val="1600"/>
-              <a:buFont typeface="Arvo"/>
-              <a:buNone/>
-              <a:defRPr sz="1600" b="0" i="0" u="none" strike="noStrike" cap="none">
-                <a:solidFill>
-                  <a:schemeClr val="dk2"/>
-                </a:solidFill>
-                <a:latin typeface="Arvo"/>
-                <a:ea typeface="Arvo"/>
-                <a:cs typeface="Arvo"/>
-                <a:sym typeface="Arvo"/>
-              </a:defRPr>
-            </a:lvl7pPr>
-            <a:lvl8pPr marR="0" lvl="7" algn="ctr" rtl="0">
-              <a:lnSpc>
-                <a:spcPct val="100000"/>
-              </a:lnSpc>
-              <a:spcBef>
-                <a:spcPts val="0"/>
-              </a:spcBef>
-              <a:spcAft>
-                <a:spcPts val="0"/>
-              </a:spcAft>
-              <a:buClr>
-                <a:schemeClr val="dk2"/>
-              </a:buClr>
-              <a:buSzPts val="1600"/>
-              <a:buFont typeface="Arvo"/>
-              <a:buNone/>
-              <a:defRPr sz="1600" b="0" i="0" u="none" strike="noStrike" cap="none">
-                <a:solidFill>
-                  <a:schemeClr val="dk2"/>
-                </a:solidFill>
-                <a:latin typeface="Arvo"/>
-                <a:ea typeface="Arvo"/>
-                <a:cs typeface="Arvo"/>
-                <a:sym typeface="Arvo"/>
-              </a:defRPr>
-            </a:lvl8pPr>
-            <a:lvl9pPr marR="0" lvl="8" algn="ctr" rtl="0">
-              <a:lnSpc>
-                <a:spcPct val="100000"/>
-              </a:lnSpc>
-              <a:spcBef>
-                <a:spcPts val="0"/>
-              </a:spcBef>
-              <a:spcAft>
-                <a:spcPts val="0"/>
-              </a:spcAft>
-              <a:buClr>
-                <a:schemeClr val="dk2"/>
-              </a:buClr>
-              <a:buSzPts val="1600"/>
-              <a:buFont typeface="Arvo"/>
-              <a:buNone/>
-              <a:defRPr sz="1600" b="0" i="0" u="none" strike="noStrike" cap="none">
-                <a:solidFill>
-                  <a:schemeClr val="dk2"/>
-                </a:solidFill>
-                <a:latin typeface="Arvo"/>
-                <a:ea typeface="Arvo"/>
-                <a:cs typeface="Arvo"/>
-                <a:sym typeface="Arvo"/>
-              </a:defRPr>
-            </a:lvl9pPr>
-          </a:lstStyle>
-          <a:p>
-            <a:r>
-              <a:rPr lang="fr-FR" dirty="0"/>
-              <a:t>Data </a:t>
-            </a:r>
-            <a:r>
-              <a:rPr lang="fr-FR" dirty="0" err="1"/>
-              <a:t>Normalization</a:t>
-            </a:r>
-            <a:endParaRPr lang="fr-FR" dirty="0"/>
-          </a:p>
-        </p:txBody>
-      </p:sp>
-      <p:sp>
-        <p:nvSpPr>
-          <p:cNvPr id="10" name="Google Shape;781;p56">
-            <a:extLst>
-              <a:ext uri="{FF2B5EF4-FFF2-40B4-BE49-F238E27FC236}">
-                <a16:creationId xmlns:a16="http://schemas.microsoft.com/office/drawing/2014/main" id="{A3B03997-D4CA-6E4E-B4C4-218C200CA347}"/>
-              </a:ext>
-            </a:extLst>
-          </p:cNvPr>
-          <p:cNvSpPr txBox="1">
-            <a:spLocks/>
-          </p:cNvSpPr>
-          <p:nvPr/>
-        </p:nvSpPr>
-        <p:spPr>
-          <a:xfrm>
-            <a:off x="4793885" y="3105386"/>
-            <a:ext cx="3169500" cy="644700"/>
-          </a:xfrm>
-          <a:prstGeom prst="rect">
-            <a:avLst/>
-          </a:prstGeom>
-          <a:noFill/>
-          <a:ln>
-            <a:noFill/>
-          </a:ln>
-        </p:spPr>
-        <p:txBody>
-          <a:bodyPr spcFirstLastPara="1" wrap="square" lIns="91425" tIns="91425" rIns="91425" bIns="91425" anchor="b" anchorCtr="0">
-            <a:noAutofit/>
-          </a:bodyPr>
-          <a:lstStyle>
-            <a:defPPr marR="0" lvl="0" algn="l" rtl="0">
-              <a:lnSpc>
-                <a:spcPct val="100000"/>
-              </a:lnSpc>
-              <a:spcBef>
-                <a:spcPts val="0"/>
-              </a:spcBef>
-              <a:spcAft>
-                <a:spcPts val="0"/>
-              </a:spcAft>
-            </a:defPPr>
-            <a:lvl1pPr marR="0" lvl="0" algn="ctr" rtl="0">
-              <a:lnSpc>
-                <a:spcPct val="100000"/>
-              </a:lnSpc>
-              <a:spcBef>
-                <a:spcPts val="0"/>
-              </a:spcBef>
-              <a:spcAft>
-                <a:spcPts val="0"/>
-              </a:spcAft>
-              <a:buClr>
-                <a:schemeClr val="dk2"/>
-              </a:buClr>
-              <a:buSzPts val="1800"/>
-              <a:buFont typeface="Ubuntu"/>
-              <a:buNone/>
-              <a:defRPr sz="1800" b="1" i="0" u="none" strike="noStrike" cap="none">
-                <a:solidFill>
-                  <a:schemeClr val="dk2"/>
-                </a:solidFill>
-                <a:latin typeface="Ubuntu"/>
-                <a:ea typeface="Ubuntu"/>
-                <a:cs typeface="Ubuntu"/>
-                <a:sym typeface="Ubuntu"/>
-              </a:defRPr>
-            </a:lvl1pPr>
-            <a:lvl2pPr marR="0" lvl="1" algn="ctr" rtl="0">
-              <a:lnSpc>
-                <a:spcPct val="100000"/>
-              </a:lnSpc>
-              <a:spcBef>
-                <a:spcPts val="0"/>
-              </a:spcBef>
-              <a:spcAft>
-                <a:spcPts val="0"/>
-              </a:spcAft>
-              <a:buClr>
-                <a:schemeClr val="dk2"/>
-              </a:buClr>
-              <a:buSzPts val="1600"/>
-              <a:buFont typeface="Arvo"/>
-              <a:buNone/>
-              <a:defRPr sz="1600" b="0" i="0" u="none" strike="noStrike" cap="none">
-                <a:solidFill>
-                  <a:schemeClr val="dk2"/>
-                </a:solidFill>
-                <a:latin typeface="Arvo"/>
-                <a:ea typeface="Arvo"/>
-                <a:cs typeface="Arvo"/>
-                <a:sym typeface="Arvo"/>
-              </a:defRPr>
-            </a:lvl2pPr>
-            <a:lvl3pPr marR="0" lvl="2" algn="ctr" rtl="0">
-              <a:lnSpc>
-                <a:spcPct val="100000"/>
-              </a:lnSpc>
-              <a:spcBef>
-                <a:spcPts val="0"/>
-              </a:spcBef>
-              <a:spcAft>
-                <a:spcPts val="0"/>
-              </a:spcAft>
-              <a:buClr>
-                <a:schemeClr val="dk2"/>
-              </a:buClr>
-              <a:buSzPts val="1600"/>
-              <a:buFont typeface="Arvo"/>
-              <a:buNone/>
-              <a:defRPr sz="1600" b="0" i="0" u="none" strike="noStrike" cap="none">
-                <a:solidFill>
-                  <a:schemeClr val="dk2"/>
-                </a:solidFill>
-                <a:latin typeface="Arvo"/>
-                <a:ea typeface="Arvo"/>
-                <a:cs typeface="Arvo"/>
-                <a:sym typeface="Arvo"/>
-              </a:defRPr>
-            </a:lvl3pPr>
-            <a:lvl4pPr marR="0" lvl="3" algn="ctr" rtl="0">
-              <a:lnSpc>
-                <a:spcPct val="100000"/>
-              </a:lnSpc>
-              <a:spcBef>
-                <a:spcPts val="0"/>
-              </a:spcBef>
-              <a:spcAft>
-                <a:spcPts val="0"/>
-              </a:spcAft>
-              <a:buClr>
-                <a:schemeClr val="dk2"/>
-              </a:buClr>
-              <a:buSzPts val="1600"/>
-              <a:buFont typeface="Arvo"/>
-              <a:buNone/>
-              <a:defRPr sz="1600" b="0" i="0" u="none" strike="noStrike" cap="none">
-                <a:solidFill>
-                  <a:schemeClr val="dk2"/>
-                </a:solidFill>
-                <a:latin typeface="Arvo"/>
-                <a:ea typeface="Arvo"/>
-                <a:cs typeface="Arvo"/>
-                <a:sym typeface="Arvo"/>
-              </a:defRPr>
-            </a:lvl4pPr>
-            <a:lvl5pPr marR="0" lvl="4" algn="ctr" rtl="0">
-              <a:lnSpc>
-                <a:spcPct val="100000"/>
-              </a:lnSpc>
-              <a:spcBef>
-                <a:spcPts val="0"/>
-              </a:spcBef>
-              <a:spcAft>
-                <a:spcPts val="0"/>
-              </a:spcAft>
-              <a:buClr>
-                <a:schemeClr val="dk2"/>
-              </a:buClr>
-              <a:buSzPts val="1600"/>
-              <a:buFont typeface="Arvo"/>
-              <a:buNone/>
-              <a:defRPr sz="1600" b="0" i="0" u="none" strike="noStrike" cap="none">
-                <a:solidFill>
-                  <a:schemeClr val="dk2"/>
-                </a:solidFill>
-                <a:latin typeface="Arvo"/>
-                <a:ea typeface="Arvo"/>
-                <a:cs typeface="Arvo"/>
-                <a:sym typeface="Arvo"/>
-              </a:defRPr>
-            </a:lvl5pPr>
-            <a:lvl6pPr marR="0" lvl="5" algn="ctr" rtl="0">
-              <a:lnSpc>
-                <a:spcPct val="100000"/>
-              </a:lnSpc>
-              <a:spcBef>
-                <a:spcPts val="0"/>
-              </a:spcBef>
-              <a:spcAft>
-                <a:spcPts val="0"/>
-              </a:spcAft>
-              <a:buClr>
-                <a:schemeClr val="dk2"/>
-              </a:buClr>
-              <a:buSzPts val="1600"/>
-              <a:buFont typeface="Arvo"/>
-              <a:buNone/>
-              <a:defRPr sz="1600" b="0" i="0" u="none" strike="noStrike" cap="none">
-                <a:solidFill>
-                  <a:schemeClr val="dk2"/>
-                </a:solidFill>
-                <a:latin typeface="Arvo"/>
-                <a:ea typeface="Arvo"/>
-                <a:cs typeface="Arvo"/>
-                <a:sym typeface="Arvo"/>
-              </a:defRPr>
-            </a:lvl6pPr>
-            <a:lvl7pPr marR="0" lvl="6" algn="ctr" rtl="0">
-              <a:lnSpc>
-                <a:spcPct val="100000"/>
-              </a:lnSpc>
-              <a:spcBef>
-                <a:spcPts val="0"/>
-              </a:spcBef>
-              <a:spcAft>
-                <a:spcPts val="0"/>
-              </a:spcAft>
-              <a:buClr>
-                <a:schemeClr val="dk2"/>
-              </a:buClr>
-              <a:buSzPts val="1600"/>
-              <a:buFont typeface="Arvo"/>
-              <a:buNone/>
-              <a:defRPr sz="1600" b="0" i="0" u="none" strike="noStrike" cap="none">
-                <a:solidFill>
-                  <a:schemeClr val="dk2"/>
-                </a:solidFill>
-                <a:latin typeface="Arvo"/>
-                <a:ea typeface="Arvo"/>
-                <a:cs typeface="Arvo"/>
-                <a:sym typeface="Arvo"/>
-              </a:defRPr>
-            </a:lvl7pPr>
-            <a:lvl8pPr marR="0" lvl="7" algn="ctr" rtl="0">
-              <a:lnSpc>
-                <a:spcPct val="100000"/>
-              </a:lnSpc>
-              <a:spcBef>
-                <a:spcPts val="0"/>
-              </a:spcBef>
-              <a:spcAft>
-                <a:spcPts val="0"/>
-              </a:spcAft>
-              <a:buClr>
-                <a:schemeClr val="dk2"/>
-              </a:buClr>
-              <a:buSzPts val="1600"/>
-              <a:buFont typeface="Arvo"/>
-              <a:buNone/>
-              <a:defRPr sz="1600" b="0" i="0" u="none" strike="noStrike" cap="none">
-                <a:solidFill>
-                  <a:schemeClr val="dk2"/>
-                </a:solidFill>
-                <a:latin typeface="Arvo"/>
-                <a:ea typeface="Arvo"/>
-                <a:cs typeface="Arvo"/>
-                <a:sym typeface="Arvo"/>
-              </a:defRPr>
-            </a:lvl8pPr>
-            <a:lvl9pPr marR="0" lvl="8" algn="ctr" rtl="0">
-              <a:lnSpc>
-                <a:spcPct val="100000"/>
-              </a:lnSpc>
-              <a:spcBef>
-                <a:spcPts val="0"/>
-              </a:spcBef>
-              <a:spcAft>
-                <a:spcPts val="0"/>
-              </a:spcAft>
-              <a:buClr>
-                <a:schemeClr val="dk2"/>
-              </a:buClr>
-              <a:buSzPts val="1600"/>
-              <a:buFont typeface="Arvo"/>
-              <a:buNone/>
-              <a:defRPr sz="1600" b="0" i="0" u="none" strike="noStrike" cap="none">
-                <a:solidFill>
-                  <a:schemeClr val="dk2"/>
-                </a:solidFill>
-                <a:latin typeface="Arvo"/>
-                <a:ea typeface="Arvo"/>
-                <a:cs typeface="Arvo"/>
-                <a:sym typeface="Arvo"/>
-              </a:defRPr>
-            </a:lvl9pPr>
-          </a:lstStyle>
-          <a:p>
-            <a:r>
-              <a:rPr lang="fr-FR" dirty="0"/>
-              <a:t>MySQL</a:t>
-            </a:r>
-          </a:p>
-        </p:txBody>
-      </p:sp>
-    </p:spTree>
-  </p:cSld>
-  <p:clrMapOvr>
-    <a:masterClrMapping/>
-  </p:clrMapOvr>
-</p:sld>
-</file>
-
-<file path=ppt/slides/slide7.xml><?xml version="1.0" encoding="utf-8"?>
-<p:sld xmlns:a="http://schemas.openxmlformats.org/drawingml/2006/main" xmlns:r="http://schemas.openxmlformats.org/officeDocument/2006/relationships" xmlns:p="http://schemas.openxmlformats.org/presentationml/2006/main">
-  <p:cSld>
-    <p:spTree>
-      <p:nvGrpSpPr>
-        <p:cNvPr id="1" name="Shape 930"/>
-        <p:cNvGrpSpPr/>
-        <p:nvPr/>
-      </p:nvGrpSpPr>
-      <p:grpSpPr>
-        <a:xfrm>
-          <a:off x="0" y="0"/>
-          <a:ext cx="0" cy="0"/>
-          <a:chOff x="0" y="0"/>
-          <a:chExt cx="0" cy="0"/>
-        </a:xfrm>
-      </p:grpSpPr>
-      <p:sp>
-        <p:nvSpPr>
-          <p:cNvPr id="931" name="Google Shape;931;p63"/>
-          <p:cNvSpPr txBox="1">
-            <a:spLocks noGrp="1"/>
-          </p:cNvSpPr>
-          <p:nvPr>
-            <p:ph type="title"/>
-          </p:nvPr>
-        </p:nvSpPr>
-        <p:spPr>
-          <a:xfrm>
-            <a:off x="2789300" y="596000"/>
-            <a:ext cx="4324300" cy="513600"/>
-          </a:xfrm>
-          <a:prstGeom prst="rect">
-            <a:avLst/>
-          </a:prstGeom>
-        </p:spPr>
-        <p:txBody>
-          <a:bodyPr spcFirstLastPara="1" wrap="square" lIns="91425" tIns="91425" rIns="91425" bIns="91425" anchor="b" anchorCtr="0">
-            <a:noAutofit/>
-          </a:bodyPr>
-          <a:lstStyle/>
-          <a:p>
-            <a:pPr marL="0" lvl="0" indent="0" algn="ctr" rtl="0">
-              <a:spcBef>
-                <a:spcPts val="0"/>
-              </a:spcBef>
-              <a:spcAft>
-                <a:spcPts val="0"/>
-              </a:spcAft>
-              <a:buClr>
-                <a:schemeClr val="dk1"/>
-              </a:buClr>
-              <a:buSzPts val="1100"/>
-              <a:buFont typeface="Arial"/>
-              <a:buNone/>
-            </a:pPr>
-            <a:r>
-              <a:rPr lang="es" dirty="0"/>
-              <a:t>If I were to start from Scratch</a:t>
-            </a:r>
-            <a:endParaRPr dirty="0"/>
-          </a:p>
-        </p:txBody>
-      </p:sp>
-      <p:sp>
-        <p:nvSpPr>
-          <p:cNvPr id="932" name="Google Shape;932;p63"/>
-          <p:cNvSpPr txBox="1">
-            <a:spLocks noGrp="1"/>
-          </p:cNvSpPr>
-          <p:nvPr>
-            <p:ph type="body" idx="1"/>
-          </p:nvPr>
-        </p:nvSpPr>
-        <p:spPr>
-          <a:xfrm>
-            <a:off x="803100" y="1290375"/>
-            <a:ext cx="7537800" cy="3150300"/>
-          </a:xfrm>
-          <a:prstGeom prst="rect">
-            <a:avLst/>
-          </a:prstGeom>
-        </p:spPr>
-        <p:txBody>
-          <a:bodyPr spcFirstLastPara="1" wrap="square" lIns="91425" tIns="91425" rIns="91425" bIns="91425" anchor="t" anchorCtr="0">
-            <a:noAutofit/>
-          </a:bodyPr>
-          <a:lstStyle/>
-          <a:p>
-            <a:pPr marL="285750" lvl="0" indent="-285750" algn="l" rtl="0">
-              <a:spcBef>
-                <a:spcPts val="600"/>
-              </a:spcBef>
-              <a:spcAft>
-                <a:spcPts val="0"/>
-              </a:spcAft>
-              <a:buClr>
-                <a:schemeClr val="dk1"/>
-              </a:buClr>
-              <a:buSzPts val="1100"/>
-              <a:buFontTx/>
-              <a:buChar char="-"/>
-            </a:pPr>
-            <a:r>
-              <a:rPr lang="en-US" dirty="0">
-                <a:solidFill>
-                  <a:schemeClr val="tx1">
-                    <a:lumMod val="50000"/>
-                  </a:schemeClr>
-                </a:solidFill>
-              </a:rPr>
-              <a:t>Scrape </a:t>
-            </a:r>
-            <a:r>
-              <a:rPr lang="en-US" dirty="0">
-                <a:solidFill>
-                  <a:srgbClr val="3559DC"/>
-                </a:solidFill>
-              </a:rPr>
-              <a:t>other</a:t>
-            </a:r>
-            <a:r>
-              <a:rPr lang="en-US" dirty="0">
-                <a:solidFill>
-                  <a:schemeClr val="tx1">
-                    <a:lumMod val="50000"/>
-                  </a:schemeClr>
-                </a:solidFill>
-              </a:rPr>
-              <a:t> job web sites</a:t>
-            </a:r>
-          </a:p>
-          <a:p>
-            <a:pPr marL="285750" lvl="0" indent="-285750" algn="l" rtl="0">
-              <a:spcBef>
-                <a:spcPts val="600"/>
-              </a:spcBef>
-              <a:spcAft>
-                <a:spcPts val="0"/>
-              </a:spcAft>
-              <a:buClr>
-                <a:schemeClr val="dk1"/>
-              </a:buClr>
-              <a:buSzPts val="1100"/>
-              <a:buFontTx/>
-              <a:buChar char="-"/>
-            </a:pPr>
-            <a:r>
-              <a:rPr lang="en-US" dirty="0">
-                <a:solidFill>
-                  <a:schemeClr val="tx1">
-                    <a:lumMod val="50000"/>
-                  </a:schemeClr>
-                </a:solidFill>
-              </a:rPr>
-              <a:t>Get rid of job listings that are common to these websites and among </a:t>
-            </a:r>
-            <a:r>
-              <a:rPr lang="en-US" dirty="0">
-                <a:solidFill>
-                  <a:srgbClr val="3559DC"/>
-                </a:solidFill>
-              </a:rPr>
-              <a:t>data jobs</a:t>
-            </a:r>
-          </a:p>
-          <a:p>
-            <a:pPr marL="285750" lvl="0" indent="-285750" algn="l" rtl="0">
-              <a:spcBef>
-                <a:spcPts val="600"/>
-              </a:spcBef>
-              <a:spcAft>
-                <a:spcPts val="0"/>
-              </a:spcAft>
-              <a:buClr>
-                <a:schemeClr val="dk1"/>
-              </a:buClr>
-              <a:buSzPts val="1100"/>
-              <a:buFontTx/>
-              <a:buChar char="-"/>
-            </a:pPr>
-            <a:r>
-              <a:rPr lang="en-US" dirty="0">
-                <a:solidFill>
-                  <a:srgbClr val="3559DC"/>
-                </a:solidFill>
-              </a:rPr>
-              <a:t>Output </a:t>
-            </a:r>
-            <a:r>
-              <a:rPr lang="en-US" dirty="0">
-                <a:solidFill>
-                  <a:schemeClr val="tx1">
-                    <a:lumMod val="50000"/>
-                  </a:schemeClr>
-                </a:solidFill>
-              </a:rPr>
-              <a:t>a general dataset with all the relevant data from the various job sites</a:t>
-            </a:r>
-          </a:p>
-          <a:p>
-            <a:pPr marL="285750" lvl="0" indent="-285750" algn="l">
-              <a:spcBef>
-                <a:spcPts val="600"/>
-              </a:spcBef>
-              <a:buClr>
-                <a:schemeClr val="dk1"/>
-              </a:buClr>
-              <a:buSzPts val="1100"/>
-              <a:buFontTx/>
-              <a:buChar char="-"/>
-            </a:pPr>
-            <a:r>
-              <a:rPr lang="en-US" dirty="0">
-                <a:solidFill>
-                  <a:schemeClr val="tx1">
-                    <a:lumMod val="50000"/>
-                  </a:schemeClr>
-                </a:solidFill>
-              </a:rPr>
-              <a:t>In addition to setting up a database on MySQL, send notifications </a:t>
-            </a:r>
-            <a:r>
-              <a:rPr lang="en-US" dirty="0">
-                <a:solidFill>
-                  <a:schemeClr val="tx1">
-                    <a:lumMod val="50000"/>
-                  </a:schemeClr>
-                </a:solidFill>
-                <a:sym typeface="Wingdings" pitchFamily="2" charset="2"/>
-              </a:rPr>
-              <a:t> </a:t>
-            </a:r>
-            <a:endParaRPr lang="en-US" dirty="0">
-              <a:solidFill>
-                <a:schemeClr val="tx1">
-                  <a:lumMod val="50000"/>
-                </a:schemeClr>
-              </a:solidFill>
-            </a:endParaRPr>
-          </a:p>
-        </p:txBody>
-      </p:sp>
-      <p:sp>
-        <p:nvSpPr>
-          <p:cNvPr id="933" name="Google Shape;933;p63"/>
-          <p:cNvSpPr txBox="1">
-            <a:spLocks noGrp="1"/>
-          </p:cNvSpPr>
-          <p:nvPr>
-            <p:ph type="sldNum" idx="12"/>
-          </p:nvPr>
-        </p:nvSpPr>
-        <p:spPr>
-          <a:xfrm>
-            <a:off x="8548658" y="4663217"/>
-            <a:ext cx="548700" cy="393600"/>
-          </a:xfrm>
-          <a:prstGeom prst="rect">
-            <a:avLst/>
-          </a:prstGeom>
-        </p:spPr>
-        <p:txBody>
-          <a:bodyPr spcFirstLastPara="1" wrap="square" lIns="91425" tIns="91425" rIns="91425" bIns="91425" anchor="ctr" anchorCtr="0">
-            <a:noAutofit/>
-          </a:bodyPr>
-          <a:lstStyle/>
-          <a:p>
-            <a:pPr marL="0" lvl="0" indent="0" algn="l" rtl="0">
-              <a:spcBef>
-                <a:spcPts val="0"/>
-              </a:spcBef>
-              <a:spcAft>
-                <a:spcPts val="0"/>
-              </a:spcAft>
-              <a:buNone/>
-            </a:pPr>
-            <a:fld id="{00000000-1234-1234-1234-123412341234}" type="slidenum">
-              <a:rPr lang="es" sz="1200">
-                <a:solidFill>
-                  <a:srgbClr val="CCCCCC"/>
-                </a:solidFill>
-                <a:latin typeface="Arvo"/>
-                <a:ea typeface="Arvo"/>
-                <a:cs typeface="Arvo"/>
-                <a:sym typeface="Arvo"/>
-              </a:rPr>
-              <a:t>7</a:t>
-            </a:fld>
-            <a:endParaRPr sz="1200">
-              <a:solidFill>
-                <a:srgbClr val="CCCCCC"/>
-              </a:solidFill>
-              <a:latin typeface="Arvo"/>
-              <a:ea typeface="Arvo"/>
-              <a:cs typeface="Arvo"/>
-              <a:sym typeface="Arvo"/>
-            </a:endParaRPr>
-          </a:p>
-        </p:txBody>
-      </p:sp>
-    </p:spTree>
-  </p:cSld>
-  <p:clrMapOvr>
-    <a:masterClrMapping/>
-  </p:clrMapOvr>
-</p:sld>
-</file>
-
-<file path=ppt/slides/slide8.xml><?xml version="1.0" encoding="utf-8"?>
-<p:sld xmlns:a="http://schemas.openxmlformats.org/drawingml/2006/main" xmlns:r="http://schemas.openxmlformats.org/officeDocument/2006/relationships" xmlns:p="http://schemas.openxmlformats.org/presentationml/2006/main">
-  <p:cSld>
-    <p:spTree>
-      <p:nvGrpSpPr>
-        <p:cNvPr id="1" name="Shape 319"/>
-        <p:cNvGrpSpPr/>
-        <p:nvPr/>
-      </p:nvGrpSpPr>
-      <p:grpSpPr>
-        <a:xfrm>
-          <a:off x="0" y="0"/>
-          <a:ext cx="0" cy="0"/>
-          <a:chOff x="0" y="0"/>
-          <a:chExt cx="0" cy="0"/>
-        </a:xfrm>
-      </p:grpSpPr>
-      <p:sp>
-        <p:nvSpPr>
-          <p:cNvPr id="320" name="Google Shape;320;p47"/>
-          <p:cNvSpPr txBox="1">
-            <a:spLocks noGrp="1"/>
-          </p:cNvSpPr>
-          <p:nvPr>
-            <p:ph type="title"/>
-          </p:nvPr>
-        </p:nvSpPr>
-        <p:spPr>
-          <a:xfrm>
-            <a:off x="0" y="216225"/>
-            <a:ext cx="9144000" cy="913800"/>
-          </a:xfrm>
-          <a:prstGeom prst="rect">
-            <a:avLst/>
-          </a:prstGeom>
-        </p:spPr>
-        <p:txBody>
-          <a:bodyPr spcFirstLastPara="1" wrap="square" lIns="91425" tIns="91425" rIns="91425" bIns="91425" anchor="b" anchorCtr="0">
-            <a:noAutofit/>
-          </a:bodyPr>
-          <a:lstStyle/>
-          <a:p>
-            <a:pPr marL="0" lvl="0" indent="0" algn="ctr" rtl="0">
-              <a:spcBef>
-                <a:spcPts val="0"/>
-              </a:spcBef>
-              <a:spcAft>
-                <a:spcPts val="0"/>
-              </a:spcAft>
-              <a:buNone/>
-            </a:pPr>
-            <a:r>
-              <a:rPr lang="es" sz="2400" dirty="0"/>
-              <a:t>Improvements…</a:t>
-            </a:r>
-            <a:endParaRPr sz="2400" dirty="0"/>
-          </a:p>
-        </p:txBody>
-      </p:sp>
-      <p:sp>
-        <p:nvSpPr>
-          <p:cNvPr id="321" name="Google Shape;321;p47"/>
-          <p:cNvSpPr txBox="1">
-            <a:spLocks noGrp="1"/>
-          </p:cNvSpPr>
-          <p:nvPr>
-            <p:ph type="sldNum" idx="12"/>
-          </p:nvPr>
-        </p:nvSpPr>
-        <p:spPr>
-          <a:xfrm>
-            <a:off x="8548658" y="4663217"/>
-            <a:ext cx="548700" cy="393600"/>
-          </a:xfrm>
-          <a:prstGeom prst="rect">
-            <a:avLst/>
-          </a:prstGeom>
-        </p:spPr>
-        <p:txBody>
-          <a:bodyPr spcFirstLastPara="1" wrap="square" lIns="91425" tIns="91425" rIns="91425" bIns="91425" anchor="ctr" anchorCtr="0">
-            <a:noAutofit/>
-          </a:bodyPr>
-          <a:lstStyle/>
-          <a:p>
-            <a:pPr marL="0" lvl="0" indent="0" algn="l" rtl="0">
-              <a:spcBef>
-                <a:spcPts val="0"/>
-              </a:spcBef>
-              <a:spcAft>
-                <a:spcPts val="0"/>
-              </a:spcAft>
-              <a:buClr>
-                <a:srgbClr val="000000"/>
-              </a:buClr>
-              <a:buSzPts val="1100"/>
-              <a:buFont typeface="Arial"/>
-              <a:buNone/>
-            </a:pPr>
-            <a:fld id="{00000000-1234-1234-1234-123412341234}" type="slidenum">
-              <a:rPr lang="es"/>
-              <a:t>8</a:t>
-            </a:fld>
-            <a:endParaRPr/>
-          </a:p>
-        </p:txBody>
-      </p:sp>
-      <p:sp>
-        <p:nvSpPr>
-          <p:cNvPr id="322" name="Google Shape;322;p47"/>
-          <p:cNvSpPr txBox="1"/>
-          <p:nvPr/>
-        </p:nvSpPr>
-        <p:spPr>
-          <a:xfrm>
-            <a:off x="998300" y="2705600"/>
-            <a:ext cx="2073600" cy="704400"/>
-          </a:xfrm>
-          <a:prstGeom prst="rect">
-            <a:avLst/>
-          </a:prstGeom>
-          <a:noFill/>
-          <a:ln>
-            <a:noFill/>
-          </a:ln>
-        </p:spPr>
-        <p:txBody>
-          <a:bodyPr spcFirstLastPara="1" wrap="square" lIns="91425" tIns="91425" rIns="91425" bIns="91425" anchor="t" anchorCtr="0">
-            <a:noAutofit/>
-          </a:bodyPr>
-          <a:lstStyle/>
-          <a:p>
-            <a:pPr marL="0" lvl="0" indent="0" algn="r" rtl="0">
-              <a:spcBef>
-                <a:spcPts val="0"/>
-              </a:spcBef>
-              <a:spcAft>
-                <a:spcPts val="0"/>
-              </a:spcAft>
-              <a:buClr>
-                <a:schemeClr val="dk1"/>
-              </a:buClr>
-              <a:buSzPts val="1100"/>
-              <a:buFont typeface="Arial"/>
-              <a:buNone/>
-            </a:pPr>
-            <a:r>
-              <a:rPr lang="en-US" sz="1000" b="1" dirty="0">
-                <a:solidFill>
-                  <a:schemeClr val="dk2"/>
-                </a:solidFill>
-                <a:latin typeface="Ubuntu"/>
-                <a:ea typeface="Ubuntu"/>
-                <a:cs typeface="Ubuntu"/>
-                <a:sym typeface="Ubuntu"/>
-              </a:rPr>
-              <a:t>Refine objectives, be more flexible with the pathway</a:t>
-            </a:r>
-            <a:endParaRPr sz="1000" dirty="0">
-              <a:solidFill>
-                <a:schemeClr val="lt2"/>
-              </a:solidFill>
-              <a:latin typeface="Ubuntu Light"/>
-              <a:ea typeface="Ubuntu Light"/>
-              <a:cs typeface="Ubuntu Light"/>
-              <a:sym typeface="Ubuntu Light"/>
-            </a:endParaRPr>
-          </a:p>
-          <a:p>
-            <a:pPr marL="0" lvl="0" indent="0" algn="r" rtl="0">
-              <a:spcBef>
-                <a:spcPts val="0"/>
-              </a:spcBef>
-              <a:spcAft>
-                <a:spcPts val="0"/>
-              </a:spcAft>
-              <a:buClr>
-                <a:schemeClr val="dk1"/>
-              </a:buClr>
-              <a:buSzPts val="1100"/>
-              <a:buFont typeface="Arial"/>
-              <a:buNone/>
-            </a:pPr>
-            <a:endParaRPr sz="1000" dirty="0">
-              <a:solidFill>
-                <a:schemeClr val="lt2"/>
-              </a:solidFill>
-              <a:latin typeface="Ubuntu Light"/>
-              <a:ea typeface="Ubuntu Light"/>
-              <a:cs typeface="Ubuntu Light"/>
-              <a:sym typeface="Ubuntu Light"/>
-            </a:endParaRPr>
-          </a:p>
-        </p:txBody>
-      </p:sp>
-      <p:sp>
-        <p:nvSpPr>
-          <p:cNvPr id="323" name="Google Shape;323;p47"/>
-          <p:cNvSpPr txBox="1"/>
-          <p:nvPr/>
-        </p:nvSpPr>
-        <p:spPr>
-          <a:xfrm>
-            <a:off x="5615650" y="2046409"/>
-            <a:ext cx="1748100" cy="386408"/>
-          </a:xfrm>
-          <a:prstGeom prst="rect">
-            <a:avLst/>
-          </a:prstGeom>
-          <a:noFill/>
-          <a:ln>
-            <a:noFill/>
-          </a:ln>
-        </p:spPr>
-        <p:txBody>
-          <a:bodyPr spcFirstLastPara="1" wrap="square" lIns="91425" tIns="91425" rIns="91425" bIns="91425" anchor="t" anchorCtr="0">
-            <a:noAutofit/>
-          </a:bodyPr>
-          <a:lstStyle/>
-          <a:p>
-            <a:pPr marL="0" lvl="0" indent="0" algn="l" rtl="0">
-              <a:spcBef>
-                <a:spcPts val="0"/>
-              </a:spcBef>
-              <a:spcAft>
-                <a:spcPts val="0"/>
-              </a:spcAft>
-              <a:buClr>
-                <a:schemeClr val="dk1"/>
-              </a:buClr>
-              <a:buSzPts val="1100"/>
-              <a:buFont typeface="Arial"/>
-              <a:buNone/>
-            </a:pPr>
-            <a:r>
-              <a:rPr lang="en-US" sz="1000" b="1" dirty="0">
-                <a:solidFill>
-                  <a:schemeClr val="dk2"/>
-                </a:solidFill>
-                <a:latin typeface="Ubuntu"/>
-                <a:ea typeface="Ubuntu"/>
-                <a:cs typeface="Ubuntu"/>
-                <a:sym typeface="Ubuntu"/>
-              </a:rPr>
-              <a:t>Write it once, go over and improve the code</a:t>
-            </a:r>
-            <a:endParaRPr sz="1000" dirty="0">
-              <a:solidFill>
-                <a:schemeClr val="lt2"/>
-              </a:solidFill>
-              <a:latin typeface="Ubuntu Light"/>
-              <a:ea typeface="Ubuntu Light"/>
-              <a:cs typeface="Ubuntu Light"/>
-              <a:sym typeface="Ubuntu Light"/>
-            </a:endParaRPr>
-          </a:p>
-          <a:p>
-            <a:pPr marL="0" lvl="0" indent="0" algn="l" rtl="0">
-              <a:spcBef>
-                <a:spcPts val="0"/>
-              </a:spcBef>
-              <a:spcAft>
-                <a:spcPts val="0"/>
-              </a:spcAft>
-              <a:buClr>
-                <a:schemeClr val="dk1"/>
-              </a:buClr>
-              <a:buSzPts val="1100"/>
-              <a:buFont typeface="Arial"/>
-              <a:buNone/>
-            </a:pPr>
-            <a:endParaRPr sz="1000" dirty="0">
-              <a:solidFill>
-                <a:schemeClr val="lt2"/>
-              </a:solidFill>
-              <a:latin typeface="Ubuntu Light"/>
-              <a:ea typeface="Ubuntu Light"/>
-              <a:cs typeface="Ubuntu Light"/>
-              <a:sym typeface="Ubuntu Light"/>
-            </a:endParaRPr>
-          </a:p>
-        </p:txBody>
-      </p:sp>
-      <p:sp>
-        <p:nvSpPr>
-          <p:cNvPr id="324" name="Google Shape;324;p47"/>
-          <p:cNvSpPr txBox="1"/>
-          <p:nvPr/>
-        </p:nvSpPr>
-        <p:spPr>
-          <a:xfrm>
-            <a:off x="5546722" y="3540577"/>
-            <a:ext cx="1839300" cy="269769"/>
-          </a:xfrm>
-          <a:prstGeom prst="rect">
-            <a:avLst/>
-          </a:prstGeom>
-          <a:noFill/>
-          <a:ln>
-            <a:noFill/>
-          </a:ln>
-        </p:spPr>
-        <p:txBody>
-          <a:bodyPr spcFirstLastPara="1" wrap="square" lIns="91425" tIns="91425" rIns="91425" bIns="91425" anchor="t" anchorCtr="0">
-            <a:noAutofit/>
-          </a:bodyPr>
-          <a:lstStyle/>
-          <a:p>
-            <a:pPr marL="0" lvl="0" indent="0" algn="l" rtl="0">
-              <a:spcBef>
-                <a:spcPts val="0"/>
-              </a:spcBef>
-              <a:spcAft>
-                <a:spcPts val="0"/>
-              </a:spcAft>
-              <a:buClr>
-                <a:schemeClr val="dk1"/>
-              </a:buClr>
-              <a:buSzPts val="1100"/>
-              <a:buFont typeface="Arial"/>
-              <a:buNone/>
-            </a:pPr>
-            <a:r>
-              <a:rPr lang="en-US" sz="1000" b="1" dirty="0">
-                <a:solidFill>
-                  <a:schemeClr val="dk2"/>
-                </a:solidFill>
-                <a:latin typeface="Ubuntu"/>
-                <a:ea typeface="Ubuntu Light"/>
-                <a:cs typeface="Ubuntu Light"/>
-                <a:sym typeface="Ubuntu"/>
-              </a:rPr>
-              <a:t>Clean data to support the intended analysis</a:t>
-            </a:r>
-            <a:endParaRPr sz="1000" dirty="0">
-              <a:solidFill>
-                <a:schemeClr val="lt2"/>
-              </a:solidFill>
-              <a:latin typeface="Ubuntu Light"/>
-              <a:ea typeface="Ubuntu Light"/>
-              <a:cs typeface="Ubuntu Light"/>
-              <a:sym typeface="Ubuntu Light"/>
-            </a:endParaRPr>
-          </a:p>
-        </p:txBody>
-      </p:sp>
-      <p:grpSp>
-        <p:nvGrpSpPr>
-          <p:cNvPr id="325" name="Google Shape;325;p47"/>
-          <p:cNvGrpSpPr/>
-          <p:nvPr/>
-        </p:nvGrpSpPr>
-        <p:grpSpPr>
-          <a:xfrm>
-            <a:off x="4132675" y="1951813"/>
-            <a:ext cx="1356907" cy="1023304"/>
-            <a:chOff x="4132675" y="1951813"/>
-            <a:chExt cx="1356907" cy="1023304"/>
-          </a:xfrm>
-        </p:grpSpPr>
-        <p:sp>
-          <p:nvSpPr>
-            <p:cNvPr id="326" name="Google Shape;326;p47"/>
-            <p:cNvSpPr/>
-            <p:nvPr/>
-          </p:nvSpPr>
-          <p:spPr>
-            <a:xfrm>
-              <a:off x="4188008" y="1952264"/>
-              <a:ext cx="1243078" cy="1022852"/>
-            </a:xfrm>
-            <a:custGeom>
-              <a:avLst/>
-              <a:gdLst/>
-              <a:ahLst/>
-              <a:cxnLst/>
-              <a:rect l="l" t="t" r="r" b="b"/>
-              <a:pathLst>
-                <a:path w="5504" h="4529" extrusionOk="0">
-                  <a:moveTo>
-                    <a:pt x="2759" y="1"/>
-                  </a:moveTo>
-                  <a:cubicBezTo>
-                    <a:pt x="2058" y="1"/>
-                    <a:pt x="1356" y="154"/>
-                    <a:pt x="822" y="460"/>
-                  </a:cubicBezTo>
-                  <a:cubicBezTo>
-                    <a:pt x="267" y="778"/>
-                    <a:pt x="0" y="1203"/>
-                    <a:pt x="22" y="1622"/>
-                  </a:cubicBezTo>
-                  <a:lnTo>
-                    <a:pt x="22" y="2285"/>
-                  </a:lnTo>
-                  <a:cubicBezTo>
-                    <a:pt x="22" y="2696"/>
-                    <a:pt x="289" y="3100"/>
-                    <a:pt x="822" y="3410"/>
-                  </a:cubicBezTo>
-                  <a:lnTo>
-                    <a:pt x="2763" y="4528"/>
-                  </a:lnTo>
-                  <a:lnTo>
-                    <a:pt x="4696" y="3410"/>
-                  </a:lnTo>
-                  <a:cubicBezTo>
-                    <a:pt x="5236" y="3100"/>
-                    <a:pt x="5503" y="2689"/>
-                    <a:pt x="5496" y="2285"/>
-                  </a:cubicBezTo>
-                  <a:lnTo>
-                    <a:pt x="5496" y="1578"/>
-                  </a:lnTo>
-                  <a:cubicBezTo>
-                    <a:pt x="5496" y="1175"/>
-                    <a:pt x="5229" y="771"/>
-                    <a:pt x="4696" y="460"/>
-                  </a:cubicBezTo>
-                  <a:cubicBezTo>
-                    <a:pt x="4162" y="154"/>
-                    <a:pt x="3460" y="1"/>
-                    <a:pt x="2759" y="1"/>
-                  </a:cubicBezTo>
-                  <a:close/>
-                </a:path>
-              </a:pathLst>
-            </a:custGeom>
-            <a:solidFill>
-              <a:schemeClr val="accent3"/>
-            </a:solidFill>
-            <a:ln>
-              <a:noFill/>
-            </a:ln>
-          </p:spPr>
-          <p:txBody>
-            <a:bodyPr spcFirstLastPara="1" wrap="square" lIns="91425" tIns="91425" rIns="91425" bIns="91425" anchor="ctr" anchorCtr="0">
-              <a:noAutofit/>
-            </a:bodyPr>
-            <a:lstStyle/>
-            <a:p>
-              <a:pPr marL="0" lvl="0" indent="0" algn="l" rtl="0">
-                <a:spcBef>
-                  <a:spcPts val="0"/>
-                </a:spcBef>
-                <a:spcAft>
-                  <a:spcPts val="0"/>
-                </a:spcAft>
-                <a:buNone/>
-              </a:pPr>
-              <a:endParaRPr/>
-            </a:p>
-          </p:txBody>
-        </p:sp>
-        <p:sp>
-          <p:nvSpPr>
-            <p:cNvPr id="327" name="Google Shape;327;p47"/>
-            <p:cNvSpPr/>
-            <p:nvPr/>
-          </p:nvSpPr>
-          <p:spPr>
-            <a:xfrm>
-              <a:off x="4811806" y="1951813"/>
-              <a:ext cx="619281" cy="1023304"/>
-            </a:xfrm>
-            <a:custGeom>
-              <a:avLst/>
-              <a:gdLst/>
-              <a:ahLst/>
-              <a:cxnLst/>
-              <a:rect l="l" t="t" r="r" b="b"/>
-              <a:pathLst>
-                <a:path w="2742" h="4531" extrusionOk="0">
-                  <a:moveTo>
-                    <a:pt x="1" y="1"/>
-                  </a:moveTo>
-                  <a:lnTo>
-                    <a:pt x="1" y="4530"/>
-                  </a:lnTo>
-                  <a:lnTo>
-                    <a:pt x="1934" y="3412"/>
-                  </a:lnTo>
-                  <a:cubicBezTo>
-                    <a:pt x="2467" y="3102"/>
-                    <a:pt x="2741" y="2698"/>
-                    <a:pt x="2734" y="2287"/>
-                  </a:cubicBezTo>
-                  <a:lnTo>
-                    <a:pt x="2734" y="1580"/>
-                  </a:lnTo>
-                  <a:cubicBezTo>
-                    <a:pt x="2734" y="1177"/>
-                    <a:pt x="2467" y="773"/>
-                    <a:pt x="1934" y="462"/>
-                  </a:cubicBezTo>
-                  <a:cubicBezTo>
-                    <a:pt x="1400" y="160"/>
-                    <a:pt x="700" y="1"/>
-                    <a:pt x="1" y="1"/>
-                  </a:cubicBezTo>
-                  <a:close/>
-                </a:path>
-              </a:pathLst>
-            </a:custGeom>
-            <a:solidFill>
-              <a:schemeClr val="accent4"/>
-            </a:solidFill>
-            <a:ln>
-              <a:noFill/>
-            </a:ln>
-          </p:spPr>
-          <p:txBody>
-            <a:bodyPr spcFirstLastPara="1" wrap="square" lIns="91425" tIns="91425" rIns="91425" bIns="91425" anchor="ctr" anchorCtr="0">
-              <a:noAutofit/>
-            </a:bodyPr>
-            <a:lstStyle/>
-            <a:p>
-              <a:pPr marL="0" lvl="0" indent="0" algn="l" rtl="0">
-                <a:spcBef>
-                  <a:spcPts val="0"/>
-                </a:spcBef>
-                <a:spcAft>
-                  <a:spcPts val="0"/>
-                </a:spcAft>
-                <a:buNone/>
-              </a:pPr>
-              <a:endParaRPr/>
-            </a:p>
-          </p:txBody>
-        </p:sp>
-        <p:sp>
-          <p:nvSpPr>
-            <p:cNvPr id="328" name="Google Shape;328;p47"/>
-            <p:cNvSpPr/>
-            <p:nvPr/>
-          </p:nvSpPr>
-          <p:spPr>
-            <a:xfrm>
-              <a:off x="4132675" y="1952264"/>
-              <a:ext cx="1356907" cy="861599"/>
-            </a:xfrm>
-            <a:custGeom>
-              <a:avLst/>
-              <a:gdLst/>
-              <a:ahLst/>
-              <a:cxnLst/>
-              <a:rect l="l" t="t" r="r" b="b"/>
-              <a:pathLst>
-                <a:path w="6008" h="3815" extrusionOk="0">
-                  <a:moveTo>
-                    <a:pt x="3004" y="1"/>
-                  </a:moveTo>
-                  <a:cubicBezTo>
-                    <a:pt x="2303" y="1"/>
-                    <a:pt x="1601" y="154"/>
-                    <a:pt x="1067" y="460"/>
-                  </a:cubicBezTo>
-                  <a:cubicBezTo>
-                    <a:pt x="0" y="1081"/>
-                    <a:pt x="0" y="2083"/>
-                    <a:pt x="1067" y="2696"/>
-                  </a:cubicBezTo>
-                  <a:lnTo>
-                    <a:pt x="3008" y="3814"/>
-                  </a:lnTo>
-                  <a:lnTo>
-                    <a:pt x="4941" y="2696"/>
-                  </a:lnTo>
-                  <a:cubicBezTo>
-                    <a:pt x="6008" y="2083"/>
-                    <a:pt x="6008" y="1081"/>
-                    <a:pt x="4941" y="460"/>
-                  </a:cubicBezTo>
-                  <a:cubicBezTo>
-                    <a:pt x="4407" y="154"/>
-                    <a:pt x="3705" y="1"/>
-                    <a:pt x="3004" y="1"/>
-                  </a:cubicBezTo>
-                  <a:close/>
-                </a:path>
-              </a:pathLst>
-            </a:custGeom>
-            <a:solidFill>
-              <a:schemeClr val="accent2"/>
-            </a:solidFill>
-            <a:ln>
-              <a:noFill/>
-            </a:ln>
-          </p:spPr>
-          <p:txBody>
-            <a:bodyPr spcFirstLastPara="1" wrap="square" lIns="91425" tIns="91425" rIns="91425" bIns="91425" anchor="ctr" anchorCtr="0">
-              <a:noAutofit/>
-            </a:bodyPr>
-            <a:lstStyle/>
-            <a:p>
-              <a:pPr marL="0" lvl="0" indent="0" algn="l" rtl="0">
-                <a:spcBef>
-                  <a:spcPts val="0"/>
-                </a:spcBef>
-                <a:spcAft>
-                  <a:spcPts val="0"/>
-                </a:spcAft>
-                <a:buNone/>
-              </a:pPr>
-              <a:endParaRPr/>
-            </a:p>
-          </p:txBody>
-        </p:sp>
-        <p:sp>
-          <p:nvSpPr>
-            <p:cNvPr id="329" name="Google Shape;329;p47"/>
-            <p:cNvSpPr/>
-            <p:nvPr/>
-          </p:nvSpPr>
-          <p:spPr>
-            <a:xfrm>
-              <a:off x="4435539" y="2092062"/>
-              <a:ext cx="751177" cy="433397"/>
-            </a:xfrm>
-            <a:custGeom>
-              <a:avLst/>
-              <a:gdLst/>
-              <a:ahLst/>
-              <a:cxnLst/>
-              <a:rect l="l" t="t" r="r" b="b"/>
-              <a:pathLst>
-                <a:path w="3326" h="1919" extrusionOk="0">
-                  <a:moveTo>
-                    <a:pt x="1667" y="0"/>
-                  </a:moveTo>
-                  <a:cubicBezTo>
-                    <a:pt x="743" y="0"/>
-                    <a:pt x="1" y="433"/>
-                    <a:pt x="1" y="959"/>
-                  </a:cubicBezTo>
-                  <a:cubicBezTo>
-                    <a:pt x="1" y="1493"/>
-                    <a:pt x="743" y="1919"/>
-                    <a:pt x="1667" y="1919"/>
-                  </a:cubicBezTo>
-                  <a:cubicBezTo>
-                    <a:pt x="2583" y="1919"/>
-                    <a:pt x="3325" y="1493"/>
-                    <a:pt x="3325" y="959"/>
-                  </a:cubicBezTo>
-                  <a:cubicBezTo>
-                    <a:pt x="3325" y="433"/>
-                    <a:pt x="2583" y="0"/>
-                    <a:pt x="1667" y="0"/>
-                  </a:cubicBezTo>
-                  <a:close/>
-                </a:path>
-              </a:pathLst>
-            </a:custGeom>
-            <a:solidFill>
-              <a:schemeClr val="accent1"/>
-            </a:solidFill>
-            <a:ln>
-              <a:noFill/>
-            </a:ln>
-          </p:spPr>
-          <p:txBody>
-            <a:bodyPr spcFirstLastPara="1" wrap="square" lIns="91425" tIns="91425" rIns="91425" bIns="91425" anchor="ctr" anchorCtr="0">
-              <a:noAutofit/>
-            </a:bodyPr>
-            <a:lstStyle/>
-            <a:p>
-              <a:pPr marL="0" lvl="0" indent="0" algn="l" rtl="0">
-                <a:spcBef>
-                  <a:spcPts val="0"/>
-                </a:spcBef>
-                <a:spcAft>
-                  <a:spcPts val="0"/>
-                </a:spcAft>
-                <a:buNone/>
-              </a:pPr>
-              <a:endParaRPr/>
-            </a:p>
-          </p:txBody>
-        </p:sp>
-        <p:sp>
-          <p:nvSpPr>
-            <p:cNvPr id="330" name="Google Shape;330;p47"/>
-            <p:cNvSpPr/>
-            <p:nvPr/>
-          </p:nvSpPr>
-          <p:spPr>
-            <a:xfrm>
-              <a:off x="4422440" y="2092062"/>
-              <a:ext cx="777376" cy="246171"/>
-            </a:xfrm>
-            <a:custGeom>
-              <a:avLst/>
-              <a:gdLst/>
-              <a:ahLst/>
-              <a:cxnLst/>
-              <a:rect l="l" t="t" r="r" b="b"/>
-              <a:pathLst>
-                <a:path w="3442" h="1090" extrusionOk="0">
-                  <a:moveTo>
-                    <a:pt x="1721" y="0"/>
-                  </a:moveTo>
-                  <a:cubicBezTo>
-                    <a:pt x="1294" y="0"/>
-                    <a:pt x="866" y="94"/>
-                    <a:pt x="542" y="281"/>
-                  </a:cubicBezTo>
-                  <a:cubicBezTo>
-                    <a:pt x="159" y="505"/>
-                    <a:pt x="1" y="808"/>
-                    <a:pt x="73" y="1089"/>
-                  </a:cubicBezTo>
-                  <a:cubicBezTo>
-                    <a:pt x="123" y="894"/>
-                    <a:pt x="282" y="707"/>
-                    <a:pt x="542" y="548"/>
-                  </a:cubicBezTo>
-                  <a:cubicBezTo>
-                    <a:pt x="866" y="361"/>
-                    <a:pt x="1294" y="267"/>
-                    <a:pt x="1721" y="267"/>
-                  </a:cubicBezTo>
-                  <a:cubicBezTo>
-                    <a:pt x="2148" y="267"/>
-                    <a:pt x="2576" y="361"/>
-                    <a:pt x="2900" y="548"/>
-                  </a:cubicBezTo>
-                  <a:cubicBezTo>
-                    <a:pt x="3160" y="707"/>
-                    <a:pt x="3319" y="894"/>
-                    <a:pt x="3369" y="1089"/>
-                  </a:cubicBezTo>
-                  <a:cubicBezTo>
-                    <a:pt x="3441" y="801"/>
-                    <a:pt x="3282" y="498"/>
-                    <a:pt x="2900" y="281"/>
-                  </a:cubicBezTo>
-                  <a:cubicBezTo>
-                    <a:pt x="2576" y="94"/>
-                    <a:pt x="2148" y="0"/>
-                    <a:pt x="1721" y="0"/>
-                  </a:cubicBezTo>
-                  <a:close/>
-                </a:path>
-              </a:pathLst>
-            </a:custGeom>
-            <a:solidFill>
-              <a:schemeClr val="accent3"/>
-            </a:solidFill>
-            <a:ln>
-              <a:noFill/>
-            </a:ln>
-          </p:spPr>
-          <p:txBody>
-            <a:bodyPr spcFirstLastPara="1" wrap="square" lIns="91425" tIns="91425" rIns="91425" bIns="91425" anchor="ctr" anchorCtr="0">
-              <a:noAutofit/>
-            </a:bodyPr>
-            <a:lstStyle/>
-            <a:p>
-              <a:pPr marL="0" lvl="0" indent="0" algn="l" rtl="0">
-                <a:spcBef>
-                  <a:spcPts val="0"/>
-                </a:spcBef>
-                <a:spcAft>
-                  <a:spcPts val="0"/>
-                </a:spcAft>
-                <a:buNone/>
-              </a:pPr>
-              <a:endParaRPr/>
-            </a:p>
-          </p:txBody>
-        </p:sp>
-      </p:grpSp>
-      <p:grpSp>
-        <p:nvGrpSpPr>
-          <p:cNvPr id="331" name="Google Shape;331;p47"/>
-          <p:cNvGrpSpPr/>
-          <p:nvPr/>
-        </p:nvGrpSpPr>
-        <p:grpSpPr>
-          <a:xfrm>
-            <a:off x="3098282" y="2621217"/>
-            <a:ext cx="1554074" cy="875827"/>
-            <a:chOff x="3098282" y="2621217"/>
-            <a:chExt cx="1554074" cy="875827"/>
-          </a:xfrm>
-        </p:grpSpPr>
-        <p:sp>
-          <p:nvSpPr>
-            <p:cNvPr id="332" name="Google Shape;332;p47"/>
-            <p:cNvSpPr/>
-            <p:nvPr/>
-          </p:nvSpPr>
-          <p:spPr>
-            <a:xfrm>
-              <a:off x="3158584" y="2621895"/>
-              <a:ext cx="1493772" cy="875149"/>
-            </a:xfrm>
-            <a:custGeom>
-              <a:avLst/>
-              <a:gdLst/>
-              <a:ahLst/>
-              <a:cxnLst/>
-              <a:rect l="l" t="t" r="r" b="b"/>
-              <a:pathLst>
-                <a:path w="6614" h="3875" extrusionOk="0">
-                  <a:moveTo>
-                    <a:pt x="2740" y="0"/>
-                  </a:moveTo>
-                  <a:cubicBezTo>
-                    <a:pt x="2039" y="0"/>
-                    <a:pt x="1338" y="153"/>
-                    <a:pt x="801" y="460"/>
-                  </a:cubicBezTo>
-                  <a:cubicBezTo>
-                    <a:pt x="274" y="770"/>
-                    <a:pt x="0" y="1174"/>
-                    <a:pt x="0" y="1578"/>
-                  </a:cubicBezTo>
-                  <a:lnTo>
-                    <a:pt x="0" y="2292"/>
-                  </a:lnTo>
-                  <a:cubicBezTo>
-                    <a:pt x="0" y="2696"/>
-                    <a:pt x="274" y="3107"/>
-                    <a:pt x="801" y="3410"/>
-                  </a:cubicBezTo>
-                  <a:cubicBezTo>
-                    <a:pt x="1338" y="3720"/>
-                    <a:pt x="2039" y="3875"/>
-                    <a:pt x="2741" y="3875"/>
-                  </a:cubicBezTo>
-                  <a:cubicBezTo>
-                    <a:pt x="3442" y="3875"/>
-                    <a:pt x="4144" y="3720"/>
-                    <a:pt x="4681" y="3410"/>
-                  </a:cubicBezTo>
-                  <a:lnTo>
-                    <a:pt x="6614" y="2292"/>
-                  </a:lnTo>
-                  <a:lnTo>
-                    <a:pt x="6614" y="1578"/>
-                  </a:lnTo>
-                  <a:lnTo>
-                    <a:pt x="4674" y="460"/>
-                  </a:lnTo>
-                  <a:cubicBezTo>
-                    <a:pt x="4140" y="153"/>
-                    <a:pt x="3440" y="0"/>
-                    <a:pt x="2740" y="0"/>
-                  </a:cubicBezTo>
-                  <a:close/>
-                </a:path>
-              </a:pathLst>
-            </a:custGeom>
-            <a:solidFill>
-              <a:schemeClr val="accent3"/>
-            </a:solidFill>
-            <a:ln>
-              <a:noFill/>
-            </a:ln>
-          </p:spPr>
-          <p:txBody>
-            <a:bodyPr spcFirstLastPara="1" wrap="square" lIns="91425" tIns="91425" rIns="91425" bIns="91425" anchor="ctr" anchorCtr="0">
-              <a:noAutofit/>
-            </a:bodyPr>
-            <a:lstStyle/>
-            <a:p>
-              <a:pPr marL="0" lvl="0" indent="0" algn="l" rtl="0">
-                <a:spcBef>
-                  <a:spcPts val="0"/>
-                </a:spcBef>
-                <a:spcAft>
-                  <a:spcPts val="0"/>
-                </a:spcAft>
-                <a:buNone/>
-              </a:pPr>
-              <a:endParaRPr/>
-            </a:p>
-          </p:txBody>
-        </p:sp>
-        <p:sp>
-          <p:nvSpPr>
-            <p:cNvPr id="333" name="Google Shape;333;p47"/>
-            <p:cNvSpPr/>
-            <p:nvPr/>
-          </p:nvSpPr>
-          <p:spPr>
-            <a:xfrm>
-              <a:off x="3098282" y="2621217"/>
-              <a:ext cx="1554074" cy="714574"/>
-            </a:xfrm>
-            <a:custGeom>
-              <a:avLst/>
-              <a:gdLst/>
-              <a:ahLst/>
-              <a:cxnLst/>
-              <a:rect l="l" t="t" r="r" b="b"/>
-              <a:pathLst>
-                <a:path w="6881" h="3164" extrusionOk="0">
-                  <a:moveTo>
-                    <a:pt x="3014" y="0"/>
-                  </a:moveTo>
-                  <a:cubicBezTo>
-                    <a:pt x="2310" y="0"/>
-                    <a:pt x="1606" y="155"/>
-                    <a:pt x="1068" y="463"/>
-                  </a:cubicBezTo>
-                  <a:cubicBezTo>
-                    <a:pt x="0" y="1076"/>
-                    <a:pt x="0" y="2078"/>
-                    <a:pt x="1068" y="2699"/>
-                  </a:cubicBezTo>
-                  <a:cubicBezTo>
-                    <a:pt x="1605" y="3009"/>
-                    <a:pt x="2306" y="3164"/>
-                    <a:pt x="3007" y="3164"/>
-                  </a:cubicBezTo>
-                  <a:cubicBezTo>
-                    <a:pt x="3707" y="3164"/>
-                    <a:pt x="4407" y="3009"/>
-                    <a:pt x="4941" y="2699"/>
-                  </a:cubicBezTo>
-                  <a:lnTo>
-                    <a:pt x="6881" y="1581"/>
-                  </a:lnTo>
-                  <a:lnTo>
-                    <a:pt x="4948" y="463"/>
-                  </a:lnTo>
-                  <a:cubicBezTo>
-                    <a:pt x="4412" y="154"/>
-                    <a:pt x="3713" y="0"/>
-                    <a:pt x="3014" y="0"/>
-                  </a:cubicBezTo>
-                  <a:close/>
-                </a:path>
-              </a:pathLst>
-            </a:custGeom>
-            <a:solidFill>
-              <a:schemeClr val="accent2"/>
-            </a:solidFill>
-            <a:ln>
-              <a:noFill/>
-            </a:ln>
-          </p:spPr>
-          <p:txBody>
-            <a:bodyPr spcFirstLastPara="1" wrap="square" lIns="91425" tIns="91425" rIns="91425" bIns="91425" anchor="ctr" anchorCtr="0">
-              <a:noAutofit/>
-            </a:bodyPr>
-            <a:lstStyle/>
-            <a:p>
-              <a:pPr marL="0" lvl="0" indent="0" algn="l" rtl="0">
-                <a:spcBef>
-                  <a:spcPts val="0"/>
-                </a:spcBef>
-                <a:spcAft>
-                  <a:spcPts val="0"/>
-                </a:spcAft>
-                <a:buNone/>
-              </a:pPr>
-              <a:endParaRPr/>
-            </a:p>
-          </p:txBody>
-        </p:sp>
-        <p:sp>
-          <p:nvSpPr>
-            <p:cNvPr id="334" name="Google Shape;334;p47"/>
-            <p:cNvSpPr/>
-            <p:nvPr/>
-          </p:nvSpPr>
-          <p:spPr>
-            <a:xfrm>
-              <a:off x="3401146" y="2761467"/>
-              <a:ext cx="751177" cy="435203"/>
-            </a:xfrm>
-            <a:custGeom>
-              <a:avLst/>
-              <a:gdLst/>
-              <a:ahLst/>
-              <a:cxnLst/>
-              <a:rect l="l" t="t" r="r" b="b"/>
-              <a:pathLst>
-                <a:path w="3326" h="1927" extrusionOk="0">
-                  <a:moveTo>
-                    <a:pt x="1667" y="0"/>
-                  </a:moveTo>
-                  <a:cubicBezTo>
-                    <a:pt x="744" y="0"/>
-                    <a:pt x="1" y="433"/>
-                    <a:pt x="1" y="960"/>
-                  </a:cubicBezTo>
-                  <a:cubicBezTo>
-                    <a:pt x="1" y="1493"/>
-                    <a:pt x="744" y="1926"/>
-                    <a:pt x="1667" y="1926"/>
-                  </a:cubicBezTo>
-                  <a:cubicBezTo>
-                    <a:pt x="2583" y="1926"/>
-                    <a:pt x="3326" y="1493"/>
-                    <a:pt x="3326" y="960"/>
-                  </a:cubicBezTo>
-                  <a:cubicBezTo>
-                    <a:pt x="3326" y="433"/>
-                    <a:pt x="2583" y="0"/>
-                    <a:pt x="1667" y="0"/>
-                  </a:cubicBezTo>
-                  <a:close/>
-                </a:path>
-              </a:pathLst>
-            </a:custGeom>
-            <a:solidFill>
-              <a:schemeClr val="accent1"/>
-            </a:solidFill>
-            <a:ln>
-              <a:noFill/>
-            </a:ln>
-          </p:spPr>
-          <p:txBody>
-            <a:bodyPr spcFirstLastPara="1" wrap="square" lIns="91425" tIns="91425" rIns="91425" bIns="91425" anchor="ctr" anchorCtr="0">
-              <a:noAutofit/>
-            </a:bodyPr>
-            <a:lstStyle/>
-            <a:p>
-              <a:pPr marL="0" lvl="0" indent="0" algn="l" rtl="0">
-                <a:spcBef>
-                  <a:spcPts val="0"/>
-                </a:spcBef>
-                <a:spcAft>
-                  <a:spcPts val="0"/>
-                </a:spcAft>
-                <a:buNone/>
-              </a:pPr>
-              <a:endParaRPr/>
-            </a:p>
-          </p:txBody>
-        </p:sp>
-        <p:sp>
-          <p:nvSpPr>
-            <p:cNvPr id="335" name="Google Shape;335;p47"/>
-            <p:cNvSpPr/>
-            <p:nvPr/>
-          </p:nvSpPr>
-          <p:spPr>
-            <a:xfrm>
-              <a:off x="3389854" y="2761467"/>
-              <a:ext cx="775569" cy="247752"/>
-            </a:xfrm>
-            <a:custGeom>
-              <a:avLst/>
-              <a:gdLst/>
-              <a:ahLst/>
-              <a:cxnLst/>
-              <a:rect l="l" t="t" r="r" b="b"/>
-              <a:pathLst>
-                <a:path w="3434" h="1097" extrusionOk="0">
-                  <a:moveTo>
-                    <a:pt x="1717" y="0"/>
-                  </a:moveTo>
-                  <a:cubicBezTo>
-                    <a:pt x="1291" y="0"/>
-                    <a:pt x="866" y="94"/>
-                    <a:pt x="541" y="282"/>
-                  </a:cubicBezTo>
-                  <a:cubicBezTo>
-                    <a:pt x="152" y="505"/>
-                    <a:pt x="0" y="808"/>
-                    <a:pt x="72" y="1097"/>
-                  </a:cubicBezTo>
-                  <a:cubicBezTo>
-                    <a:pt x="116" y="895"/>
-                    <a:pt x="274" y="707"/>
-                    <a:pt x="541" y="556"/>
-                  </a:cubicBezTo>
-                  <a:cubicBezTo>
-                    <a:pt x="866" y="368"/>
-                    <a:pt x="1291" y="275"/>
-                    <a:pt x="1717" y="275"/>
-                  </a:cubicBezTo>
-                  <a:cubicBezTo>
-                    <a:pt x="2142" y="275"/>
-                    <a:pt x="2568" y="368"/>
-                    <a:pt x="2892" y="556"/>
-                  </a:cubicBezTo>
-                  <a:cubicBezTo>
-                    <a:pt x="3159" y="707"/>
-                    <a:pt x="3311" y="895"/>
-                    <a:pt x="3361" y="1097"/>
-                  </a:cubicBezTo>
-                  <a:cubicBezTo>
-                    <a:pt x="3433" y="808"/>
-                    <a:pt x="3275" y="498"/>
-                    <a:pt x="2892" y="282"/>
-                  </a:cubicBezTo>
-                  <a:cubicBezTo>
-                    <a:pt x="2568" y="94"/>
-                    <a:pt x="2142" y="0"/>
-                    <a:pt x="1717" y="0"/>
-                  </a:cubicBezTo>
-                  <a:close/>
-                </a:path>
-              </a:pathLst>
-            </a:custGeom>
-            <a:solidFill>
-              <a:schemeClr val="accent3"/>
-            </a:solidFill>
-            <a:ln>
-              <a:noFill/>
-            </a:ln>
-          </p:spPr>
-          <p:txBody>
-            <a:bodyPr spcFirstLastPara="1" wrap="square" lIns="91425" tIns="91425" rIns="91425" bIns="91425" anchor="ctr" anchorCtr="0">
-              <a:noAutofit/>
-            </a:bodyPr>
-            <a:lstStyle/>
-            <a:p>
-              <a:pPr marL="0" lvl="0" indent="0" algn="l" rtl="0">
-                <a:spcBef>
-                  <a:spcPts val="0"/>
-                </a:spcBef>
-                <a:spcAft>
-                  <a:spcPts val="0"/>
-                </a:spcAft>
-                <a:buNone/>
-              </a:pPr>
-              <a:endParaRPr/>
-            </a:p>
-          </p:txBody>
-        </p:sp>
-      </p:grpSp>
-      <p:grpSp>
-        <p:nvGrpSpPr>
-          <p:cNvPr id="336" name="Google Shape;336;p47"/>
-          <p:cNvGrpSpPr/>
-          <p:nvPr/>
-        </p:nvGrpSpPr>
-        <p:grpSpPr>
-          <a:xfrm>
-            <a:off x="4126125" y="3140886"/>
-            <a:ext cx="1360295" cy="1022852"/>
-            <a:chOff x="4126125" y="3140886"/>
-            <a:chExt cx="1360295" cy="1022852"/>
-          </a:xfrm>
-        </p:grpSpPr>
-        <p:sp>
-          <p:nvSpPr>
-            <p:cNvPr id="337" name="Google Shape;337;p47"/>
-            <p:cNvSpPr/>
-            <p:nvPr/>
-          </p:nvSpPr>
-          <p:spPr>
-            <a:xfrm>
-              <a:off x="4186427" y="3140886"/>
-              <a:ext cx="1238110" cy="1022852"/>
-            </a:xfrm>
-            <a:custGeom>
-              <a:avLst/>
-              <a:gdLst/>
-              <a:ahLst/>
-              <a:cxnLst/>
-              <a:rect l="l" t="t" r="r" b="b"/>
-              <a:pathLst>
-                <a:path w="5482" h="4529" extrusionOk="0">
-                  <a:moveTo>
-                    <a:pt x="2741" y="1"/>
-                  </a:moveTo>
-                  <a:lnTo>
-                    <a:pt x="808" y="1119"/>
-                  </a:lnTo>
-                  <a:cubicBezTo>
-                    <a:pt x="267" y="1429"/>
-                    <a:pt x="0" y="1833"/>
-                    <a:pt x="0" y="2237"/>
-                  </a:cubicBezTo>
-                  <a:lnTo>
-                    <a:pt x="0" y="2951"/>
-                  </a:lnTo>
-                  <a:cubicBezTo>
-                    <a:pt x="0" y="3355"/>
-                    <a:pt x="274" y="3759"/>
-                    <a:pt x="808" y="4069"/>
-                  </a:cubicBezTo>
-                  <a:cubicBezTo>
-                    <a:pt x="1342" y="4375"/>
-                    <a:pt x="2041" y="4529"/>
-                    <a:pt x="2742" y="4529"/>
-                  </a:cubicBezTo>
-                  <a:cubicBezTo>
-                    <a:pt x="3442" y="4529"/>
-                    <a:pt x="4144" y="4375"/>
-                    <a:pt x="4681" y="4069"/>
-                  </a:cubicBezTo>
-                  <a:cubicBezTo>
-                    <a:pt x="5215" y="3759"/>
-                    <a:pt x="5481" y="3355"/>
-                    <a:pt x="5481" y="2951"/>
-                  </a:cubicBezTo>
-                  <a:lnTo>
-                    <a:pt x="5481" y="2165"/>
-                  </a:lnTo>
-                  <a:lnTo>
-                    <a:pt x="5474" y="2165"/>
-                  </a:lnTo>
-                  <a:cubicBezTo>
-                    <a:pt x="5445" y="1782"/>
-                    <a:pt x="5179" y="1407"/>
-                    <a:pt x="4681" y="1119"/>
-                  </a:cubicBezTo>
-                  <a:lnTo>
-                    <a:pt x="2741" y="1"/>
-                  </a:lnTo>
-                  <a:close/>
-                </a:path>
-              </a:pathLst>
-            </a:custGeom>
-            <a:solidFill>
-              <a:schemeClr val="accent3"/>
-            </a:solidFill>
-            <a:ln>
-              <a:noFill/>
-            </a:ln>
-          </p:spPr>
-          <p:txBody>
-            <a:bodyPr spcFirstLastPara="1" wrap="square" lIns="91425" tIns="91425" rIns="91425" bIns="91425" anchor="ctr" anchorCtr="0">
-              <a:noAutofit/>
-            </a:bodyPr>
-            <a:lstStyle/>
-            <a:p>
-              <a:pPr marL="0" lvl="0" indent="0" algn="l" rtl="0">
-                <a:spcBef>
-                  <a:spcPts val="0"/>
-                </a:spcBef>
-                <a:spcAft>
-                  <a:spcPts val="0"/>
-                </a:spcAft>
-                <a:buNone/>
-              </a:pPr>
-              <a:endParaRPr/>
-            </a:p>
-          </p:txBody>
-        </p:sp>
-        <p:sp>
-          <p:nvSpPr>
-            <p:cNvPr id="338" name="Google Shape;338;p47"/>
-            <p:cNvSpPr/>
-            <p:nvPr/>
-          </p:nvSpPr>
-          <p:spPr>
-            <a:xfrm>
-              <a:off x="4126125" y="3140886"/>
-              <a:ext cx="1360295" cy="861599"/>
-            </a:xfrm>
-            <a:custGeom>
-              <a:avLst/>
-              <a:gdLst/>
-              <a:ahLst/>
-              <a:cxnLst/>
-              <a:rect l="l" t="t" r="r" b="b"/>
-              <a:pathLst>
-                <a:path w="6023" h="3815" extrusionOk="0">
-                  <a:moveTo>
-                    <a:pt x="3015" y="1"/>
-                  </a:moveTo>
-                  <a:lnTo>
-                    <a:pt x="1075" y="1119"/>
-                  </a:lnTo>
-                  <a:cubicBezTo>
-                    <a:pt x="0" y="1732"/>
-                    <a:pt x="0" y="2734"/>
-                    <a:pt x="1075" y="3355"/>
-                  </a:cubicBezTo>
-                  <a:cubicBezTo>
-                    <a:pt x="1609" y="3661"/>
-                    <a:pt x="2308" y="3815"/>
-                    <a:pt x="3009" y="3815"/>
-                  </a:cubicBezTo>
-                  <a:cubicBezTo>
-                    <a:pt x="3709" y="3815"/>
-                    <a:pt x="4411" y="3661"/>
-                    <a:pt x="4948" y="3355"/>
-                  </a:cubicBezTo>
-                  <a:cubicBezTo>
-                    <a:pt x="6023" y="2734"/>
-                    <a:pt x="6015" y="1732"/>
-                    <a:pt x="4948" y="1119"/>
-                  </a:cubicBezTo>
-                  <a:lnTo>
-                    <a:pt x="3015" y="1"/>
-                  </a:lnTo>
-                  <a:close/>
-                </a:path>
-              </a:pathLst>
-            </a:custGeom>
-            <a:solidFill>
-              <a:schemeClr val="accent2"/>
-            </a:solidFill>
-            <a:ln>
-              <a:noFill/>
-            </a:ln>
-          </p:spPr>
-          <p:txBody>
-            <a:bodyPr spcFirstLastPara="1" wrap="square" lIns="91425" tIns="91425" rIns="91425" bIns="91425" anchor="ctr" anchorCtr="0">
-              <a:noAutofit/>
-            </a:bodyPr>
-            <a:lstStyle/>
-            <a:p>
-              <a:pPr marL="0" lvl="0" indent="0" algn="l" rtl="0">
-                <a:spcBef>
-                  <a:spcPts val="0"/>
-                </a:spcBef>
-                <a:spcAft>
-                  <a:spcPts val="0"/>
-                </a:spcAft>
-                <a:buNone/>
-              </a:pPr>
-              <a:endParaRPr/>
-            </a:p>
-          </p:txBody>
-        </p:sp>
-        <p:sp>
-          <p:nvSpPr>
-            <p:cNvPr id="339" name="Google Shape;339;p47"/>
-            <p:cNvSpPr/>
-            <p:nvPr/>
-          </p:nvSpPr>
-          <p:spPr>
-            <a:xfrm>
-              <a:off x="4393306" y="3427710"/>
-              <a:ext cx="824353" cy="435203"/>
-            </a:xfrm>
-            <a:custGeom>
-              <a:avLst/>
-              <a:gdLst/>
-              <a:ahLst/>
-              <a:cxnLst/>
-              <a:rect l="l" t="t" r="r" b="b"/>
-              <a:pathLst>
-                <a:path w="3650" h="1927" extrusionOk="0">
-                  <a:moveTo>
-                    <a:pt x="1825" y="0"/>
-                  </a:moveTo>
-                  <a:cubicBezTo>
-                    <a:pt x="1399" y="0"/>
-                    <a:pt x="974" y="94"/>
-                    <a:pt x="649" y="282"/>
-                  </a:cubicBezTo>
-                  <a:cubicBezTo>
-                    <a:pt x="0" y="664"/>
-                    <a:pt x="0" y="1270"/>
-                    <a:pt x="649" y="1645"/>
-                  </a:cubicBezTo>
-                  <a:cubicBezTo>
-                    <a:pt x="974" y="1832"/>
-                    <a:pt x="1399" y="1926"/>
-                    <a:pt x="1825" y="1926"/>
-                  </a:cubicBezTo>
-                  <a:cubicBezTo>
-                    <a:pt x="2250" y="1926"/>
-                    <a:pt x="2676" y="1832"/>
-                    <a:pt x="3000" y="1645"/>
-                  </a:cubicBezTo>
-                  <a:cubicBezTo>
-                    <a:pt x="3649" y="1270"/>
-                    <a:pt x="3649" y="657"/>
-                    <a:pt x="3000" y="282"/>
-                  </a:cubicBezTo>
-                  <a:cubicBezTo>
-                    <a:pt x="2676" y="94"/>
-                    <a:pt x="2250" y="0"/>
-                    <a:pt x="1825" y="0"/>
-                  </a:cubicBezTo>
-                  <a:close/>
-                </a:path>
-              </a:pathLst>
-            </a:custGeom>
-            <a:solidFill>
-              <a:schemeClr val="accent1"/>
-            </a:solidFill>
-            <a:ln>
-              <a:noFill/>
-            </a:ln>
-          </p:spPr>
-          <p:txBody>
-            <a:bodyPr spcFirstLastPara="1" wrap="square" lIns="91425" tIns="91425" rIns="91425" bIns="91425" anchor="ctr" anchorCtr="0">
-              <a:noAutofit/>
-            </a:bodyPr>
-            <a:lstStyle/>
-            <a:p>
-              <a:pPr marL="0" lvl="0" indent="0" algn="l" rtl="0">
-                <a:spcBef>
-                  <a:spcPts val="0"/>
-                </a:spcBef>
-                <a:spcAft>
-                  <a:spcPts val="0"/>
-                </a:spcAft>
-                <a:buNone/>
-              </a:pPr>
-              <a:endParaRPr/>
-            </a:p>
-          </p:txBody>
-        </p:sp>
-        <p:sp>
-          <p:nvSpPr>
-            <p:cNvPr id="340" name="Google Shape;340;p47"/>
-            <p:cNvSpPr/>
-            <p:nvPr/>
-          </p:nvSpPr>
-          <p:spPr>
-            <a:xfrm>
-              <a:off x="4417697" y="3427710"/>
-              <a:ext cx="775569" cy="247752"/>
-            </a:xfrm>
-            <a:custGeom>
-              <a:avLst/>
-              <a:gdLst/>
-              <a:ahLst/>
-              <a:cxnLst/>
-              <a:rect l="l" t="t" r="r" b="b"/>
-              <a:pathLst>
-                <a:path w="3434" h="1097" extrusionOk="0">
-                  <a:moveTo>
-                    <a:pt x="1717" y="0"/>
-                  </a:moveTo>
-                  <a:cubicBezTo>
-                    <a:pt x="1291" y="0"/>
-                    <a:pt x="866" y="94"/>
-                    <a:pt x="541" y="282"/>
-                  </a:cubicBezTo>
-                  <a:cubicBezTo>
-                    <a:pt x="159" y="505"/>
-                    <a:pt x="0" y="808"/>
-                    <a:pt x="72" y="1097"/>
-                  </a:cubicBezTo>
-                  <a:cubicBezTo>
-                    <a:pt x="123" y="902"/>
-                    <a:pt x="274" y="707"/>
-                    <a:pt x="541" y="556"/>
-                  </a:cubicBezTo>
-                  <a:cubicBezTo>
-                    <a:pt x="866" y="368"/>
-                    <a:pt x="1291" y="274"/>
-                    <a:pt x="1717" y="274"/>
-                  </a:cubicBezTo>
-                  <a:cubicBezTo>
-                    <a:pt x="2142" y="274"/>
-                    <a:pt x="2568" y="368"/>
-                    <a:pt x="2892" y="556"/>
-                  </a:cubicBezTo>
-                  <a:cubicBezTo>
-                    <a:pt x="3159" y="707"/>
-                    <a:pt x="3318" y="902"/>
-                    <a:pt x="3361" y="1097"/>
-                  </a:cubicBezTo>
-                  <a:cubicBezTo>
-                    <a:pt x="3433" y="808"/>
-                    <a:pt x="3282" y="505"/>
-                    <a:pt x="2892" y="282"/>
-                  </a:cubicBezTo>
-                  <a:cubicBezTo>
-                    <a:pt x="2568" y="94"/>
-                    <a:pt x="2142" y="0"/>
-                    <a:pt x="1717" y="0"/>
-                  </a:cubicBezTo>
-                  <a:close/>
-                </a:path>
-              </a:pathLst>
-            </a:custGeom>
-            <a:solidFill>
-              <a:schemeClr val="accent3"/>
-            </a:solidFill>
-            <a:ln>
-              <a:noFill/>
-            </a:ln>
-          </p:spPr>
-          <p:txBody>
-            <a:bodyPr spcFirstLastPara="1" wrap="square" lIns="91425" tIns="91425" rIns="91425" bIns="91425" anchor="ctr" anchorCtr="0">
-              <a:noAutofit/>
-            </a:bodyPr>
-            <a:lstStyle/>
-            <a:p>
-              <a:pPr marL="0" lvl="0" indent="0" algn="l" rtl="0">
-                <a:spcBef>
-                  <a:spcPts val="0"/>
-                </a:spcBef>
-                <a:spcAft>
-                  <a:spcPts val="0"/>
-                </a:spcAft>
-                <a:buNone/>
-              </a:pPr>
-              <a:endParaRPr/>
-            </a:p>
-          </p:txBody>
-        </p:sp>
-      </p:grpSp>
-    </p:spTree>
-  </p:cSld>
-  <p:clrMapOvr>
-    <a:masterClrMapping/>
-  </p:clrMapOvr>
-</p:sld>
-</file>
-
-<file path=ppt/slides/slide9.xml><?xml version="1.0" encoding="utf-8"?>
+<file path=ppt/slides/slide5.xml><?xml version="1.0" encoding="utf-8"?>
 <p:sld xmlns:a="http://schemas.openxmlformats.org/drawingml/2006/main" xmlns:r="http://schemas.openxmlformats.org/officeDocument/2006/relationships" xmlns:p="http://schemas.openxmlformats.org/presentationml/2006/main">
   <p:cSld>
     <p:spTree>
@@ -15770,7 +12800,7 @@
                   <a:srgbClr val="CCCCCC"/>
                 </a:solidFill>
               </a:rPr>
-              <a:t>9</a:t>
+              <a:t>5</a:t>
             </a:fld>
             <a:endParaRPr>
               <a:solidFill>
@@ -15786,6 +12816,3438 @@
         <p14:creationId xmlns:p14="http://schemas.microsoft.com/office/powerpoint/2010/main" val="1339514937"/>
       </p:ext>
     </p:extLst>
+  </p:cSld>
+  <p:clrMapOvr>
+    <a:masterClrMapping/>
+  </p:clrMapOvr>
+</p:sld>
+</file>
+
+<file path=ppt/slides/slide6.xml><?xml version="1.0" encoding="utf-8"?>
+<p:sld xmlns:a="http://schemas.openxmlformats.org/drawingml/2006/main" xmlns:r="http://schemas.openxmlformats.org/officeDocument/2006/relationships" xmlns:p="http://schemas.openxmlformats.org/presentationml/2006/main">
+  <p:cSld>
+    <p:spTree>
+      <p:nvGrpSpPr>
+        <p:cNvPr id="1" name="Shape 274"/>
+        <p:cNvGrpSpPr/>
+        <p:nvPr/>
+      </p:nvGrpSpPr>
+      <p:grpSpPr>
+        <a:xfrm>
+          <a:off x="0" y="0"/>
+          <a:ext cx="0" cy="0"/>
+          <a:chOff x="0" y="0"/>
+          <a:chExt cx="0" cy="0"/>
+        </a:xfrm>
+      </p:grpSpPr>
+      <p:sp>
+        <p:nvSpPr>
+          <p:cNvPr id="275" name="Google Shape;275;p42"/>
+          <p:cNvSpPr txBox="1">
+            <a:spLocks noGrp="1"/>
+          </p:cNvSpPr>
+          <p:nvPr>
+            <p:ph type="title"/>
+          </p:nvPr>
+        </p:nvSpPr>
+        <p:spPr>
+          <a:xfrm>
+            <a:off x="0" y="689475"/>
+            <a:ext cx="9144000" cy="482400"/>
+          </a:xfrm>
+          <a:prstGeom prst="rect">
+            <a:avLst/>
+          </a:prstGeom>
+        </p:spPr>
+        <p:txBody>
+          <a:bodyPr spcFirstLastPara="1" wrap="square" lIns="91425" tIns="91425" rIns="91425" bIns="91425" anchor="t" anchorCtr="0">
+            <a:noAutofit/>
+          </a:bodyPr>
+          <a:lstStyle/>
+          <a:p>
+            <a:pPr marL="0" lvl="0" indent="0" algn="ctr" rtl="0">
+              <a:spcBef>
+                <a:spcPts val="0"/>
+              </a:spcBef>
+              <a:spcAft>
+                <a:spcPts val="0"/>
+              </a:spcAft>
+              <a:buNone/>
+            </a:pPr>
+            <a:r>
+              <a:rPr lang="es" sz="2400" dirty="0"/>
+              <a:t>Fun Times … I mean … Challenges</a:t>
+            </a:r>
+            <a:endParaRPr sz="2400" dirty="0"/>
+          </a:p>
+        </p:txBody>
+      </p:sp>
+      <p:cxnSp>
+        <p:nvCxnSpPr>
+          <p:cNvPr id="276" name="Google Shape;276;p42"/>
+          <p:cNvCxnSpPr/>
+          <p:nvPr/>
+        </p:nvCxnSpPr>
+        <p:spPr>
+          <a:xfrm>
+            <a:off x="3406450" y="1926825"/>
+            <a:ext cx="0" cy="1941300"/>
+          </a:xfrm>
+          <a:prstGeom prst="straightConnector1">
+            <a:avLst/>
+          </a:prstGeom>
+          <a:noFill/>
+          <a:ln w="38100" cap="flat" cmpd="sng">
+            <a:solidFill>
+              <a:schemeClr val="accent1"/>
+            </a:solidFill>
+            <a:prstDash val="solid"/>
+            <a:round/>
+            <a:headEnd type="none" w="med" len="med"/>
+            <a:tailEnd type="none" w="med" len="med"/>
+          </a:ln>
+        </p:spPr>
+      </p:cxnSp>
+      <p:cxnSp>
+        <p:nvCxnSpPr>
+          <p:cNvPr id="277" name="Google Shape;277;p42"/>
+          <p:cNvCxnSpPr/>
+          <p:nvPr/>
+        </p:nvCxnSpPr>
+        <p:spPr>
+          <a:xfrm>
+            <a:off x="5737375" y="1926825"/>
+            <a:ext cx="0" cy="1941300"/>
+          </a:xfrm>
+          <a:prstGeom prst="straightConnector1">
+            <a:avLst/>
+          </a:prstGeom>
+          <a:noFill/>
+          <a:ln w="38100" cap="flat" cmpd="sng">
+            <a:solidFill>
+              <a:schemeClr val="accent1"/>
+            </a:solidFill>
+            <a:prstDash val="solid"/>
+            <a:round/>
+            <a:headEnd type="none" w="med" len="med"/>
+            <a:tailEnd type="none" w="med" len="med"/>
+          </a:ln>
+        </p:spPr>
+      </p:cxnSp>
+      <p:sp>
+        <p:nvSpPr>
+          <p:cNvPr id="278" name="Google Shape;278;p42"/>
+          <p:cNvSpPr txBox="1">
+            <a:spLocks noGrp="1"/>
+          </p:cNvSpPr>
+          <p:nvPr>
+            <p:ph type="sldNum" idx="12"/>
+          </p:nvPr>
+        </p:nvSpPr>
+        <p:spPr>
+          <a:xfrm>
+            <a:off x="8548658" y="4663217"/>
+            <a:ext cx="548700" cy="393600"/>
+          </a:xfrm>
+          <a:prstGeom prst="rect">
+            <a:avLst/>
+          </a:prstGeom>
+        </p:spPr>
+        <p:txBody>
+          <a:bodyPr spcFirstLastPara="1" wrap="square" lIns="91425" tIns="91425" rIns="91425" bIns="91425" anchor="ctr" anchorCtr="0">
+            <a:noAutofit/>
+          </a:bodyPr>
+          <a:lstStyle/>
+          <a:p>
+            <a:pPr marL="0" lvl="0" indent="0" algn="l" rtl="0">
+              <a:spcBef>
+                <a:spcPts val="0"/>
+              </a:spcBef>
+              <a:spcAft>
+                <a:spcPts val="0"/>
+              </a:spcAft>
+              <a:buClr>
+                <a:srgbClr val="000000"/>
+              </a:buClr>
+              <a:buSzPts val="1100"/>
+              <a:buFont typeface="Arial"/>
+              <a:buNone/>
+            </a:pPr>
+            <a:fld id="{00000000-1234-1234-1234-123412341234}" type="slidenum">
+              <a:rPr lang="es"/>
+              <a:t>6</a:t>
+            </a:fld>
+            <a:endParaRPr/>
+          </a:p>
+        </p:txBody>
+      </p:sp>
+      <p:sp>
+        <p:nvSpPr>
+          <p:cNvPr id="279" name="Google Shape;279;p42"/>
+          <p:cNvSpPr txBox="1">
+            <a:spLocks noGrp="1"/>
+          </p:cNvSpPr>
+          <p:nvPr>
+            <p:ph type="ctrTitle" idx="2"/>
+          </p:nvPr>
+        </p:nvSpPr>
+        <p:spPr>
+          <a:xfrm>
+            <a:off x="1075526" y="1301925"/>
+            <a:ext cx="2113500" cy="644700"/>
+          </a:xfrm>
+          <a:prstGeom prst="rect">
+            <a:avLst/>
+          </a:prstGeom>
+        </p:spPr>
+        <p:txBody>
+          <a:bodyPr spcFirstLastPara="1" wrap="square" lIns="91425" tIns="91425" rIns="91425" bIns="91425" anchor="b" anchorCtr="0">
+            <a:noAutofit/>
+          </a:bodyPr>
+          <a:lstStyle/>
+          <a:p>
+            <a:pPr marL="0" lvl="0" indent="0" algn="ctr" rtl="0">
+              <a:spcBef>
+                <a:spcPts val="0"/>
+              </a:spcBef>
+              <a:spcAft>
+                <a:spcPts val="0"/>
+              </a:spcAft>
+              <a:buNone/>
+            </a:pPr>
+            <a:r>
+              <a:rPr lang="es" dirty="0">
+                <a:solidFill>
+                  <a:schemeClr val="accent1">
+                    <a:lumMod val="75000"/>
+                  </a:schemeClr>
+                </a:solidFill>
+              </a:rPr>
+              <a:t>Not a Bot </a:t>
+            </a:r>
+            <a:endParaRPr dirty="0">
+              <a:solidFill>
+                <a:schemeClr val="accent1">
+                  <a:lumMod val="75000"/>
+                </a:schemeClr>
+              </a:solidFill>
+            </a:endParaRPr>
+          </a:p>
+        </p:txBody>
+      </p:sp>
+      <p:sp>
+        <p:nvSpPr>
+          <p:cNvPr id="280" name="Google Shape;280;p42"/>
+          <p:cNvSpPr txBox="1">
+            <a:spLocks noGrp="1"/>
+          </p:cNvSpPr>
+          <p:nvPr>
+            <p:ph type="subTitle" idx="1"/>
+          </p:nvPr>
+        </p:nvSpPr>
+        <p:spPr>
+          <a:xfrm>
+            <a:off x="978665" y="2350683"/>
+            <a:ext cx="2271000" cy="1133725"/>
+          </a:xfrm>
+          <a:prstGeom prst="rect">
+            <a:avLst/>
+          </a:prstGeom>
+        </p:spPr>
+        <p:txBody>
+          <a:bodyPr spcFirstLastPara="1" wrap="square" lIns="91425" tIns="91425" rIns="91425" bIns="91425" anchor="t" anchorCtr="0">
+            <a:noAutofit/>
+          </a:bodyPr>
+          <a:lstStyle/>
+          <a:p>
+            <a:pPr marL="0" lvl="0" indent="0" algn="ctr" rtl="0">
+              <a:spcBef>
+                <a:spcPts val="0"/>
+              </a:spcBef>
+              <a:spcAft>
+                <a:spcPts val="0"/>
+              </a:spcAft>
+              <a:buClr>
+                <a:schemeClr val="dk1"/>
+              </a:buClr>
+              <a:buSzPts val="1100"/>
+              <a:buFont typeface="Arial"/>
+              <a:buNone/>
+            </a:pPr>
+            <a:r>
+              <a:rPr lang="es" dirty="0">
+                <a:solidFill>
+                  <a:schemeClr val="tx1"/>
+                </a:solidFill>
+              </a:rPr>
+              <a:t>While Python does not force you to use request headers, legitmizing your request is important.</a:t>
+            </a:r>
+          </a:p>
+        </p:txBody>
+      </p:sp>
+      <p:sp>
+        <p:nvSpPr>
+          <p:cNvPr id="281" name="Google Shape;281;p42"/>
+          <p:cNvSpPr txBox="1">
+            <a:spLocks noGrp="1"/>
+          </p:cNvSpPr>
+          <p:nvPr>
+            <p:ph type="ctrTitle" idx="3"/>
+          </p:nvPr>
+        </p:nvSpPr>
+        <p:spPr>
+          <a:xfrm>
+            <a:off x="3406450" y="1740075"/>
+            <a:ext cx="2382625" cy="644700"/>
+          </a:xfrm>
+          <a:prstGeom prst="rect">
+            <a:avLst/>
+          </a:prstGeom>
+        </p:spPr>
+        <p:txBody>
+          <a:bodyPr spcFirstLastPara="1" wrap="square" lIns="91425" tIns="91425" rIns="91425" bIns="91425" anchor="b" anchorCtr="0">
+            <a:noAutofit/>
+          </a:bodyPr>
+          <a:lstStyle/>
+          <a:p>
+            <a:pPr marL="0" lvl="0" indent="0" algn="ctr" rtl="0">
+              <a:spcBef>
+                <a:spcPts val="0"/>
+              </a:spcBef>
+              <a:spcAft>
+                <a:spcPts val="0"/>
+              </a:spcAft>
+              <a:buNone/>
+            </a:pPr>
+            <a:r>
+              <a:rPr lang="es" dirty="0">
+                <a:solidFill>
+                  <a:schemeClr val="accent1">
+                    <a:lumMod val="75000"/>
+                  </a:schemeClr>
+                </a:solidFill>
+              </a:rPr>
+              <a:t>Too many Requests so I am shut out huh!</a:t>
+            </a:r>
+            <a:endParaRPr dirty="0">
+              <a:solidFill>
+                <a:schemeClr val="accent1">
+                  <a:lumMod val="75000"/>
+                </a:schemeClr>
+              </a:solidFill>
+            </a:endParaRPr>
+          </a:p>
+        </p:txBody>
+      </p:sp>
+      <p:sp>
+        <p:nvSpPr>
+          <p:cNvPr id="282" name="Google Shape;282;p42"/>
+          <p:cNvSpPr txBox="1">
+            <a:spLocks noGrp="1"/>
+          </p:cNvSpPr>
+          <p:nvPr>
+            <p:ph type="subTitle" idx="4"/>
+          </p:nvPr>
+        </p:nvSpPr>
+        <p:spPr>
+          <a:xfrm>
+            <a:off x="3535954" y="2384775"/>
+            <a:ext cx="2113500" cy="1200250"/>
+          </a:xfrm>
+          <a:prstGeom prst="rect">
+            <a:avLst/>
+          </a:prstGeom>
+        </p:spPr>
+        <p:txBody>
+          <a:bodyPr spcFirstLastPara="1" wrap="square" lIns="91425" tIns="91425" rIns="91425" bIns="91425" anchor="t" anchorCtr="0">
+            <a:noAutofit/>
+          </a:bodyPr>
+          <a:lstStyle/>
+          <a:p>
+            <a:pPr marL="0" lvl="0" indent="0" algn="ctr" rtl="0">
+              <a:spcBef>
+                <a:spcPts val="0"/>
+              </a:spcBef>
+              <a:spcAft>
+                <a:spcPts val="0"/>
+              </a:spcAft>
+              <a:buClr>
+                <a:schemeClr val="dk1"/>
+              </a:buClr>
+              <a:buSzPts val="1100"/>
+              <a:buFont typeface="Arial"/>
+              <a:buNone/>
+            </a:pPr>
+            <a:r>
+              <a:rPr lang="es" dirty="0">
+                <a:solidFill>
+                  <a:srgbClr val="002060"/>
+                </a:solidFill>
+              </a:rPr>
+              <a:t>Some websites allow so many requests at a time. So you may get locked out for a while.</a:t>
+            </a:r>
+            <a:endParaRPr dirty="0">
+              <a:solidFill>
+                <a:srgbClr val="002060"/>
+              </a:solidFill>
+            </a:endParaRPr>
+          </a:p>
+        </p:txBody>
+      </p:sp>
+      <p:sp>
+        <p:nvSpPr>
+          <p:cNvPr id="283" name="Google Shape;283;p42"/>
+          <p:cNvSpPr txBox="1">
+            <a:spLocks noGrp="1"/>
+          </p:cNvSpPr>
+          <p:nvPr>
+            <p:ph type="ctrTitle" idx="5"/>
+          </p:nvPr>
+        </p:nvSpPr>
+        <p:spPr>
+          <a:xfrm>
+            <a:off x="5876996" y="1301925"/>
+            <a:ext cx="2113500" cy="644700"/>
+          </a:xfrm>
+          <a:prstGeom prst="rect">
+            <a:avLst/>
+          </a:prstGeom>
+        </p:spPr>
+        <p:txBody>
+          <a:bodyPr spcFirstLastPara="1" wrap="square" lIns="91425" tIns="91425" rIns="91425" bIns="91425" anchor="b" anchorCtr="0">
+            <a:noAutofit/>
+          </a:bodyPr>
+          <a:lstStyle/>
+          <a:p>
+            <a:pPr marL="0" lvl="0" indent="0" algn="ctr" rtl="0">
+              <a:spcBef>
+                <a:spcPts val="0"/>
+              </a:spcBef>
+              <a:spcAft>
+                <a:spcPts val="0"/>
+              </a:spcAft>
+              <a:buNone/>
+            </a:pPr>
+            <a:r>
+              <a:rPr lang="es" dirty="0">
+                <a:solidFill>
+                  <a:schemeClr val="accent1">
+                    <a:lumMod val="75000"/>
+                  </a:schemeClr>
+                </a:solidFill>
+              </a:rPr>
+              <a:t>Tunnel Vision</a:t>
+            </a:r>
+            <a:endParaRPr dirty="0">
+              <a:solidFill>
+                <a:schemeClr val="accent1">
+                  <a:lumMod val="75000"/>
+                </a:schemeClr>
+              </a:solidFill>
+            </a:endParaRPr>
+          </a:p>
+        </p:txBody>
+      </p:sp>
+      <p:pic>
+        <p:nvPicPr>
+          <p:cNvPr id="2" name="Picture 1">
+            <a:extLst>
+              <a:ext uri="{FF2B5EF4-FFF2-40B4-BE49-F238E27FC236}">
+                <a16:creationId xmlns:a16="http://schemas.microsoft.com/office/drawing/2014/main" id="{D18F7A3A-51ED-034C-8539-38B5250AC143}"/>
+              </a:ext>
+            </a:extLst>
+          </p:cNvPr>
+          <p:cNvPicPr>
+            <a:picLocks noChangeAspect="1"/>
+          </p:cNvPicPr>
+          <p:nvPr/>
+        </p:nvPicPr>
+        <p:blipFill>
+          <a:blip r:embed="rId3"/>
+          <a:stretch>
+            <a:fillRect/>
+          </a:stretch>
+        </p:blipFill>
+        <p:spPr>
+          <a:xfrm>
+            <a:off x="506302" y="3484408"/>
+            <a:ext cx="1600491" cy="1063099"/>
+          </a:xfrm>
+          <a:prstGeom prst="rect">
+            <a:avLst/>
+          </a:prstGeom>
+          <a:ln>
+            <a:noFill/>
+          </a:ln>
+          <a:effectLst>
+            <a:softEdge rad="112500"/>
+          </a:effectLst>
+        </p:spPr>
+      </p:pic>
+      <p:pic>
+        <p:nvPicPr>
+          <p:cNvPr id="3" name="Picture 2">
+            <a:extLst>
+              <a:ext uri="{FF2B5EF4-FFF2-40B4-BE49-F238E27FC236}">
+                <a16:creationId xmlns:a16="http://schemas.microsoft.com/office/drawing/2014/main" id="{07159E64-51C4-8A41-8024-CF89E8FD566B}"/>
+              </a:ext>
+            </a:extLst>
+          </p:cNvPr>
+          <p:cNvPicPr>
+            <a:picLocks noChangeAspect="1"/>
+          </p:cNvPicPr>
+          <p:nvPr/>
+        </p:nvPicPr>
+        <p:blipFill>
+          <a:blip r:embed="rId4"/>
+          <a:stretch>
+            <a:fillRect/>
+          </a:stretch>
+        </p:blipFill>
+        <p:spPr>
+          <a:xfrm>
+            <a:off x="6090557" y="2062425"/>
+            <a:ext cx="2458101" cy="1848340"/>
+          </a:xfrm>
+          <a:prstGeom prst="rect">
+            <a:avLst/>
+          </a:prstGeom>
+          <a:ln>
+            <a:noFill/>
+          </a:ln>
+          <a:effectLst>
+            <a:outerShdw blurRad="292100" dist="139700" dir="2700000" algn="tl" rotWithShape="0">
+              <a:srgbClr val="333333">
+                <a:alpha val="65000"/>
+              </a:srgbClr>
+            </a:outerShdw>
+          </a:effectLst>
+        </p:spPr>
+      </p:pic>
+      <p:sp>
+        <p:nvSpPr>
+          <p:cNvPr id="284" name="Google Shape;284;p42"/>
+          <p:cNvSpPr txBox="1">
+            <a:spLocks noGrp="1"/>
+          </p:cNvSpPr>
+          <p:nvPr>
+            <p:ph type="subTitle" idx="6"/>
+          </p:nvPr>
+        </p:nvSpPr>
+        <p:spPr>
+          <a:xfrm>
+            <a:off x="6084909" y="3184813"/>
+            <a:ext cx="2336573" cy="734785"/>
+          </a:xfrm>
+          <a:prstGeom prst="rect">
+            <a:avLst/>
+          </a:prstGeom>
+        </p:spPr>
+        <p:txBody>
+          <a:bodyPr spcFirstLastPara="1" wrap="square" lIns="91425" tIns="91425" rIns="91425" bIns="91425" anchor="t" anchorCtr="0">
+            <a:noAutofit/>
+          </a:bodyPr>
+          <a:lstStyle/>
+          <a:p>
+            <a:pPr marL="0" lvl="0" indent="0" algn="ctr" rtl="0">
+              <a:spcBef>
+                <a:spcPts val="0"/>
+              </a:spcBef>
+              <a:spcAft>
+                <a:spcPts val="0"/>
+              </a:spcAft>
+              <a:buClr>
+                <a:schemeClr val="dk1"/>
+              </a:buClr>
+              <a:buSzPts val="1100"/>
+              <a:buFont typeface="Arial"/>
+              <a:buNone/>
+            </a:pPr>
+            <a:r>
+              <a:rPr lang="es" dirty="0">
+                <a:solidFill>
+                  <a:schemeClr val="bg1"/>
+                </a:solidFill>
+              </a:rPr>
+              <a:t>Take a breather and come back to it if stuck</a:t>
+            </a:r>
+            <a:endParaRPr dirty="0">
+              <a:solidFill>
+                <a:schemeClr val="bg1"/>
+              </a:solidFill>
+            </a:endParaRPr>
+          </a:p>
+        </p:txBody>
+      </p:sp>
+    </p:spTree>
+  </p:cSld>
+  <p:clrMapOvr>
+    <a:masterClrMapping/>
+  </p:clrMapOvr>
+</p:sld>
+</file>
+
+<file path=ppt/slides/slide7.xml><?xml version="1.0" encoding="utf-8"?>
+<p:sld xmlns:a="http://schemas.openxmlformats.org/drawingml/2006/main" xmlns:r="http://schemas.openxmlformats.org/officeDocument/2006/relationships" xmlns:p="http://schemas.openxmlformats.org/presentationml/2006/main">
+  <p:cSld>
+    <p:spTree>
+      <p:nvGrpSpPr>
+        <p:cNvPr id="1" name="Shape 762"/>
+        <p:cNvGrpSpPr/>
+        <p:nvPr/>
+      </p:nvGrpSpPr>
+      <p:grpSpPr>
+        <a:xfrm>
+          <a:off x="0" y="0"/>
+          <a:ext cx="0" cy="0"/>
+          <a:chOff x="0" y="0"/>
+          <a:chExt cx="0" cy="0"/>
+        </a:xfrm>
+      </p:grpSpPr>
+      <p:sp>
+        <p:nvSpPr>
+          <p:cNvPr id="763" name="Google Shape;763;p56"/>
+          <p:cNvSpPr txBox="1">
+            <a:spLocks noGrp="1"/>
+          </p:cNvSpPr>
+          <p:nvPr>
+            <p:ph type="title" idx="4"/>
+          </p:nvPr>
+        </p:nvSpPr>
+        <p:spPr>
+          <a:xfrm>
+            <a:off x="-46650" y="927075"/>
+            <a:ext cx="9144000" cy="482400"/>
+          </a:xfrm>
+          <a:prstGeom prst="rect">
+            <a:avLst/>
+          </a:prstGeom>
+        </p:spPr>
+        <p:txBody>
+          <a:bodyPr spcFirstLastPara="1" wrap="square" lIns="91425" tIns="91425" rIns="91425" bIns="91425" anchor="t" anchorCtr="0">
+            <a:noAutofit/>
+          </a:bodyPr>
+          <a:lstStyle/>
+          <a:p>
+            <a:pPr marL="0" lvl="0" indent="0" algn="ctr" rtl="0">
+              <a:spcBef>
+                <a:spcPts val="0"/>
+              </a:spcBef>
+              <a:spcAft>
+                <a:spcPts val="0"/>
+              </a:spcAft>
+              <a:buNone/>
+            </a:pPr>
+            <a:r>
+              <a:rPr lang="es" dirty="0"/>
+              <a:t>Learnings</a:t>
+            </a:r>
+            <a:endParaRPr dirty="0"/>
+          </a:p>
+        </p:txBody>
+      </p:sp>
+      <p:sp>
+        <p:nvSpPr>
+          <p:cNvPr id="778" name="Google Shape;778;p56"/>
+          <p:cNvSpPr txBox="1">
+            <a:spLocks noGrp="1"/>
+          </p:cNvSpPr>
+          <p:nvPr>
+            <p:ph type="sldNum" idx="12"/>
+          </p:nvPr>
+        </p:nvSpPr>
+        <p:spPr>
+          <a:xfrm>
+            <a:off x="8548658" y="4663217"/>
+            <a:ext cx="548700" cy="393600"/>
+          </a:xfrm>
+          <a:prstGeom prst="rect">
+            <a:avLst/>
+          </a:prstGeom>
+        </p:spPr>
+        <p:txBody>
+          <a:bodyPr spcFirstLastPara="1" wrap="square" lIns="91425" tIns="91425" rIns="91425" bIns="91425" anchor="ctr" anchorCtr="0">
+            <a:noAutofit/>
+          </a:bodyPr>
+          <a:lstStyle/>
+          <a:p>
+            <a:pPr marL="0" lvl="0" indent="0" algn="l" rtl="0">
+              <a:spcBef>
+                <a:spcPts val="0"/>
+              </a:spcBef>
+              <a:spcAft>
+                <a:spcPts val="0"/>
+              </a:spcAft>
+              <a:buClr>
+                <a:srgbClr val="000000"/>
+              </a:buClr>
+              <a:buSzPts val="1100"/>
+              <a:buFont typeface="Arial"/>
+              <a:buNone/>
+            </a:pPr>
+            <a:fld id="{00000000-1234-1234-1234-123412341234}" type="slidenum">
+              <a:rPr lang="es"/>
+              <a:t>7</a:t>
+            </a:fld>
+            <a:endParaRPr/>
+          </a:p>
+        </p:txBody>
+      </p:sp>
+      <p:sp>
+        <p:nvSpPr>
+          <p:cNvPr id="779" name="Google Shape;779;p56"/>
+          <p:cNvSpPr txBox="1">
+            <a:spLocks noGrp="1"/>
+          </p:cNvSpPr>
+          <p:nvPr>
+            <p:ph type="ctrTitle"/>
+          </p:nvPr>
+        </p:nvSpPr>
+        <p:spPr>
+          <a:xfrm>
+            <a:off x="1113228" y="2151075"/>
+            <a:ext cx="3169500" cy="644700"/>
+          </a:xfrm>
+          <a:prstGeom prst="rect">
+            <a:avLst/>
+          </a:prstGeom>
+        </p:spPr>
+        <p:txBody>
+          <a:bodyPr spcFirstLastPara="1" wrap="square" lIns="91425" tIns="91425" rIns="91425" bIns="91425" anchor="b" anchorCtr="0">
+            <a:noAutofit/>
+          </a:bodyPr>
+          <a:lstStyle/>
+          <a:p>
+            <a:pPr marL="0" lvl="0" indent="0" algn="ctr" rtl="0">
+              <a:spcBef>
+                <a:spcPts val="0"/>
+              </a:spcBef>
+              <a:spcAft>
+                <a:spcPts val="0"/>
+              </a:spcAft>
+              <a:buNone/>
+            </a:pPr>
+            <a:r>
+              <a:rPr lang="es" dirty="0"/>
+              <a:t>Web Scrapping </a:t>
+            </a:r>
+            <a:endParaRPr dirty="0"/>
+          </a:p>
+        </p:txBody>
+      </p:sp>
+      <p:sp>
+        <p:nvSpPr>
+          <p:cNvPr id="781" name="Google Shape;781;p56"/>
+          <p:cNvSpPr txBox="1">
+            <a:spLocks noGrp="1"/>
+          </p:cNvSpPr>
+          <p:nvPr>
+            <p:ph type="ctrTitle" idx="2"/>
+          </p:nvPr>
+        </p:nvSpPr>
+        <p:spPr>
+          <a:xfrm>
+            <a:off x="4793885" y="2460686"/>
+            <a:ext cx="3169500" cy="644700"/>
+          </a:xfrm>
+          <a:prstGeom prst="rect">
+            <a:avLst/>
+          </a:prstGeom>
+        </p:spPr>
+        <p:txBody>
+          <a:bodyPr spcFirstLastPara="1" wrap="square" lIns="91425" tIns="91425" rIns="91425" bIns="91425" anchor="b" anchorCtr="0">
+            <a:noAutofit/>
+          </a:bodyPr>
+          <a:lstStyle/>
+          <a:p>
+            <a:pPr marL="0" lvl="0" indent="0" algn="ctr" rtl="0">
+              <a:spcBef>
+                <a:spcPts val="0"/>
+              </a:spcBef>
+              <a:spcAft>
+                <a:spcPts val="0"/>
+              </a:spcAft>
+              <a:buNone/>
+            </a:pPr>
+            <a:r>
+              <a:rPr lang="es" dirty="0"/>
+              <a:t>Data import/export</a:t>
+            </a:r>
+            <a:endParaRPr dirty="0"/>
+          </a:p>
+        </p:txBody>
+      </p:sp>
+      <p:sp>
+        <p:nvSpPr>
+          <p:cNvPr id="8" name="Google Shape;779;p56">
+            <a:extLst>
+              <a:ext uri="{FF2B5EF4-FFF2-40B4-BE49-F238E27FC236}">
+                <a16:creationId xmlns:a16="http://schemas.microsoft.com/office/drawing/2014/main" id="{C5CD89E9-B93C-5C4A-8308-71E8C11847EF}"/>
+              </a:ext>
+            </a:extLst>
+          </p:cNvPr>
+          <p:cNvSpPr txBox="1">
+            <a:spLocks/>
+          </p:cNvSpPr>
+          <p:nvPr/>
+        </p:nvSpPr>
+        <p:spPr>
+          <a:xfrm>
+            <a:off x="1113228" y="2795775"/>
+            <a:ext cx="3169500" cy="644700"/>
+          </a:xfrm>
+          <a:prstGeom prst="rect">
+            <a:avLst/>
+          </a:prstGeom>
+          <a:noFill/>
+          <a:ln>
+            <a:noFill/>
+          </a:ln>
+        </p:spPr>
+        <p:txBody>
+          <a:bodyPr spcFirstLastPara="1" wrap="square" lIns="91425" tIns="91425" rIns="91425" bIns="91425" anchor="b" anchorCtr="0">
+            <a:noAutofit/>
+          </a:bodyPr>
+          <a:lstStyle>
+            <a:defPPr marR="0" lvl="0" algn="l" rtl="0">
+              <a:lnSpc>
+                <a:spcPct val="100000"/>
+              </a:lnSpc>
+              <a:spcBef>
+                <a:spcPts val="0"/>
+              </a:spcBef>
+              <a:spcAft>
+                <a:spcPts val="0"/>
+              </a:spcAft>
+            </a:defPPr>
+            <a:lvl1pPr marR="0" lvl="0" algn="ctr" rtl="0">
+              <a:lnSpc>
+                <a:spcPct val="100000"/>
+              </a:lnSpc>
+              <a:spcBef>
+                <a:spcPts val="0"/>
+              </a:spcBef>
+              <a:spcAft>
+                <a:spcPts val="0"/>
+              </a:spcAft>
+              <a:buClr>
+                <a:schemeClr val="dk2"/>
+              </a:buClr>
+              <a:buSzPts val="1800"/>
+              <a:buFont typeface="Ubuntu"/>
+              <a:buNone/>
+              <a:defRPr sz="1800" b="1" i="0" u="none" strike="noStrike" cap="none">
+                <a:solidFill>
+                  <a:schemeClr val="dk2"/>
+                </a:solidFill>
+                <a:latin typeface="Ubuntu"/>
+                <a:ea typeface="Ubuntu"/>
+                <a:cs typeface="Ubuntu"/>
+                <a:sym typeface="Ubuntu"/>
+              </a:defRPr>
+            </a:lvl1pPr>
+            <a:lvl2pPr marR="0" lvl="1" algn="ctr" rtl="0">
+              <a:lnSpc>
+                <a:spcPct val="100000"/>
+              </a:lnSpc>
+              <a:spcBef>
+                <a:spcPts val="0"/>
+              </a:spcBef>
+              <a:spcAft>
+                <a:spcPts val="0"/>
+              </a:spcAft>
+              <a:buClr>
+                <a:schemeClr val="dk2"/>
+              </a:buClr>
+              <a:buSzPts val="1600"/>
+              <a:buFont typeface="Arvo"/>
+              <a:buNone/>
+              <a:defRPr sz="1600" b="0" i="0" u="none" strike="noStrike" cap="none">
+                <a:solidFill>
+                  <a:schemeClr val="dk2"/>
+                </a:solidFill>
+                <a:latin typeface="Arvo"/>
+                <a:ea typeface="Arvo"/>
+                <a:cs typeface="Arvo"/>
+                <a:sym typeface="Arvo"/>
+              </a:defRPr>
+            </a:lvl2pPr>
+            <a:lvl3pPr marR="0" lvl="2" algn="ctr" rtl="0">
+              <a:lnSpc>
+                <a:spcPct val="100000"/>
+              </a:lnSpc>
+              <a:spcBef>
+                <a:spcPts val="0"/>
+              </a:spcBef>
+              <a:spcAft>
+                <a:spcPts val="0"/>
+              </a:spcAft>
+              <a:buClr>
+                <a:schemeClr val="dk2"/>
+              </a:buClr>
+              <a:buSzPts val="1600"/>
+              <a:buFont typeface="Arvo"/>
+              <a:buNone/>
+              <a:defRPr sz="1600" b="0" i="0" u="none" strike="noStrike" cap="none">
+                <a:solidFill>
+                  <a:schemeClr val="dk2"/>
+                </a:solidFill>
+                <a:latin typeface="Arvo"/>
+                <a:ea typeface="Arvo"/>
+                <a:cs typeface="Arvo"/>
+                <a:sym typeface="Arvo"/>
+              </a:defRPr>
+            </a:lvl3pPr>
+            <a:lvl4pPr marR="0" lvl="3" algn="ctr" rtl="0">
+              <a:lnSpc>
+                <a:spcPct val="100000"/>
+              </a:lnSpc>
+              <a:spcBef>
+                <a:spcPts val="0"/>
+              </a:spcBef>
+              <a:spcAft>
+                <a:spcPts val="0"/>
+              </a:spcAft>
+              <a:buClr>
+                <a:schemeClr val="dk2"/>
+              </a:buClr>
+              <a:buSzPts val="1600"/>
+              <a:buFont typeface="Arvo"/>
+              <a:buNone/>
+              <a:defRPr sz="1600" b="0" i="0" u="none" strike="noStrike" cap="none">
+                <a:solidFill>
+                  <a:schemeClr val="dk2"/>
+                </a:solidFill>
+                <a:latin typeface="Arvo"/>
+                <a:ea typeface="Arvo"/>
+                <a:cs typeface="Arvo"/>
+                <a:sym typeface="Arvo"/>
+              </a:defRPr>
+            </a:lvl4pPr>
+            <a:lvl5pPr marR="0" lvl="4" algn="ctr" rtl="0">
+              <a:lnSpc>
+                <a:spcPct val="100000"/>
+              </a:lnSpc>
+              <a:spcBef>
+                <a:spcPts val="0"/>
+              </a:spcBef>
+              <a:spcAft>
+                <a:spcPts val="0"/>
+              </a:spcAft>
+              <a:buClr>
+                <a:schemeClr val="dk2"/>
+              </a:buClr>
+              <a:buSzPts val="1600"/>
+              <a:buFont typeface="Arvo"/>
+              <a:buNone/>
+              <a:defRPr sz="1600" b="0" i="0" u="none" strike="noStrike" cap="none">
+                <a:solidFill>
+                  <a:schemeClr val="dk2"/>
+                </a:solidFill>
+                <a:latin typeface="Arvo"/>
+                <a:ea typeface="Arvo"/>
+                <a:cs typeface="Arvo"/>
+                <a:sym typeface="Arvo"/>
+              </a:defRPr>
+            </a:lvl5pPr>
+            <a:lvl6pPr marR="0" lvl="5" algn="ctr" rtl="0">
+              <a:lnSpc>
+                <a:spcPct val="100000"/>
+              </a:lnSpc>
+              <a:spcBef>
+                <a:spcPts val="0"/>
+              </a:spcBef>
+              <a:spcAft>
+                <a:spcPts val="0"/>
+              </a:spcAft>
+              <a:buClr>
+                <a:schemeClr val="dk2"/>
+              </a:buClr>
+              <a:buSzPts val="1600"/>
+              <a:buFont typeface="Arvo"/>
+              <a:buNone/>
+              <a:defRPr sz="1600" b="0" i="0" u="none" strike="noStrike" cap="none">
+                <a:solidFill>
+                  <a:schemeClr val="dk2"/>
+                </a:solidFill>
+                <a:latin typeface="Arvo"/>
+                <a:ea typeface="Arvo"/>
+                <a:cs typeface="Arvo"/>
+                <a:sym typeface="Arvo"/>
+              </a:defRPr>
+            </a:lvl6pPr>
+            <a:lvl7pPr marR="0" lvl="6" algn="ctr" rtl="0">
+              <a:lnSpc>
+                <a:spcPct val="100000"/>
+              </a:lnSpc>
+              <a:spcBef>
+                <a:spcPts val="0"/>
+              </a:spcBef>
+              <a:spcAft>
+                <a:spcPts val="0"/>
+              </a:spcAft>
+              <a:buClr>
+                <a:schemeClr val="dk2"/>
+              </a:buClr>
+              <a:buSzPts val="1600"/>
+              <a:buFont typeface="Arvo"/>
+              <a:buNone/>
+              <a:defRPr sz="1600" b="0" i="0" u="none" strike="noStrike" cap="none">
+                <a:solidFill>
+                  <a:schemeClr val="dk2"/>
+                </a:solidFill>
+                <a:latin typeface="Arvo"/>
+                <a:ea typeface="Arvo"/>
+                <a:cs typeface="Arvo"/>
+                <a:sym typeface="Arvo"/>
+              </a:defRPr>
+            </a:lvl7pPr>
+            <a:lvl8pPr marR="0" lvl="7" algn="ctr" rtl="0">
+              <a:lnSpc>
+                <a:spcPct val="100000"/>
+              </a:lnSpc>
+              <a:spcBef>
+                <a:spcPts val="0"/>
+              </a:spcBef>
+              <a:spcAft>
+                <a:spcPts val="0"/>
+              </a:spcAft>
+              <a:buClr>
+                <a:schemeClr val="dk2"/>
+              </a:buClr>
+              <a:buSzPts val="1600"/>
+              <a:buFont typeface="Arvo"/>
+              <a:buNone/>
+              <a:defRPr sz="1600" b="0" i="0" u="none" strike="noStrike" cap="none">
+                <a:solidFill>
+                  <a:schemeClr val="dk2"/>
+                </a:solidFill>
+                <a:latin typeface="Arvo"/>
+                <a:ea typeface="Arvo"/>
+                <a:cs typeface="Arvo"/>
+                <a:sym typeface="Arvo"/>
+              </a:defRPr>
+            </a:lvl8pPr>
+            <a:lvl9pPr marR="0" lvl="8" algn="ctr" rtl="0">
+              <a:lnSpc>
+                <a:spcPct val="100000"/>
+              </a:lnSpc>
+              <a:spcBef>
+                <a:spcPts val="0"/>
+              </a:spcBef>
+              <a:spcAft>
+                <a:spcPts val="0"/>
+              </a:spcAft>
+              <a:buClr>
+                <a:schemeClr val="dk2"/>
+              </a:buClr>
+              <a:buSzPts val="1600"/>
+              <a:buFont typeface="Arvo"/>
+              <a:buNone/>
+              <a:defRPr sz="1600" b="0" i="0" u="none" strike="noStrike" cap="none">
+                <a:solidFill>
+                  <a:schemeClr val="dk2"/>
+                </a:solidFill>
+                <a:latin typeface="Arvo"/>
+                <a:ea typeface="Arvo"/>
+                <a:cs typeface="Arvo"/>
+                <a:sym typeface="Arvo"/>
+              </a:defRPr>
+            </a:lvl9pPr>
+          </a:lstStyle>
+          <a:p>
+            <a:r>
+              <a:rPr lang="fr-FR" dirty="0"/>
+              <a:t>Data </a:t>
+            </a:r>
+            <a:r>
+              <a:rPr lang="fr-FR" dirty="0" err="1"/>
+              <a:t>Cleaning</a:t>
+            </a:r>
+            <a:endParaRPr lang="fr-FR" dirty="0"/>
+          </a:p>
+        </p:txBody>
+      </p:sp>
+      <p:sp>
+        <p:nvSpPr>
+          <p:cNvPr id="9" name="Google Shape;779;p56">
+            <a:extLst>
+              <a:ext uri="{FF2B5EF4-FFF2-40B4-BE49-F238E27FC236}">
+                <a16:creationId xmlns:a16="http://schemas.microsoft.com/office/drawing/2014/main" id="{F5B5E684-6D21-A246-8202-2A1102643882}"/>
+              </a:ext>
+            </a:extLst>
+          </p:cNvPr>
+          <p:cNvSpPr txBox="1">
+            <a:spLocks/>
+          </p:cNvSpPr>
+          <p:nvPr/>
+        </p:nvSpPr>
+        <p:spPr>
+          <a:xfrm>
+            <a:off x="1113228" y="3312725"/>
+            <a:ext cx="3169500" cy="644700"/>
+          </a:xfrm>
+          <a:prstGeom prst="rect">
+            <a:avLst/>
+          </a:prstGeom>
+          <a:noFill/>
+          <a:ln>
+            <a:noFill/>
+          </a:ln>
+        </p:spPr>
+        <p:txBody>
+          <a:bodyPr spcFirstLastPara="1" wrap="square" lIns="91425" tIns="91425" rIns="91425" bIns="91425" anchor="b" anchorCtr="0">
+            <a:noAutofit/>
+          </a:bodyPr>
+          <a:lstStyle>
+            <a:defPPr marR="0" lvl="0" algn="l" rtl="0">
+              <a:lnSpc>
+                <a:spcPct val="100000"/>
+              </a:lnSpc>
+              <a:spcBef>
+                <a:spcPts val="0"/>
+              </a:spcBef>
+              <a:spcAft>
+                <a:spcPts val="0"/>
+              </a:spcAft>
+            </a:defPPr>
+            <a:lvl1pPr marR="0" lvl="0" algn="ctr" rtl="0">
+              <a:lnSpc>
+                <a:spcPct val="100000"/>
+              </a:lnSpc>
+              <a:spcBef>
+                <a:spcPts val="0"/>
+              </a:spcBef>
+              <a:spcAft>
+                <a:spcPts val="0"/>
+              </a:spcAft>
+              <a:buClr>
+                <a:schemeClr val="dk2"/>
+              </a:buClr>
+              <a:buSzPts val="1800"/>
+              <a:buFont typeface="Ubuntu"/>
+              <a:buNone/>
+              <a:defRPr sz="1800" b="1" i="0" u="none" strike="noStrike" cap="none">
+                <a:solidFill>
+                  <a:schemeClr val="dk2"/>
+                </a:solidFill>
+                <a:latin typeface="Ubuntu"/>
+                <a:ea typeface="Ubuntu"/>
+                <a:cs typeface="Ubuntu"/>
+                <a:sym typeface="Ubuntu"/>
+              </a:defRPr>
+            </a:lvl1pPr>
+            <a:lvl2pPr marR="0" lvl="1" algn="ctr" rtl="0">
+              <a:lnSpc>
+                <a:spcPct val="100000"/>
+              </a:lnSpc>
+              <a:spcBef>
+                <a:spcPts val="0"/>
+              </a:spcBef>
+              <a:spcAft>
+                <a:spcPts val="0"/>
+              </a:spcAft>
+              <a:buClr>
+                <a:schemeClr val="dk2"/>
+              </a:buClr>
+              <a:buSzPts val="1600"/>
+              <a:buFont typeface="Arvo"/>
+              <a:buNone/>
+              <a:defRPr sz="1600" b="0" i="0" u="none" strike="noStrike" cap="none">
+                <a:solidFill>
+                  <a:schemeClr val="dk2"/>
+                </a:solidFill>
+                <a:latin typeface="Arvo"/>
+                <a:ea typeface="Arvo"/>
+                <a:cs typeface="Arvo"/>
+                <a:sym typeface="Arvo"/>
+              </a:defRPr>
+            </a:lvl2pPr>
+            <a:lvl3pPr marR="0" lvl="2" algn="ctr" rtl="0">
+              <a:lnSpc>
+                <a:spcPct val="100000"/>
+              </a:lnSpc>
+              <a:spcBef>
+                <a:spcPts val="0"/>
+              </a:spcBef>
+              <a:spcAft>
+                <a:spcPts val="0"/>
+              </a:spcAft>
+              <a:buClr>
+                <a:schemeClr val="dk2"/>
+              </a:buClr>
+              <a:buSzPts val="1600"/>
+              <a:buFont typeface="Arvo"/>
+              <a:buNone/>
+              <a:defRPr sz="1600" b="0" i="0" u="none" strike="noStrike" cap="none">
+                <a:solidFill>
+                  <a:schemeClr val="dk2"/>
+                </a:solidFill>
+                <a:latin typeface="Arvo"/>
+                <a:ea typeface="Arvo"/>
+                <a:cs typeface="Arvo"/>
+                <a:sym typeface="Arvo"/>
+              </a:defRPr>
+            </a:lvl3pPr>
+            <a:lvl4pPr marR="0" lvl="3" algn="ctr" rtl="0">
+              <a:lnSpc>
+                <a:spcPct val="100000"/>
+              </a:lnSpc>
+              <a:spcBef>
+                <a:spcPts val="0"/>
+              </a:spcBef>
+              <a:spcAft>
+                <a:spcPts val="0"/>
+              </a:spcAft>
+              <a:buClr>
+                <a:schemeClr val="dk2"/>
+              </a:buClr>
+              <a:buSzPts val="1600"/>
+              <a:buFont typeface="Arvo"/>
+              <a:buNone/>
+              <a:defRPr sz="1600" b="0" i="0" u="none" strike="noStrike" cap="none">
+                <a:solidFill>
+                  <a:schemeClr val="dk2"/>
+                </a:solidFill>
+                <a:latin typeface="Arvo"/>
+                <a:ea typeface="Arvo"/>
+                <a:cs typeface="Arvo"/>
+                <a:sym typeface="Arvo"/>
+              </a:defRPr>
+            </a:lvl4pPr>
+            <a:lvl5pPr marR="0" lvl="4" algn="ctr" rtl="0">
+              <a:lnSpc>
+                <a:spcPct val="100000"/>
+              </a:lnSpc>
+              <a:spcBef>
+                <a:spcPts val="0"/>
+              </a:spcBef>
+              <a:spcAft>
+                <a:spcPts val="0"/>
+              </a:spcAft>
+              <a:buClr>
+                <a:schemeClr val="dk2"/>
+              </a:buClr>
+              <a:buSzPts val="1600"/>
+              <a:buFont typeface="Arvo"/>
+              <a:buNone/>
+              <a:defRPr sz="1600" b="0" i="0" u="none" strike="noStrike" cap="none">
+                <a:solidFill>
+                  <a:schemeClr val="dk2"/>
+                </a:solidFill>
+                <a:latin typeface="Arvo"/>
+                <a:ea typeface="Arvo"/>
+                <a:cs typeface="Arvo"/>
+                <a:sym typeface="Arvo"/>
+              </a:defRPr>
+            </a:lvl5pPr>
+            <a:lvl6pPr marR="0" lvl="5" algn="ctr" rtl="0">
+              <a:lnSpc>
+                <a:spcPct val="100000"/>
+              </a:lnSpc>
+              <a:spcBef>
+                <a:spcPts val="0"/>
+              </a:spcBef>
+              <a:spcAft>
+                <a:spcPts val="0"/>
+              </a:spcAft>
+              <a:buClr>
+                <a:schemeClr val="dk2"/>
+              </a:buClr>
+              <a:buSzPts val="1600"/>
+              <a:buFont typeface="Arvo"/>
+              <a:buNone/>
+              <a:defRPr sz="1600" b="0" i="0" u="none" strike="noStrike" cap="none">
+                <a:solidFill>
+                  <a:schemeClr val="dk2"/>
+                </a:solidFill>
+                <a:latin typeface="Arvo"/>
+                <a:ea typeface="Arvo"/>
+                <a:cs typeface="Arvo"/>
+                <a:sym typeface="Arvo"/>
+              </a:defRPr>
+            </a:lvl6pPr>
+            <a:lvl7pPr marR="0" lvl="6" algn="ctr" rtl="0">
+              <a:lnSpc>
+                <a:spcPct val="100000"/>
+              </a:lnSpc>
+              <a:spcBef>
+                <a:spcPts val="0"/>
+              </a:spcBef>
+              <a:spcAft>
+                <a:spcPts val="0"/>
+              </a:spcAft>
+              <a:buClr>
+                <a:schemeClr val="dk2"/>
+              </a:buClr>
+              <a:buSzPts val="1600"/>
+              <a:buFont typeface="Arvo"/>
+              <a:buNone/>
+              <a:defRPr sz="1600" b="0" i="0" u="none" strike="noStrike" cap="none">
+                <a:solidFill>
+                  <a:schemeClr val="dk2"/>
+                </a:solidFill>
+                <a:latin typeface="Arvo"/>
+                <a:ea typeface="Arvo"/>
+                <a:cs typeface="Arvo"/>
+                <a:sym typeface="Arvo"/>
+              </a:defRPr>
+            </a:lvl7pPr>
+            <a:lvl8pPr marR="0" lvl="7" algn="ctr" rtl="0">
+              <a:lnSpc>
+                <a:spcPct val="100000"/>
+              </a:lnSpc>
+              <a:spcBef>
+                <a:spcPts val="0"/>
+              </a:spcBef>
+              <a:spcAft>
+                <a:spcPts val="0"/>
+              </a:spcAft>
+              <a:buClr>
+                <a:schemeClr val="dk2"/>
+              </a:buClr>
+              <a:buSzPts val="1600"/>
+              <a:buFont typeface="Arvo"/>
+              <a:buNone/>
+              <a:defRPr sz="1600" b="0" i="0" u="none" strike="noStrike" cap="none">
+                <a:solidFill>
+                  <a:schemeClr val="dk2"/>
+                </a:solidFill>
+                <a:latin typeface="Arvo"/>
+                <a:ea typeface="Arvo"/>
+                <a:cs typeface="Arvo"/>
+                <a:sym typeface="Arvo"/>
+              </a:defRPr>
+            </a:lvl8pPr>
+            <a:lvl9pPr marR="0" lvl="8" algn="ctr" rtl="0">
+              <a:lnSpc>
+                <a:spcPct val="100000"/>
+              </a:lnSpc>
+              <a:spcBef>
+                <a:spcPts val="0"/>
+              </a:spcBef>
+              <a:spcAft>
+                <a:spcPts val="0"/>
+              </a:spcAft>
+              <a:buClr>
+                <a:schemeClr val="dk2"/>
+              </a:buClr>
+              <a:buSzPts val="1600"/>
+              <a:buFont typeface="Arvo"/>
+              <a:buNone/>
+              <a:defRPr sz="1600" b="0" i="0" u="none" strike="noStrike" cap="none">
+                <a:solidFill>
+                  <a:schemeClr val="dk2"/>
+                </a:solidFill>
+                <a:latin typeface="Arvo"/>
+                <a:ea typeface="Arvo"/>
+                <a:cs typeface="Arvo"/>
+                <a:sym typeface="Arvo"/>
+              </a:defRPr>
+            </a:lvl9pPr>
+          </a:lstStyle>
+          <a:p>
+            <a:r>
+              <a:rPr lang="fr-FR" dirty="0"/>
+              <a:t>Data </a:t>
+            </a:r>
+            <a:r>
+              <a:rPr lang="fr-FR" dirty="0" err="1"/>
+              <a:t>Normalization</a:t>
+            </a:r>
+            <a:endParaRPr lang="fr-FR" dirty="0"/>
+          </a:p>
+        </p:txBody>
+      </p:sp>
+      <p:sp>
+        <p:nvSpPr>
+          <p:cNvPr id="10" name="Google Shape;781;p56">
+            <a:extLst>
+              <a:ext uri="{FF2B5EF4-FFF2-40B4-BE49-F238E27FC236}">
+                <a16:creationId xmlns:a16="http://schemas.microsoft.com/office/drawing/2014/main" id="{A3B03997-D4CA-6E4E-B4C4-218C200CA347}"/>
+              </a:ext>
+            </a:extLst>
+          </p:cNvPr>
+          <p:cNvSpPr txBox="1">
+            <a:spLocks/>
+          </p:cNvSpPr>
+          <p:nvPr/>
+        </p:nvSpPr>
+        <p:spPr>
+          <a:xfrm>
+            <a:off x="4793885" y="3105386"/>
+            <a:ext cx="3169500" cy="644700"/>
+          </a:xfrm>
+          <a:prstGeom prst="rect">
+            <a:avLst/>
+          </a:prstGeom>
+          <a:noFill/>
+          <a:ln>
+            <a:noFill/>
+          </a:ln>
+        </p:spPr>
+        <p:txBody>
+          <a:bodyPr spcFirstLastPara="1" wrap="square" lIns="91425" tIns="91425" rIns="91425" bIns="91425" anchor="b" anchorCtr="0">
+            <a:noAutofit/>
+          </a:bodyPr>
+          <a:lstStyle>
+            <a:defPPr marR="0" lvl="0" algn="l" rtl="0">
+              <a:lnSpc>
+                <a:spcPct val="100000"/>
+              </a:lnSpc>
+              <a:spcBef>
+                <a:spcPts val="0"/>
+              </a:spcBef>
+              <a:spcAft>
+                <a:spcPts val="0"/>
+              </a:spcAft>
+            </a:defPPr>
+            <a:lvl1pPr marR="0" lvl="0" algn="ctr" rtl="0">
+              <a:lnSpc>
+                <a:spcPct val="100000"/>
+              </a:lnSpc>
+              <a:spcBef>
+                <a:spcPts val="0"/>
+              </a:spcBef>
+              <a:spcAft>
+                <a:spcPts val="0"/>
+              </a:spcAft>
+              <a:buClr>
+                <a:schemeClr val="dk2"/>
+              </a:buClr>
+              <a:buSzPts val="1800"/>
+              <a:buFont typeface="Ubuntu"/>
+              <a:buNone/>
+              <a:defRPr sz="1800" b="1" i="0" u="none" strike="noStrike" cap="none">
+                <a:solidFill>
+                  <a:schemeClr val="dk2"/>
+                </a:solidFill>
+                <a:latin typeface="Ubuntu"/>
+                <a:ea typeface="Ubuntu"/>
+                <a:cs typeface="Ubuntu"/>
+                <a:sym typeface="Ubuntu"/>
+              </a:defRPr>
+            </a:lvl1pPr>
+            <a:lvl2pPr marR="0" lvl="1" algn="ctr" rtl="0">
+              <a:lnSpc>
+                <a:spcPct val="100000"/>
+              </a:lnSpc>
+              <a:spcBef>
+                <a:spcPts val="0"/>
+              </a:spcBef>
+              <a:spcAft>
+                <a:spcPts val="0"/>
+              </a:spcAft>
+              <a:buClr>
+                <a:schemeClr val="dk2"/>
+              </a:buClr>
+              <a:buSzPts val="1600"/>
+              <a:buFont typeface="Arvo"/>
+              <a:buNone/>
+              <a:defRPr sz="1600" b="0" i="0" u="none" strike="noStrike" cap="none">
+                <a:solidFill>
+                  <a:schemeClr val="dk2"/>
+                </a:solidFill>
+                <a:latin typeface="Arvo"/>
+                <a:ea typeface="Arvo"/>
+                <a:cs typeface="Arvo"/>
+                <a:sym typeface="Arvo"/>
+              </a:defRPr>
+            </a:lvl2pPr>
+            <a:lvl3pPr marR="0" lvl="2" algn="ctr" rtl="0">
+              <a:lnSpc>
+                <a:spcPct val="100000"/>
+              </a:lnSpc>
+              <a:spcBef>
+                <a:spcPts val="0"/>
+              </a:spcBef>
+              <a:spcAft>
+                <a:spcPts val="0"/>
+              </a:spcAft>
+              <a:buClr>
+                <a:schemeClr val="dk2"/>
+              </a:buClr>
+              <a:buSzPts val="1600"/>
+              <a:buFont typeface="Arvo"/>
+              <a:buNone/>
+              <a:defRPr sz="1600" b="0" i="0" u="none" strike="noStrike" cap="none">
+                <a:solidFill>
+                  <a:schemeClr val="dk2"/>
+                </a:solidFill>
+                <a:latin typeface="Arvo"/>
+                <a:ea typeface="Arvo"/>
+                <a:cs typeface="Arvo"/>
+                <a:sym typeface="Arvo"/>
+              </a:defRPr>
+            </a:lvl3pPr>
+            <a:lvl4pPr marR="0" lvl="3" algn="ctr" rtl="0">
+              <a:lnSpc>
+                <a:spcPct val="100000"/>
+              </a:lnSpc>
+              <a:spcBef>
+                <a:spcPts val="0"/>
+              </a:spcBef>
+              <a:spcAft>
+                <a:spcPts val="0"/>
+              </a:spcAft>
+              <a:buClr>
+                <a:schemeClr val="dk2"/>
+              </a:buClr>
+              <a:buSzPts val="1600"/>
+              <a:buFont typeface="Arvo"/>
+              <a:buNone/>
+              <a:defRPr sz="1600" b="0" i="0" u="none" strike="noStrike" cap="none">
+                <a:solidFill>
+                  <a:schemeClr val="dk2"/>
+                </a:solidFill>
+                <a:latin typeface="Arvo"/>
+                <a:ea typeface="Arvo"/>
+                <a:cs typeface="Arvo"/>
+                <a:sym typeface="Arvo"/>
+              </a:defRPr>
+            </a:lvl4pPr>
+            <a:lvl5pPr marR="0" lvl="4" algn="ctr" rtl="0">
+              <a:lnSpc>
+                <a:spcPct val="100000"/>
+              </a:lnSpc>
+              <a:spcBef>
+                <a:spcPts val="0"/>
+              </a:spcBef>
+              <a:spcAft>
+                <a:spcPts val="0"/>
+              </a:spcAft>
+              <a:buClr>
+                <a:schemeClr val="dk2"/>
+              </a:buClr>
+              <a:buSzPts val="1600"/>
+              <a:buFont typeface="Arvo"/>
+              <a:buNone/>
+              <a:defRPr sz="1600" b="0" i="0" u="none" strike="noStrike" cap="none">
+                <a:solidFill>
+                  <a:schemeClr val="dk2"/>
+                </a:solidFill>
+                <a:latin typeface="Arvo"/>
+                <a:ea typeface="Arvo"/>
+                <a:cs typeface="Arvo"/>
+                <a:sym typeface="Arvo"/>
+              </a:defRPr>
+            </a:lvl5pPr>
+            <a:lvl6pPr marR="0" lvl="5" algn="ctr" rtl="0">
+              <a:lnSpc>
+                <a:spcPct val="100000"/>
+              </a:lnSpc>
+              <a:spcBef>
+                <a:spcPts val="0"/>
+              </a:spcBef>
+              <a:spcAft>
+                <a:spcPts val="0"/>
+              </a:spcAft>
+              <a:buClr>
+                <a:schemeClr val="dk2"/>
+              </a:buClr>
+              <a:buSzPts val="1600"/>
+              <a:buFont typeface="Arvo"/>
+              <a:buNone/>
+              <a:defRPr sz="1600" b="0" i="0" u="none" strike="noStrike" cap="none">
+                <a:solidFill>
+                  <a:schemeClr val="dk2"/>
+                </a:solidFill>
+                <a:latin typeface="Arvo"/>
+                <a:ea typeface="Arvo"/>
+                <a:cs typeface="Arvo"/>
+                <a:sym typeface="Arvo"/>
+              </a:defRPr>
+            </a:lvl6pPr>
+            <a:lvl7pPr marR="0" lvl="6" algn="ctr" rtl="0">
+              <a:lnSpc>
+                <a:spcPct val="100000"/>
+              </a:lnSpc>
+              <a:spcBef>
+                <a:spcPts val="0"/>
+              </a:spcBef>
+              <a:spcAft>
+                <a:spcPts val="0"/>
+              </a:spcAft>
+              <a:buClr>
+                <a:schemeClr val="dk2"/>
+              </a:buClr>
+              <a:buSzPts val="1600"/>
+              <a:buFont typeface="Arvo"/>
+              <a:buNone/>
+              <a:defRPr sz="1600" b="0" i="0" u="none" strike="noStrike" cap="none">
+                <a:solidFill>
+                  <a:schemeClr val="dk2"/>
+                </a:solidFill>
+                <a:latin typeface="Arvo"/>
+                <a:ea typeface="Arvo"/>
+                <a:cs typeface="Arvo"/>
+                <a:sym typeface="Arvo"/>
+              </a:defRPr>
+            </a:lvl7pPr>
+            <a:lvl8pPr marR="0" lvl="7" algn="ctr" rtl="0">
+              <a:lnSpc>
+                <a:spcPct val="100000"/>
+              </a:lnSpc>
+              <a:spcBef>
+                <a:spcPts val="0"/>
+              </a:spcBef>
+              <a:spcAft>
+                <a:spcPts val="0"/>
+              </a:spcAft>
+              <a:buClr>
+                <a:schemeClr val="dk2"/>
+              </a:buClr>
+              <a:buSzPts val="1600"/>
+              <a:buFont typeface="Arvo"/>
+              <a:buNone/>
+              <a:defRPr sz="1600" b="0" i="0" u="none" strike="noStrike" cap="none">
+                <a:solidFill>
+                  <a:schemeClr val="dk2"/>
+                </a:solidFill>
+                <a:latin typeface="Arvo"/>
+                <a:ea typeface="Arvo"/>
+                <a:cs typeface="Arvo"/>
+                <a:sym typeface="Arvo"/>
+              </a:defRPr>
+            </a:lvl8pPr>
+            <a:lvl9pPr marR="0" lvl="8" algn="ctr" rtl="0">
+              <a:lnSpc>
+                <a:spcPct val="100000"/>
+              </a:lnSpc>
+              <a:spcBef>
+                <a:spcPts val="0"/>
+              </a:spcBef>
+              <a:spcAft>
+                <a:spcPts val="0"/>
+              </a:spcAft>
+              <a:buClr>
+                <a:schemeClr val="dk2"/>
+              </a:buClr>
+              <a:buSzPts val="1600"/>
+              <a:buFont typeface="Arvo"/>
+              <a:buNone/>
+              <a:defRPr sz="1600" b="0" i="0" u="none" strike="noStrike" cap="none">
+                <a:solidFill>
+                  <a:schemeClr val="dk2"/>
+                </a:solidFill>
+                <a:latin typeface="Arvo"/>
+                <a:ea typeface="Arvo"/>
+                <a:cs typeface="Arvo"/>
+                <a:sym typeface="Arvo"/>
+              </a:defRPr>
+            </a:lvl9pPr>
+          </a:lstStyle>
+          <a:p>
+            <a:r>
+              <a:rPr lang="fr-FR" dirty="0"/>
+              <a:t>MySQL</a:t>
+            </a:r>
+          </a:p>
+        </p:txBody>
+      </p:sp>
+    </p:spTree>
+  </p:cSld>
+  <p:clrMapOvr>
+    <a:masterClrMapping/>
+  </p:clrMapOvr>
+</p:sld>
+</file>
+
+<file path=ppt/slides/slide8.xml><?xml version="1.0" encoding="utf-8"?>
+<p:sld xmlns:a="http://schemas.openxmlformats.org/drawingml/2006/main" xmlns:r="http://schemas.openxmlformats.org/officeDocument/2006/relationships" xmlns:p="http://schemas.openxmlformats.org/presentationml/2006/main">
+  <p:cSld>
+    <p:spTree>
+      <p:nvGrpSpPr>
+        <p:cNvPr id="1" name="Shape 930"/>
+        <p:cNvGrpSpPr/>
+        <p:nvPr/>
+      </p:nvGrpSpPr>
+      <p:grpSpPr>
+        <a:xfrm>
+          <a:off x="0" y="0"/>
+          <a:ext cx="0" cy="0"/>
+          <a:chOff x="0" y="0"/>
+          <a:chExt cx="0" cy="0"/>
+        </a:xfrm>
+      </p:grpSpPr>
+      <p:sp>
+        <p:nvSpPr>
+          <p:cNvPr id="931" name="Google Shape;931;p63"/>
+          <p:cNvSpPr txBox="1">
+            <a:spLocks noGrp="1"/>
+          </p:cNvSpPr>
+          <p:nvPr>
+            <p:ph type="title"/>
+          </p:nvPr>
+        </p:nvSpPr>
+        <p:spPr>
+          <a:xfrm>
+            <a:off x="2789300" y="596000"/>
+            <a:ext cx="4324300" cy="513600"/>
+          </a:xfrm>
+          <a:prstGeom prst="rect">
+            <a:avLst/>
+          </a:prstGeom>
+        </p:spPr>
+        <p:txBody>
+          <a:bodyPr spcFirstLastPara="1" wrap="square" lIns="91425" tIns="91425" rIns="91425" bIns="91425" anchor="b" anchorCtr="0">
+            <a:noAutofit/>
+          </a:bodyPr>
+          <a:lstStyle/>
+          <a:p>
+            <a:pPr marL="0" lvl="0" indent="0" algn="ctr" rtl="0">
+              <a:spcBef>
+                <a:spcPts val="0"/>
+              </a:spcBef>
+              <a:spcAft>
+                <a:spcPts val="0"/>
+              </a:spcAft>
+              <a:buClr>
+                <a:schemeClr val="dk1"/>
+              </a:buClr>
+              <a:buSzPts val="1100"/>
+              <a:buFont typeface="Arial"/>
+              <a:buNone/>
+            </a:pPr>
+            <a:r>
+              <a:rPr lang="es" dirty="0"/>
+              <a:t>If I were to start from Scratch</a:t>
+            </a:r>
+            <a:endParaRPr dirty="0"/>
+          </a:p>
+        </p:txBody>
+      </p:sp>
+      <p:sp>
+        <p:nvSpPr>
+          <p:cNvPr id="932" name="Google Shape;932;p63"/>
+          <p:cNvSpPr txBox="1">
+            <a:spLocks noGrp="1"/>
+          </p:cNvSpPr>
+          <p:nvPr>
+            <p:ph type="body" idx="1"/>
+          </p:nvPr>
+        </p:nvSpPr>
+        <p:spPr>
+          <a:xfrm>
+            <a:off x="803100" y="1290375"/>
+            <a:ext cx="7537800" cy="3150300"/>
+          </a:xfrm>
+          <a:prstGeom prst="rect">
+            <a:avLst/>
+          </a:prstGeom>
+        </p:spPr>
+        <p:txBody>
+          <a:bodyPr spcFirstLastPara="1" wrap="square" lIns="91425" tIns="91425" rIns="91425" bIns="91425" anchor="t" anchorCtr="0">
+            <a:noAutofit/>
+          </a:bodyPr>
+          <a:lstStyle/>
+          <a:p>
+            <a:pPr marL="285750" lvl="0" indent="-285750" algn="l" rtl="0">
+              <a:spcBef>
+                <a:spcPts val="600"/>
+              </a:spcBef>
+              <a:spcAft>
+                <a:spcPts val="0"/>
+              </a:spcAft>
+              <a:buClr>
+                <a:schemeClr val="dk1"/>
+              </a:buClr>
+              <a:buSzPts val="1100"/>
+              <a:buFontTx/>
+              <a:buChar char="-"/>
+            </a:pPr>
+            <a:r>
+              <a:rPr lang="en-US" dirty="0">
+                <a:solidFill>
+                  <a:schemeClr val="tx1">
+                    <a:lumMod val="50000"/>
+                  </a:schemeClr>
+                </a:solidFill>
+              </a:rPr>
+              <a:t>Scrape </a:t>
+            </a:r>
+            <a:r>
+              <a:rPr lang="en-US" dirty="0">
+                <a:solidFill>
+                  <a:srgbClr val="3559DC"/>
+                </a:solidFill>
+              </a:rPr>
+              <a:t>other</a:t>
+            </a:r>
+            <a:r>
+              <a:rPr lang="en-US" dirty="0">
+                <a:solidFill>
+                  <a:schemeClr val="tx1">
+                    <a:lumMod val="50000"/>
+                  </a:schemeClr>
+                </a:solidFill>
+              </a:rPr>
+              <a:t> job web sites</a:t>
+            </a:r>
+          </a:p>
+          <a:p>
+            <a:pPr marL="285750" lvl="0" indent="-285750" algn="l" rtl="0">
+              <a:spcBef>
+                <a:spcPts val="600"/>
+              </a:spcBef>
+              <a:spcAft>
+                <a:spcPts val="0"/>
+              </a:spcAft>
+              <a:buClr>
+                <a:schemeClr val="dk1"/>
+              </a:buClr>
+              <a:buSzPts val="1100"/>
+              <a:buFontTx/>
+              <a:buChar char="-"/>
+            </a:pPr>
+            <a:r>
+              <a:rPr lang="en-US" dirty="0">
+                <a:solidFill>
+                  <a:schemeClr val="tx1">
+                    <a:lumMod val="50000"/>
+                  </a:schemeClr>
+                </a:solidFill>
+              </a:rPr>
+              <a:t>Get rid of job listings that are common to these websites and among </a:t>
+            </a:r>
+            <a:r>
+              <a:rPr lang="en-US" dirty="0">
+                <a:solidFill>
+                  <a:srgbClr val="3559DC"/>
+                </a:solidFill>
+              </a:rPr>
+              <a:t>data jobs</a:t>
+            </a:r>
+          </a:p>
+          <a:p>
+            <a:pPr marL="285750" lvl="0" indent="-285750" algn="l" rtl="0">
+              <a:spcBef>
+                <a:spcPts val="600"/>
+              </a:spcBef>
+              <a:spcAft>
+                <a:spcPts val="0"/>
+              </a:spcAft>
+              <a:buClr>
+                <a:schemeClr val="dk1"/>
+              </a:buClr>
+              <a:buSzPts val="1100"/>
+              <a:buFontTx/>
+              <a:buChar char="-"/>
+            </a:pPr>
+            <a:r>
+              <a:rPr lang="en-US" dirty="0">
+                <a:solidFill>
+                  <a:srgbClr val="3559DC"/>
+                </a:solidFill>
+              </a:rPr>
+              <a:t>Output </a:t>
+            </a:r>
+            <a:r>
+              <a:rPr lang="en-US" dirty="0">
+                <a:solidFill>
+                  <a:schemeClr val="tx1">
+                    <a:lumMod val="50000"/>
+                  </a:schemeClr>
+                </a:solidFill>
+              </a:rPr>
+              <a:t>a general dataset with all the relevant data from the various job sites</a:t>
+            </a:r>
+          </a:p>
+          <a:p>
+            <a:pPr marL="285750" lvl="0" indent="-285750" algn="l">
+              <a:spcBef>
+                <a:spcPts val="600"/>
+              </a:spcBef>
+              <a:buClr>
+                <a:schemeClr val="dk1"/>
+              </a:buClr>
+              <a:buSzPts val="1100"/>
+              <a:buFontTx/>
+              <a:buChar char="-"/>
+            </a:pPr>
+            <a:r>
+              <a:rPr lang="en-US" dirty="0">
+                <a:solidFill>
+                  <a:schemeClr val="tx1">
+                    <a:lumMod val="50000"/>
+                  </a:schemeClr>
+                </a:solidFill>
+              </a:rPr>
+              <a:t>In addition to setting up a database on MySQL, send notifications </a:t>
+            </a:r>
+            <a:r>
+              <a:rPr lang="en-US" dirty="0">
+                <a:solidFill>
+                  <a:schemeClr val="tx1">
+                    <a:lumMod val="50000"/>
+                  </a:schemeClr>
+                </a:solidFill>
+                <a:sym typeface="Wingdings" pitchFamily="2" charset="2"/>
+              </a:rPr>
+              <a:t> </a:t>
+            </a:r>
+          </a:p>
+        </p:txBody>
+      </p:sp>
+      <p:sp>
+        <p:nvSpPr>
+          <p:cNvPr id="933" name="Google Shape;933;p63"/>
+          <p:cNvSpPr txBox="1">
+            <a:spLocks noGrp="1"/>
+          </p:cNvSpPr>
+          <p:nvPr>
+            <p:ph type="sldNum" idx="12"/>
+          </p:nvPr>
+        </p:nvSpPr>
+        <p:spPr>
+          <a:xfrm>
+            <a:off x="8548658" y="4663217"/>
+            <a:ext cx="548700" cy="393600"/>
+          </a:xfrm>
+          <a:prstGeom prst="rect">
+            <a:avLst/>
+          </a:prstGeom>
+        </p:spPr>
+        <p:txBody>
+          <a:bodyPr spcFirstLastPara="1" wrap="square" lIns="91425" tIns="91425" rIns="91425" bIns="91425" anchor="ctr" anchorCtr="0">
+            <a:noAutofit/>
+          </a:bodyPr>
+          <a:lstStyle/>
+          <a:p>
+            <a:pPr marL="0" lvl="0" indent="0" algn="l" rtl="0">
+              <a:spcBef>
+                <a:spcPts val="0"/>
+              </a:spcBef>
+              <a:spcAft>
+                <a:spcPts val="0"/>
+              </a:spcAft>
+              <a:buNone/>
+            </a:pPr>
+            <a:fld id="{00000000-1234-1234-1234-123412341234}" type="slidenum">
+              <a:rPr lang="es" sz="1200">
+                <a:solidFill>
+                  <a:srgbClr val="CCCCCC"/>
+                </a:solidFill>
+                <a:latin typeface="Arvo"/>
+                <a:ea typeface="Arvo"/>
+                <a:cs typeface="Arvo"/>
+                <a:sym typeface="Arvo"/>
+              </a:rPr>
+              <a:t>8</a:t>
+            </a:fld>
+            <a:endParaRPr sz="1200">
+              <a:solidFill>
+                <a:srgbClr val="CCCCCC"/>
+              </a:solidFill>
+              <a:latin typeface="Arvo"/>
+              <a:ea typeface="Arvo"/>
+              <a:cs typeface="Arvo"/>
+              <a:sym typeface="Arvo"/>
+            </a:endParaRPr>
+          </a:p>
+        </p:txBody>
+      </p:sp>
+    </p:spTree>
+  </p:cSld>
+  <p:clrMapOvr>
+    <a:masterClrMapping/>
+  </p:clrMapOvr>
+</p:sld>
+</file>
+
+<file path=ppt/slides/slide9.xml><?xml version="1.0" encoding="utf-8"?>
+<p:sld xmlns:a="http://schemas.openxmlformats.org/drawingml/2006/main" xmlns:r="http://schemas.openxmlformats.org/officeDocument/2006/relationships" xmlns:p="http://schemas.openxmlformats.org/presentationml/2006/main">
+  <p:cSld>
+    <p:spTree>
+      <p:nvGrpSpPr>
+        <p:cNvPr id="1" name="Shape 319"/>
+        <p:cNvGrpSpPr/>
+        <p:nvPr/>
+      </p:nvGrpSpPr>
+      <p:grpSpPr>
+        <a:xfrm>
+          <a:off x="0" y="0"/>
+          <a:ext cx="0" cy="0"/>
+          <a:chOff x="0" y="0"/>
+          <a:chExt cx="0" cy="0"/>
+        </a:xfrm>
+      </p:grpSpPr>
+      <p:sp>
+        <p:nvSpPr>
+          <p:cNvPr id="320" name="Google Shape;320;p47"/>
+          <p:cNvSpPr txBox="1">
+            <a:spLocks noGrp="1"/>
+          </p:cNvSpPr>
+          <p:nvPr>
+            <p:ph type="title"/>
+          </p:nvPr>
+        </p:nvSpPr>
+        <p:spPr>
+          <a:xfrm>
+            <a:off x="0" y="216225"/>
+            <a:ext cx="9144000" cy="913800"/>
+          </a:xfrm>
+          <a:prstGeom prst="rect">
+            <a:avLst/>
+          </a:prstGeom>
+        </p:spPr>
+        <p:txBody>
+          <a:bodyPr spcFirstLastPara="1" wrap="square" lIns="91425" tIns="91425" rIns="91425" bIns="91425" anchor="b" anchorCtr="0">
+            <a:noAutofit/>
+          </a:bodyPr>
+          <a:lstStyle/>
+          <a:p>
+            <a:pPr marL="0" lvl="0" indent="0" algn="ctr" rtl="0">
+              <a:spcBef>
+                <a:spcPts val="0"/>
+              </a:spcBef>
+              <a:spcAft>
+                <a:spcPts val="0"/>
+              </a:spcAft>
+              <a:buNone/>
+            </a:pPr>
+            <a:r>
+              <a:rPr lang="es" sz="2400" dirty="0"/>
+              <a:t>Improvements…</a:t>
+            </a:r>
+            <a:endParaRPr sz="2400" dirty="0"/>
+          </a:p>
+        </p:txBody>
+      </p:sp>
+      <p:sp>
+        <p:nvSpPr>
+          <p:cNvPr id="321" name="Google Shape;321;p47"/>
+          <p:cNvSpPr txBox="1">
+            <a:spLocks noGrp="1"/>
+          </p:cNvSpPr>
+          <p:nvPr>
+            <p:ph type="sldNum" idx="12"/>
+          </p:nvPr>
+        </p:nvSpPr>
+        <p:spPr>
+          <a:xfrm>
+            <a:off x="8548658" y="4663217"/>
+            <a:ext cx="548700" cy="393600"/>
+          </a:xfrm>
+          <a:prstGeom prst="rect">
+            <a:avLst/>
+          </a:prstGeom>
+        </p:spPr>
+        <p:txBody>
+          <a:bodyPr spcFirstLastPara="1" wrap="square" lIns="91425" tIns="91425" rIns="91425" bIns="91425" anchor="ctr" anchorCtr="0">
+            <a:noAutofit/>
+          </a:bodyPr>
+          <a:lstStyle/>
+          <a:p>
+            <a:pPr marL="0" lvl="0" indent="0" algn="l" rtl="0">
+              <a:spcBef>
+                <a:spcPts val="0"/>
+              </a:spcBef>
+              <a:spcAft>
+                <a:spcPts val="0"/>
+              </a:spcAft>
+              <a:buClr>
+                <a:srgbClr val="000000"/>
+              </a:buClr>
+              <a:buSzPts val="1100"/>
+              <a:buFont typeface="Arial"/>
+              <a:buNone/>
+            </a:pPr>
+            <a:fld id="{00000000-1234-1234-1234-123412341234}" type="slidenum">
+              <a:rPr lang="es"/>
+              <a:t>9</a:t>
+            </a:fld>
+            <a:endParaRPr/>
+          </a:p>
+        </p:txBody>
+      </p:sp>
+      <p:sp>
+        <p:nvSpPr>
+          <p:cNvPr id="322" name="Google Shape;322;p47"/>
+          <p:cNvSpPr txBox="1"/>
+          <p:nvPr/>
+        </p:nvSpPr>
+        <p:spPr>
+          <a:xfrm>
+            <a:off x="998300" y="2705600"/>
+            <a:ext cx="2073600" cy="704400"/>
+          </a:xfrm>
+          <a:prstGeom prst="rect">
+            <a:avLst/>
+          </a:prstGeom>
+          <a:noFill/>
+          <a:ln>
+            <a:noFill/>
+          </a:ln>
+        </p:spPr>
+        <p:txBody>
+          <a:bodyPr spcFirstLastPara="1" wrap="square" lIns="91425" tIns="91425" rIns="91425" bIns="91425" anchor="t" anchorCtr="0">
+            <a:noAutofit/>
+          </a:bodyPr>
+          <a:lstStyle/>
+          <a:p>
+            <a:pPr marL="0" lvl="0" indent="0" algn="r" rtl="0">
+              <a:spcBef>
+                <a:spcPts val="0"/>
+              </a:spcBef>
+              <a:spcAft>
+                <a:spcPts val="0"/>
+              </a:spcAft>
+              <a:buClr>
+                <a:schemeClr val="dk1"/>
+              </a:buClr>
+              <a:buSzPts val="1100"/>
+              <a:buFont typeface="Arial"/>
+              <a:buNone/>
+            </a:pPr>
+            <a:r>
+              <a:rPr lang="en-US" sz="1000" b="1" dirty="0">
+                <a:solidFill>
+                  <a:schemeClr val="dk2"/>
+                </a:solidFill>
+                <a:latin typeface="Ubuntu"/>
+                <a:ea typeface="Ubuntu"/>
+                <a:cs typeface="Ubuntu"/>
+                <a:sym typeface="Ubuntu"/>
+              </a:rPr>
+              <a:t>Refine objectives, be more flexible with the pathway</a:t>
+            </a:r>
+            <a:endParaRPr sz="1000" dirty="0">
+              <a:solidFill>
+                <a:schemeClr val="lt2"/>
+              </a:solidFill>
+              <a:latin typeface="Ubuntu Light"/>
+              <a:ea typeface="Ubuntu Light"/>
+              <a:cs typeface="Ubuntu Light"/>
+              <a:sym typeface="Ubuntu Light"/>
+            </a:endParaRPr>
+          </a:p>
+          <a:p>
+            <a:pPr marL="0" lvl="0" indent="0" algn="r" rtl="0">
+              <a:spcBef>
+                <a:spcPts val="0"/>
+              </a:spcBef>
+              <a:spcAft>
+                <a:spcPts val="0"/>
+              </a:spcAft>
+              <a:buClr>
+                <a:schemeClr val="dk1"/>
+              </a:buClr>
+              <a:buSzPts val="1100"/>
+              <a:buFont typeface="Arial"/>
+              <a:buNone/>
+            </a:pPr>
+            <a:endParaRPr sz="1000" dirty="0">
+              <a:solidFill>
+                <a:schemeClr val="lt2"/>
+              </a:solidFill>
+              <a:latin typeface="Ubuntu Light"/>
+              <a:ea typeface="Ubuntu Light"/>
+              <a:cs typeface="Ubuntu Light"/>
+              <a:sym typeface="Ubuntu Light"/>
+            </a:endParaRPr>
+          </a:p>
+        </p:txBody>
+      </p:sp>
+      <p:sp>
+        <p:nvSpPr>
+          <p:cNvPr id="323" name="Google Shape;323;p47"/>
+          <p:cNvSpPr txBox="1"/>
+          <p:nvPr/>
+        </p:nvSpPr>
+        <p:spPr>
+          <a:xfrm>
+            <a:off x="5615650" y="2046409"/>
+            <a:ext cx="1748100" cy="386408"/>
+          </a:xfrm>
+          <a:prstGeom prst="rect">
+            <a:avLst/>
+          </a:prstGeom>
+          <a:noFill/>
+          <a:ln>
+            <a:noFill/>
+          </a:ln>
+        </p:spPr>
+        <p:txBody>
+          <a:bodyPr spcFirstLastPara="1" wrap="square" lIns="91425" tIns="91425" rIns="91425" bIns="91425" anchor="t" anchorCtr="0">
+            <a:noAutofit/>
+          </a:bodyPr>
+          <a:lstStyle/>
+          <a:p>
+            <a:pPr marL="0" lvl="0" indent="0" algn="l" rtl="0">
+              <a:spcBef>
+                <a:spcPts val="0"/>
+              </a:spcBef>
+              <a:spcAft>
+                <a:spcPts val="0"/>
+              </a:spcAft>
+              <a:buClr>
+                <a:schemeClr val="dk1"/>
+              </a:buClr>
+              <a:buSzPts val="1100"/>
+              <a:buFont typeface="Arial"/>
+              <a:buNone/>
+            </a:pPr>
+            <a:r>
+              <a:rPr lang="en-US" sz="1000" b="1" dirty="0">
+                <a:solidFill>
+                  <a:schemeClr val="dk2"/>
+                </a:solidFill>
+                <a:latin typeface="Ubuntu"/>
+                <a:ea typeface="Ubuntu"/>
+                <a:cs typeface="Ubuntu"/>
+                <a:sym typeface="Ubuntu"/>
+              </a:rPr>
+              <a:t>Write it once, go over and improve the code</a:t>
+            </a:r>
+            <a:endParaRPr sz="1000" dirty="0">
+              <a:solidFill>
+                <a:schemeClr val="lt2"/>
+              </a:solidFill>
+              <a:latin typeface="Ubuntu Light"/>
+              <a:ea typeface="Ubuntu Light"/>
+              <a:cs typeface="Ubuntu Light"/>
+              <a:sym typeface="Ubuntu Light"/>
+            </a:endParaRPr>
+          </a:p>
+          <a:p>
+            <a:pPr marL="0" lvl="0" indent="0" algn="l" rtl="0">
+              <a:spcBef>
+                <a:spcPts val="0"/>
+              </a:spcBef>
+              <a:spcAft>
+                <a:spcPts val="0"/>
+              </a:spcAft>
+              <a:buClr>
+                <a:schemeClr val="dk1"/>
+              </a:buClr>
+              <a:buSzPts val="1100"/>
+              <a:buFont typeface="Arial"/>
+              <a:buNone/>
+            </a:pPr>
+            <a:endParaRPr sz="1000" dirty="0">
+              <a:solidFill>
+                <a:schemeClr val="lt2"/>
+              </a:solidFill>
+              <a:latin typeface="Ubuntu Light"/>
+              <a:ea typeface="Ubuntu Light"/>
+              <a:cs typeface="Ubuntu Light"/>
+              <a:sym typeface="Ubuntu Light"/>
+            </a:endParaRPr>
+          </a:p>
+        </p:txBody>
+      </p:sp>
+      <p:sp>
+        <p:nvSpPr>
+          <p:cNvPr id="324" name="Google Shape;324;p47"/>
+          <p:cNvSpPr txBox="1"/>
+          <p:nvPr/>
+        </p:nvSpPr>
+        <p:spPr>
+          <a:xfrm>
+            <a:off x="5546722" y="3540577"/>
+            <a:ext cx="1839300" cy="269769"/>
+          </a:xfrm>
+          <a:prstGeom prst="rect">
+            <a:avLst/>
+          </a:prstGeom>
+          <a:noFill/>
+          <a:ln>
+            <a:noFill/>
+          </a:ln>
+        </p:spPr>
+        <p:txBody>
+          <a:bodyPr spcFirstLastPara="1" wrap="square" lIns="91425" tIns="91425" rIns="91425" bIns="91425" anchor="t" anchorCtr="0">
+            <a:noAutofit/>
+          </a:bodyPr>
+          <a:lstStyle/>
+          <a:p>
+            <a:pPr marL="0" lvl="0" indent="0" algn="l" rtl="0">
+              <a:spcBef>
+                <a:spcPts val="0"/>
+              </a:spcBef>
+              <a:spcAft>
+                <a:spcPts val="0"/>
+              </a:spcAft>
+              <a:buClr>
+                <a:schemeClr val="dk1"/>
+              </a:buClr>
+              <a:buSzPts val="1100"/>
+              <a:buFont typeface="Arial"/>
+              <a:buNone/>
+            </a:pPr>
+            <a:r>
+              <a:rPr lang="en-US" sz="1000" b="1" dirty="0">
+                <a:solidFill>
+                  <a:schemeClr val="dk2"/>
+                </a:solidFill>
+                <a:latin typeface="Ubuntu"/>
+                <a:ea typeface="Ubuntu Light"/>
+                <a:cs typeface="Ubuntu Light"/>
+                <a:sym typeface="Ubuntu"/>
+              </a:rPr>
+              <a:t>Clean data to support the intended analysis</a:t>
+            </a:r>
+            <a:endParaRPr sz="1000" dirty="0">
+              <a:solidFill>
+                <a:schemeClr val="lt2"/>
+              </a:solidFill>
+              <a:latin typeface="Ubuntu Light"/>
+              <a:ea typeface="Ubuntu Light"/>
+              <a:cs typeface="Ubuntu Light"/>
+              <a:sym typeface="Ubuntu Light"/>
+            </a:endParaRPr>
+          </a:p>
+        </p:txBody>
+      </p:sp>
+      <p:grpSp>
+        <p:nvGrpSpPr>
+          <p:cNvPr id="325" name="Google Shape;325;p47"/>
+          <p:cNvGrpSpPr/>
+          <p:nvPr/>
+        </p:nvGrpSpPr>
+        <p:grpSpPr>
+          <a:xfrm>
+            <a:off x="4132675" y="1951813"/>
+            <a:ext cx="1356907" cy="1023304"/>
+            <a:chOff x="4132675" y="1951813"/>
+            <a:chExt cx="1356907" cy="1023304"/>
+          </a:xfrm>
+        </p:grpSpPr>
+        <p:sp>
+          <p:nvSpPr>
+            <p:cNvPr id="326" name="Google Shape;326;p47"/>
+            <p:cNvSpPr/>
+            <p:nvPr/>
+          </p:nvSpPr>
+          <p:spPr>
+            <a:xfrm>
+              <a:off x="4188008" y="1952264"/>
+              <a:ext cx="1243078" cy="1022852"/>
+            </a:xfrm>
+            <a:custGeom>
+              <a:avLst/>
+              <a:gdLst/>
+              <a:ahLst/>
+              <a:cxnLst/>
+              <a:rect l="l" t="t" r="r" b="b"/>
+              <a:pathLst>
+                <a:path w="5504" h="4529" extrusionOk="0">
+                  <a:moveTo>
+                    <a:pt x="2759" y="1"/>
+                  </a:moveTo>
+                  <a:cubicBezTo>
+                    <a:pt x="2058" y="1"/>
+                    <a:pt x="1356" y="154"/>
+                    <a:pt x="822" y="460"/>
+                  </a:cubicBezTo>
+                  <a:cubicBezTo>
+                    <a:pt x="267" y="778"/>
+                    <a:pt x="0" y="1203"/>
+                    <a:pt x="22" y="1622"/>
+                  </a:cubicBezTo>
+                  <a:lnTo>
+                    <a:pt x="22" y="2285"/>
+                  </a:lnTo>
+                  <a:cubicBezTo>
+                    <a:pt x="22" y="2696"/>
+                    <a:pt x="289" y="3100"/>
+                    <a:pt x="822" y="3410"/>
+                  </a:cubicBezTo>
+                  <a:lnTo>
+                    <a:pt x="2763" y="4528"/>
+                  </a:lnTo>
+                  <a:lnTo>
+                    <a:pt x="4696" y="3410"/>
+                  </a:lnTo>
+                  <a:cubicBezTo>
+                    <a:pt x="5236" y="3100"/>
+                    <a:pt x="5503" y="2689"/>
+                    <a:pt x="5496" y="2285"/>
+                  </a:cubicBezTo>
+                  <a:lnTo>
+                    <a:pt x="5496" y="1578"/>
+                  </a:lnTo>
+                  <a:cubicBezTo>
+                    <a:pt x="5496" y="1175"/>
+                    <a:pt x="5229" y="771"/>
+                    <a:pt x="4696" y="460"/>
+                  </a:cubicBezTo>
+                  <a:cubicBezTo>
+                    <a:pt x="4162" y="154"/>
+                    <a:pt x="3460" y="1"/>
+                    <a:pt x="2759" y="1"/>
+                  </a:cubicBezTo>
+                  <a:close/>
+                </a:path>
+              </a:pathLst>
+            </a:custGeom>
+            <a:solidFill>
+              <a:schemeClr val="accent3"/>
+            </a:solidFill>
+            <a:ln>
+              <a:noFill/>
+            </a:ln>
+          </p:spPr>
+          <p:txBody>
+            <a:bodyPr spcFirstLastPara="1" wrap="square" lIns="91425" tIns="91425" rIns="91425" bIns="91425" anchor="ctr" anchorCtr="0">
+              <a:noAutofit/>
+            </a:bodyPr>
+            <a:lstStyle/>
+            <a:p>
+              <a:pPr marL="0" lvl="0" indent="0" algn="l" rtl="0">
+                <a:spcBef>
+                  <a:spcPts val="0"/>
+                </a:spcBef>
+                <a:spcAft>
+                  <a:spcPts val="0"/>
+                </a:spcAft>
+                <a:buNone/>
+              </a:pPr>
+              <a:endParaRPr/>
+            </a:p>
+          </p:txBody>
+        </p:sp>
+        <p:sp>
+          <p:nvSpPr>
+            <p:cNvPr id="327" name="Google Shape;327;p47"/>
+            <p:cNvSpPr/>
+            <p:nvPr/>
+          </p:nvSpPr>
+          <p:spPr>
+            <a:xfrm>
+              <a:off x="4811806" y="1951813"/>
+              <a:ext cx="619281" cy="1023304"/>
+            </a:xfrm>
+            <a:custGeom>
+              <a:avLst/>
+              <a:gdLst/>
+              <a:ahLst/>
+              <a:cxnLst/>
+              <a:rect l="l" t="t" r="r" b="b"/>
+              <a:pathLst>
+                <a:path w="2742" h="4531" extrusionOk="0">
+                  <a:moveTo>
+                    <a:pt x="1" y="1"/>
+                  </a:moveTo>
+                  <a:lnTo>
+                    <a:pt x="1" y="4530"/>
+                  </a:lnTo>
+                  <a:lnTo>
+                    <a:pt x="1934" y="3412"/>
+                  </a:lnTo>
+                  <a:cubicBezTo>
+                    <a:pt x="2467" y="3102"/>
+                    <a:pt x="2741" y="2698"/>
+                    <a:pt x="2734" y="2287"/>
+                  </a:cubicBezTo>
+                  <a:lnTo>
+                    <a:pt x="2734" y="1580"/>
+                  </a:lnTo>
+                  <a:cubicBezTo>
+                    <a:pt x="2734" y="1177"/>
+                    <a:pt x="2467" y="773"/>
+                    <a:pt x="1934" y="462"/>
+                  </a:cubicBezTo>
+                  <a:cubicBezTo>
+                    <a:pt x="1400" y="160"/>
+                    <a:pt x="700" y="1"/>
+                    <a:pt x="1" y="1"/>
+                  </a:cubicBezTo>
+                  <a:close/>
+                </a:path>
+              </a:pathLst>
+            </a:custGeom>
+            <a:solidFill>
+              <a:schemeClr val="accent4"/>
+            </a:solidFill>
+            <a:ln>
+              <a:noFill/>
+            </a:ln>
+          </p:spPr>
+          <p:txBody>
+            <a:bodyPr spcFirstLastPara="1" wrap="square" lIns="91425" tIns="91425" rIns="91425" bIns="91425" anchor="ctr" anchorCtr="0">
+              <a:noAutofit/>
+            </a:bodyPr>
+            <a:lstStyle/>
+            <a:p>
+              <a:pPr marL="0" lvl="0" indent="0" algn="l" rtl="0">
+                <a:spcBef>
+                  <a:spcPts val="0"/>
+                </a:spcBef>
+                <a:spcAft>
+                  <a:spcPts val="0"/>
+                </a:spcAft>
+                <a:buNone/>
+              </a:pPr>
+              <a:endParaRPr/>
+            </a:p>
+          </p:txBody>
+        </p:sp>
+        <p:sp>
+          <p:nvSpPr>
+            <p:cNvPr id="328" name="Google Shape;328;p47"/>
+            <p:cNvSpPr/>
+            <p:nvPr/>
+          </p:nvSpPr>
+          <p:spPr>
+            <a:xfrm>
+              <a:off x="4132675" y="1952264"/>
+              <a:ext cx="1356907" cy="861599"/>
+            </a:xfrm>
+            <a:custGeom>
+              <a:avLst/>
+              <a:gdLst/>
+              <a:ahLst/>
+              <a:cxnLst/>
+              <a:rect l="l" t="t" r="r" b="b"/>
+              <a:pathLst>
+                <a:path w="6008" h="3815" extrusionOk="0">
+                  <a:moveTo>
+                    <a:pt x="3004" y="1"/>
+                  </a:moveTo>
+                  <a:cubicBezTo>
+                    <a:pt x="2303" y="1"/>
+                    <a:pt x="1601" y="154"/>
+                    <a:pt x="1067" y="460"/>
+                  </a:cubicBezTo>
+                  <a:cubicBezTo>
+                    <a:pt x="0" y="1081"/>
+                    <a:pt x="0" y="2083"/>
+                    <a:pt x="1067" y="2696"/>
+                  </a:cubicBezTo>
+                  <a:lnTo>
+                    <a:pt x="3008" y="3814"/>
+                  </a:lnTo>
+                  <a:lnTo>
+                    <a:pt x="4941" y="2696"/>
+                  </a:lnTo>
+                  <a:cubicBezTo>
+                    <a:pt x="6008" y="2083"/>
+                    <a:pt x="6008" y="1081"/>
+                    <a:pt x="4941" y="460"/>
+                  </a:cubicBezTo>
+                  <a:cubicBezTo>
+                    <a:pt x="4407" y="154"/>
+                    <a:pt x="3705" y="1"/>
+                    <a:pt x="3004" y="1"/>
+                  </a:cubicBezTo>
+                  <a:close/>
+                </a:path>
+              </a:pathLst>
+            </a:custGeom>
+            <a:solidFill>
+              <a:schemeClr val="accent2"/>
+            </a:solidFill>
+            <a:ln>
+              <a:noFill/>
+            </a:ln>
+          </p:spPr>
+          <p:txBody>
+            <a:bodyPr spcFirstLastPara="1" wrap="square" lIns="91425" tIns="91425" rIns="91425" bIns="91425" anchor="ctr" anchorCtr="0">
+              <a:noAutofit/>
+            </a:bodyPr>
+            <a:lstStyle/>
+            <a:p>
+              <a:pPr marL="0" lvl="0" indent="0" algn="l" rtl="0">
+                <a:spcBef>
+                  <a:spcPts val="0"/>
+                </a:spcBef>
+                <a:spcAft>
+                  <a:spcPts val="0"/>
+                </a:spcAft>
+                <a:buNone/>
+              </a:pPr>
+              <a:endParaRPr/>
+            </a:p>
+          </p:txBody>
+        </p:sp>
+        <p:sp>
+          <p:nvSpPr>
+            <p:cNvPr id="329" name="Google Shape;329;p47"/>
+            <p:cNvSpPr/>
+            <p:nvPr/>
+          </p:nvSpPr>
+          <p:spPr>
+            <a:xfrm>
+              <a:off x="4435539" y="2092062"/>
+              <a:ext cx="751177" cy="433397"/>
+            </a:xfrm>
+            <a:custGeom>
+              <a:avLst/>
+              <a:gdLst/>
+              <a:ahLst/>
+              <a:cxnLst/>
+              <a:rect l="l" t="t" r="r" b="b"/>
+              <a:pathLst>
+                <a:path w="3326" h="1919" extrusionOk="0">
+                  <a:moveTo>
+                    <a:pt x="1667" y="0"/>
+                  </a:moveTo>
+                  <a:cubicBezTo>
+                    <a:pt x="743" y="0"/>
+                    <a:pt x="1" y="433"/>
+                    <a:pt x="1" y="959"/>
+                  </a:cubicBezTo>
+                  <a:cubicBezTo>
+                    <a:pt x="1" y="1493"/>
+                    <a:pt x="743" y="1919"/>
+                    <a:pt x="1667" y="1919"/>
+                  </a:cubicBezTo>
+                  <a:cubicBezTo>
+                    <a:pt x="2583" y="1919"/>
+                    <a:pt x="3325" y="1493"/>
+                    <a:pt x="3325" y="959"/>
+                  </a:cubicBezTo>
+                  <a:cubicBezTo>
+                    <a:pt x="3325" y="433"/>
+                    <a:pt x="2583" y="0"/>
+                    <a:pt x="1667" y="0"/>
+                  </a:cubicBezTo>
+                  <a:close/>
+                </a:path>
+              </a:pathLst>
+            </a:custGeom>
+            <a:solidFill>
+              <a:schemeClr val="accent1"/>
+            </a:solidFill>
+            <a:ln>
+              <a:noFill/>
+            </a:ln>
+          </p:spPr>
+          <p:txBody>
+            <a:bodyPr spcFirstLastPara="1" wrap="square" lIns="91425" tIns="91425" rIns="91425" bIns="91425" anchor="ctr" anchorCtr="0">
+              <a:noAutofit/>
+            </a:bodyPr>
+            <a:lstStyle/>
+            <a:p>
+              <a:pPr marL="0" lvl="0" indent="0" algn="l" rtl="0">
+                <a:spcBef>
+                  <a:spcPts val="0"/>
+                </a:spcBef>
+                <a:spcAft>
+                  <a:spcPts val="0"/>
+                </a:spcAft>
+                <a:buNone/>
+              </a:pPr>
+              <a:endParaRPr/>
+            </a:p>
+          </p:txBody>
+        </p:sp>
+        <p:sp>
+          <p:nvSpPr>
+            <p:cNvPr id="330" name="Google Shape;330;p47"/>
+            <p:cNvSpPr/>
+            <p:nvPr/>
+          </p:nvSpPr>
+          <p:spPr>
+            <a:xfrm>
+              <a:off x="4422440" y="2092062"/>
+              <a:ext cx="777376" cy="246171"/>
+            </a:xfrm>
+            <a:custGeom>
+              <a:avLst/>
+              <a:gdLst/>
+              <a:ahLst/>
+              <a:cxnLst/>
+              <a:rect l="l" t="t" r="r" b="b"/>
+              <a:pathLst>
+                <a:path w="3442" h="1090" extrusionOk="0">
+                  <a:moveTo>
+                    <a:pt x="1721" y="0"/>
+                  </a:moveTo>
+                  <a:cubicBezTo>
+                    <a:pt x="1294" y="0"/>
+                    <a:pt x="866" y="94"/>
+                    <a:pt x="542" y="281"/>
+                  </a:cubicBezTo>
+                  <a:cubicBezTo>
+                    <a:pt x="159" y="505"/>
+                    <a:pt x="1" y="808"/>
+                    <a:pt x="73" y="1089"/>
+                  </a:cubicBezTo>
+                  <a:cubicBezTo>
+                    <a:pt x="123" y="894"/>
+                    <a:pt x="282" y="707"/>
+                    <a:pt x="542" y="548"/>
+                  </a:cubicBezTo>
+                  <a:cubicBezTo>
+                    <a:pt x="866" y="361"/>
+                    <a:pt x="1294" y="267"/>
+                    <a:pt x="1721" y="267"/>
+                  </a:cubicBezTo>
+                  <a:cubicBezTo>
+                    <a:pt x="2148" y="267"/>
+                    <a:pt x="2576" y="361"/>
+                    <a:pt x="2900" y="548"/>
+                  </a:cubicBezTo>
+                  <a:cubicBezTo>
+                    <a:pt x="3160" y="707"/>
+                    <a:pt x="3319" y="894"/>
+                    <a:pt x="3369" y="1089"/>
+                  </a:cubicBezTo>
+                  <a:cubicBezTo>
+                    <a:pt x="3441" y="801"/>
+                    <a:pt x="3282" y="498"/>
+                    <a:pt x="2900" y="281"/>
+                  </a:cubicBezTo>
+                  <a:cubicBezTo>
+                    <a:pt x="2576" y="94"/>
+                    <a:pt x="2148" y="0"/>
+                    <a:pt x="1721" y="0"/>
+                  </a:cubicBezTo>
+                  <a:close/>
+                </a:path>
+              </a:pathLst>
+            </a:custGeom>
+            <a:solidFill>
+              <a:schemeClr val="accent3"/>
+            </a:solidFill>
+            <a:ln>
+              <a:noFill/>
+            </a:ln>
+          </p:spPr>
+          <p:txBody>
+            <a:bodyPr spcFirstLastPara="1" wrap="square" lIns="91425" tIns="91425" rIns="91425" bIns="91425" anchor="ctr" anchorCtr="0">
+              <a:noAutofit/>
+            </a:bodyPr>
+            <a:lstStyle/>
+            <a:p>
+              <a:pPr marL="0" lvl="0" indent="0" algn="l" rtl="0">
+                <a:spcBef>
+                  <a:spcPts val="0"/>
+                </a:spcBef>
+                <a:spcAft>
+                  <a:spcPts val="0"/>
+                </a:spcAft>
+                <a:buNone/>
+              </a:pPr>
+              <a:endParaRPr/>
+            </a:p>
+          </p:txBody>
+        </p:sp>
+      </p:grpSp>
+      <p:grpSp>
+        <p:nvGrpSpPr>
+          <p:cNvPr id="331" name="Google Shape;331;p47"/>
+          <p:cNvGrpSpPr/>
+          <p:nvPr/>
+        </p:nvGrpSpPr>
+        <p:grpSpPr>
+          <a:xfrm>
+            <a:off x="3098282" y="2621217"/>
+            <a:ext cx="1554074" cy="875827"/>
+            <a:chOff x="3098282" y="2621217"/>
+            <a:chExt cx="1554074" cy="875827"/>
+          </a:xfrm>
+        </p:grpSpPr>
+        <p:sp>
+          <p:nvSpPr>
+            <p:cNvPr id="332" name="Google Shape;332;p47"/>
+            <p:cNvSpPr/>
+            <p:nvPr/>
+          </p:nvSpPr>
+          <p:spPr>
+            <a:xfrm>
+              <a:off x="3158584" y="2621895"/>
+              <a:ext cx="1493772" cy="875149"/>
+            </a:xfrm>
+            <a:custGeom>
+              <a:avLst/>
+              <a:gdLst/>
+              <a:ahLst/>
+              <a:cxnLst/>
+              <a:rect l="l" t="t" r="r" b="b"/>
+              <a:pathLst>
+                <a:path w="6614" h="3875" extrusionOk="0">
+                  <a:moveTo>
+                    <a:pt x="2740" y="0"/>
+                  </a:moveTo>
+                  <a:cubicBezTo>
+                    <a:pt x="2039" y="0"/>
+                    <a:pt x="1338" y="153"/>
+                    <a:pt x="801" y="460"/>
+                  </a:cubicBezTo>
+                  <a:cubicBezTo>
+                    <a:pt x="274" y="770"/>
+                    <a:pt x="0" y="1174"/>
+                    <a:pt x="0" y="1578"/>
+                  </a:cubicBezTo>
+                  <a:lnTo>
+                    <a:pt x="0" y="2292"/>
+                  </a:lnTo>
+                  <a:cubicBezTo>
+                    <a:pt x="0" y="2696"/>
+                    <a:pt x="274" y="3107"/>
+                    <a:pt x="801" y="3410"/>
+                  </a:cubicBezTo>
+                  <a:cubicBezTo>
+                    <a:pt x="1338" y="3720"/>
+                    <a:pt x="2039" y="3875"/>
+                    <a:pt x="2741" y="3875"/>
+                  </a:cubicBezTo>
+                  <a:cubicBezTo>
+                    <a:pt x="3442" y="3875"/>
+                    <a:pt x="4144" y="3720"/>
+                    <a:pt x="4681" y="3410"/>
+                  </a:cubicBezTo>
+                  <a:lnTo>
+                    <a:pt x="6614" y="2292"/>
+                  </a:lnTo>
+                  <a:lnTo>
+                    <a:pt x="6614" y="1578"/>
+                  </a:lnTo>
+                  <a:lnTo>
+                    <a:pt x="4674" y="460"/>
+                  </a:lnTo>
+                  <a:cubicBezTo>
+                    <a:pt x="4140" y="153"/>
+                    <a:pt x="3440" y="0"/>
+                    <a:pt x="2740" y="0"/>
+                  </a:cubicBezTo>
+                  <a:close/>
+                </a:path>
+              </a:pathLst>
+            </a:custGeom>
+            <a:solidFill>
+              <a:schemeClr val="accent3"/>
+            </a:solidFill>
+            <a:ln>
+              <a:noFill/>
+            </a:ln>
+          </p:spPr>
+          <p:txBody>
+            <a:bodyPr spcFirstLastPara="1" wrap="square" lIns="91425" tIns="91425" rIns="91425" bIns="91425" anchor="ctr" anchorCtr="0">
+              <a:noAutofit/>
+            </a:bodyPr>
+            <a:lstStyle/>
+            <a:p>
+              <a:pPr marL="0" lvl="0" indent="0" algn="l" rtl="0">
+                <a:spcBef>
+                  <a:spcPts val="0"/>
+                </a:spcBef>
+                <a:spcAft>
+                  <a:spcPts val="0"/>
+                </a:spcAft>
+                <a:buNone/>
+              </a:pPr>
+              <a:endParaRPr/>
+            </a:p>
+          </p:txBody>
+        </p:sp>
+        <p:sp>
+          <p:nvSpPr>
+            <p:cNvPr id="333" name="Google Shape;333;p47"/>
+            <p:cNvSpPr/>
+            <p:nvPr/>
+          </p:nvSpPr>
+          <p:spPr>
+            <a:xfrm>
+              <a:off x="3098282" y="2621217"/>
+              <a:ext cx="1554074" cy="714574"/>
+            </a:xfrm>
+            <a:custGeom>
+              <a:avLst/>
+              <a:gdLst/>
+              <a:ahLst/>
+              <a:cxnLst/>
+              <a:rect l="l" t="t" r="r" b="b"/>
+              <a:pathLst>
+                <a:path w="6881" h="3164" extrusionOk="0">
+                  <a:moveTo>
+                    <a:pt x="3014" y="0"/>
+                  </a:moveTo>
+                  <a:cubicBezTo>
+                    <a:pt x="2310" y="0"/>
+                    <a:pt x="1606" y="155"/>
+                    <a:pt x="1068" y="463"/>
+                  </a:cubicBezTo>
+                  <a:cubicBezTo>
+                    <a:pt x="0" y="1076"/>
+                    <a:pt x="0" y="2078"/>
+                    <a:pt x="1068" y="2699"/>
+                  </a:cubicBezTo>
+                  <a:cubicBezTo>
+                    <a:pt x="1605" y="3009"/>
+                    <a:pt x="2306" y="3164"/>
+                    <a:pt x="3007" y="3164"/>
+                  </a:cubicBezTo>
+                  <a:cubicBezTo>
+                    <a:pt x="3707" y="3164"/>
+                    <a:pt x="4407" y="3009"/>
+                    <a:pt x="4941" y="2699"/>
+                  </a:cubicBezTo>
+                  <a:lnTo>
+                    <a:pt x="6881" y="1581"/>
+                  </a:lnTo>
+                  <a:lnTo>
+                    <a:pt x="4948" y="463"/>
+                  </a:lnTo>
+                  <a:cubicBezTo>
+                    <a:pt x="4412" y="154"/>
+                    <a:pt x="3713" y="0"/>
+                    <a:pt x="3014" y="0"/>
+                  </a:cubicBezTo>
+                  <a:close/>
+                </a:path>
+              </a:pathLst>
+            </a:custGeom>
+            <a:solidFill>
+              <a:schemeClr val="accent2"/>
+            </a:solidFill>
+            <a:ln>
+              <a:noFill/>
+            </a:ln>
+          </p:spPr>
+          <p:txBody>
+            <a:bodyPr spcFirstLastPara="1" wrap="square" lIns="91425" tIns="91425" rIns="91425" bIns="91425" anchor="ctr" anchorCtr="0">
+              <a:noAutofit/>
+            </a:bodyPr>
+            <a:lstStyle/>
+            <a:p>
+              <a:pPr marL="0" lvl="0" indent="0" algn="l" rtl="0">
+                <a:spcBef>
+                  <a:spcPts val="0"/>
+                </a:spcBef>
+                <a:spcAft>
+                  <a:spcPts val="0"/>
+                </a:spcAft>
+                <a:buNone/>
+              </a:pPr>
+              <a:endParaRPr/>
+            </a:p>
+          </p:txBody>
+        </p:sp>
+        <p:sp>
+          <p:nvSpPr>
+            <p:cNvPr id="334" name="Google Shape;334;p47"/>
+            <p:cNvSpPr/>
+            <p:nvPr/>
+          </p:nvSpPr>
+          <p:spPr>
+            <a:xfrm>
+              <a:off x="3401146" y="2761467"/>
+              <a:ext cx="751177" cy="435203"/>
+            </a:xfrm>
+            <a:custGeom>
+              <a:avLst/>
+              <a:gdLst/>
+              <a:ahLst/>
+              <a:cxnLst/>
+              <a:rect l="l" t="t" r="r" b="b"/>
+              <a:pathLst>
+                <a:path w="3326" h="1927" extrusionOk="0">
+                  <a:moveTo>
+                    <a:pt x="1667" y="0"/>
+                  </a:moveTo>
+                  <a:cubicBezTo>
+                    <a:pt x="744" y="0"/>
+                    <a:pt x="1" y="433"/>
+                    <a:pt x="1" y="960"/>
+                  </a:cubicBezTo>
+                  <a:cubicBezTo>
+                    <a:pt x="1" y="1493"/>
+                    <a:pt x="744" y="1926"/>
+                    <a:pt x="1667" y="1926"/>
+                  </a:cubicBezTo>
+                  <a:cubicBezTo>
+                    <a:pt x="2583" y="1926"/>
+                    <a:pt x="3326" y="1493"/>
+                    <a:pt x="3326" y="960"/>
+                  </a:cubicBezTo>
+                  <a:cubicBezTo>
+                    <a:pt x="3326" y="433"/>
+                    <a:pt x="2583" y="0"/>
+                    <a:pt x="1667" y="0"/>
+                  </a:cubicBezTo>
+                  <a:close/>
+                </a:path>
+              </a:pathLst>
+            </a:custGeom>
+            <a:solidFill>
+              <a:schemeClr val="accent1"/>
+            </a:solidFill>
+            <a:ln>
+              <a:noFill/>
+            </a:ln>
+          </p:spPr>
+          <p:txBody>
+            <a:bodyPr spcFirstLastPara="1" wrap="square" lIns="91425" tIns="91425" rIns="91425" bIns="91425" anchor="ctr" anchorCtr="0">
+              <a:noAutofit/>
+            </a:bodyPr>
+            <a:lstStyle/>
+            <a:p>
+              <a:pPr marL="0" lvl="0" indent="0" algn="l" rtl="0">
+                <a:spcBef>
+                  <a:spcPts val="0"/>
+                </a:spcBef>
+                <a:spcAft>
+                  <a:spcPts val="0"/>
+                </a:spcAft>
+                <a:buNone/>
+              </a:pPr>
+              <a:endParaRPr/>
+            </a:p>
+          </p:txBody>
+        </p:sp>
+        <p:sp>
+          <p:nvSpPr>
+            <p:cNvPr id="335" name="Google Shape;335;p47"/>
+            <p:cNvSpPr/>
+            <p:nvPr/>
+          </p:nvSpPr>
+          <p:spPr>
+            <a:xfrm>
+              <a:off x="3389854" y="2761467"/>
+              <a:ext cx="775569" cy="247752"/>
+            </a:xfrm>
+            <a:custGeom>
+              <a:avLst/>
+              <a:gdLst/>
+              <a:ahLst/>
+              <a:cxnLst/>
+              <a:rect l="l" t="t" r="r" b="b"/>
+              <a:pathLst>
+                <a:path w="3434" h="1097" extrusionOk="0">
+                  <a:moveTo>
+                    <a:pt x="1717" y="0"/>
+                  </a:moveTo>
+                  <a:cubicBezTo>
+                    <a:pt x="1291" y="0"/>
+                    <a:pt x="866" y="94"/>
+                    <a:pt x="541" y="282"/>
+                  </a:cubicBezTo>
+                  <a:cubicBezTo>
+                    <a:pt x="152" y="505"/>
+                    <a:pt x="0" y="808"/>
+                    <a:pt x="72" y="1097"/>
+                  </a:cubicBezTo>
+                  <a:cubicBezTo>
+                    <a:pt x="116" y="895"/>
+                    <a:pt x="274" y="707"/>
+                    <a:pt x="541" y="556"/>
+                  </a:cubicBezTo>
+                  <a:cubicBezTo>
+                    <a:pt x="866" y="368"/>
+                    <a:pt x="1291" y="275"/>
+                    <a:pt x="1717" y="275"/>
+                  </a:cubicBezTo>
+                  <a:cubicBezTo>
+                    <a:pt x="2142" y="275"/>
+                    <a:pt x="2568" y="368"/>
+                    <a:pt x="2892" y="556"/>
+                  </a:cubicBezTo>
+                  <a:cubicBezTo>
+                    <a:pt x="3159" y="707"/>
+                    <a:pt x="3311" y="895"/>
+                    <a:pt x="3361" y="1097"/>
+                  </a:cubicBezTo>
+                  <a:cubicBezTo>
+                    <a:pt x="3433" y="808"/>
+                    <a:pt x="3275" y="498"/>
+                    <a:pt x="2892" y="282"/>
+                  </a:cubicBezTo>
+                  <a:cubicBezTo>
+                    <a:pt x="2568" y="94"/>
+                    <a:pt x="2142" y="0"/>
+                    <a:pt x="1717" y="0"/>
+                  </a:cubicBezTo>
+                  <a:close/>
+                </a:path>
+              </a:pathLst>
+            </a:custGeom>
+            <a:solidFill>
+              <a:schemeClr val="accent3"/>
+            </a:solidFill>
+            <a:ln>
+              <a:noFill/>
+            </a:ln>
+          </p:spPr>
+          <p:txBody>
+            <a:bodyPr spcFirstLastPara="1" wrap="square" lIns="91425" tIns="91425" rIns="91425" bIns="91425" anchor="ctr" anchorCtr="0">
+              <a:noAutofit/>
+            </a:bodyPr>
+            <a:lstStyle/>
+            <a:p>
+              <a:pPr marL="0" lvl="0" indent="0" algn="l" rtl="0">
+                <a:spcBef>
+                  <a:spcPts val="0"/>
+                </a:spcBef>
+                <a:spcAft>
+                  <a:spcPts val="0"/>
+                </a:spcAft>
+                <a:buNone/>
+              </a:pPr>
+              <a:endParaRPr/>
+            </a:p>
+          </p:txBody>
+        </p:sp>
+      </p:grpSp>
+      <p:grpSp>
+        <p:nvGrpSpPr>
+          <p:cNvPr id="336" name="Google Shape;336;p47"/>
+          <p:cNvGrpSpPr/>
+          <p:nvPr/>
+        </p:nvGrpSpPr>
+        <p:grpSpPr>
+          <a:xfrm>
+            <a:off x="4126125" y="3140886"/>
+            <a:ext cx="1360295" cy="1022852"/>
+            <a:chOff x="4126125" y="3140886"/>
+            <a:chExt cx="1360295" cy="1022852"/>
+          </a:xfrm>
+        </p:grpSpPr>
+        <p:sp>
+          <p:nvSpPr>
+            <p:cNvPr id="337" name="Google Shape;337;p47"/>
+            <p:cNvSpPr/>
+            <p:nvPr/>
+          </p:nvSpPr>
+          <p:spPr>
+            <a:xfrm>
+              <a:off x="4186427" y="3140886"/>
+              <a:ext cx="1238110" cy="1022852"/>
+            </a:xfrm>
+            <a:custGeom>
+              <a:avLst/>
+              <a:gdLst/>
+              <a:ahLst/>
+              <a:cxnLst/>
+              <a:rect l="l" t="t" r="r" b="b"/>
+              <a:pathLst>
+                <a:path w="5482" h="4529" extrusionOk="0">
+                  <a:moveTo>
+                    <a:pt x="2741" y="1"/>
+                  </a:moveTo>
+                  <a:lnTo>
+                    <a:pt x="808" y="1119"/>
+                  </a:lnTo>
+                  <a:cubicBezTo>
+                    <a:pt x="267" y="1429"/>
+                    <a:pt x="0" y="1833"/>
+                    <a:pt x="0" y="2237"/>
+                  </a:cubicBezTo>
+                  <a:lnTo>
+                    <a:pt x="0" y="2951"/>
+                  </a:lnTo>
+                  <a:cubicBezTo>
+                    <a:pt x="0" y="3355"/>
+                    <a:pt x="274" y="3759"/>
+                    <a:pt x="808" y="4069"/>
+                  </a:cubicBezTo>
+                  <a:cubicBezTo>
+                    <a:pt x="1342" y="4375"/>
+                    <a:pt x="2041" y="4529"/>
+                    <a:pt x="2742" y="4529"/>
+                  </a:cubicBezTo>
+                  <a:cubicBezTo>
+                    <a:pt x="3442" y="4529"/>
+                    <a:pt x="4144" y="4375"/>
+                    <a:pt x="4681" y="4069"/>
+                  </a:cubicBezTo>
+                  <a:cubicBezTo>
+                    <a:pt x="5215" y="3759"/>
+                    <a:pt x="5481" y="3355"/>
+                    <a:pt x="5481" y="2951"/>
+                  </a:cubicBezTo>
+                  <a:lnTo>
+                    <a:pt x="5481" y="2165"/>
+                  </a:lnTo>
+                  <a:lnTo>
+                    <a:pt x="5474" y="2165"/>
+                  </a:lnTo>
+                  <a:cubicBezTo>
+                    <a:pt x="5445" y="1782"/>
+                    <a:pt x="5179" y="1407"/>
+                    <a:pt x="4681" y="1119"/>
+                  </a:cubicBezTo>
+                  <a:lnTo>
+                    <a:pt x="2741" y="1"/>
+                  </a:lnTo>
+                  <a:close/>
+                </a:path>
+              </a:pathLst>
+            </a:custGeom>
+            <a:solidFill>
+              <a:schemeClr val="accent3"/>
+            </a:solidFill>
+            <a:ln>
+              <a:noFill/>
+            </a:ln>
+          </p:spPr>
+          <p:txBody>
+            <a:bodyPr spcFirstLastPara="1" wrap="square" lIns="91425" tIns="91425" rIns="91425" bIns="91425" anchor="ctr" anchorCtr="0">
+              <a:noAutofit/>
+            </a:bodyPr>
+            <a:lstStyle/>
+            <a:p>
+              <a:pPr marL="0" lvl="0" indent="0" algn="l" rtl="0">
+                <a:spcBef>
+                  <a:spcPts val="0"/>
+                </a:spcBef>
+                <a:spcAft>
+                  <a:spcPts val="0"/>
+                </a:spcAft>
+                <a:buNone/>
+              </a:pPr>
+              <a:endParaRPr/>
+            </a:p>
+          </p:txBody>
+        </p:sp>
+        <p:sp>
+          <p:nvSpPr>
+            <p:cNvPr id="338" name="Google Shape;338;p47"/>
+            <p:cNvSpPr/>
+            <p:nvPr/>
+          </p:nvSpPr>
+          <p:spPr>
+            <a:xfrm>
+              <a:off x="4126125" y="3140886"/>
+              <a:ext cx="1360295" cy="861599"/>
+            </a:xfrm>
+            <a:custGeom>
+              <a:avLst/>
+              <a:gdLst/>
+              <a:ahLst/>
+              <a:cxnLst/>
+              <a:rect l="l" t="t" r="r" b="b"/>
+              <a:pathLst>
+                <a:path w="6023" h="3815" extrusionOk="0">
+                  <a:moveTo>
+                    <a:pt x="3015" y="1"/>
+                  </a:moveTo>
+                  <a:lnTo>
+                    <a:pt x="1075" y="1119"/>
+                  </a:lnTo>
+                  <a:cubicBezTo>
+                    <a:pt x="0" y="1732"/>
+                    <a:pt x="0" y="2734"/>
+                    <a:pt x="1075" y="3355"/>
+                  </a:cubicBezTo>
+                  <a:cubicBezTo>
+                    <a:pt x="1609" y="3661"/>
+                    <a:pt x="2308" y="3815"/>
+                    <a:pt x="3009" y="3815"/>
+                  </a:cubicBezTo>
+                  <a:cubicBezTo>
+                    <a:pt x="3709" y="3815"/>
+                    <a:pt x="4411" y="3661"/>
+                    <a:pt x="4948" y="3355"/>
+                  </a:cubicBezTo>
+                  <a:cubicBezTo>
+                    <a:pt x="6023" y="2734"/>
+                    <a:pt x="6015" y="1732"/>
+                    <a:pt x="4948" y="1119"/>
+                  </a:cubicBezTo>
+                  <a:lnTo>
+                    <a:pt x="3015" y="1"/>
+                  </a:lnTo>
+                  <a:close/>
+                </a:path>
+              </a:pathLst>
+            </a:custGeom>
+            <a:solidFill>
+              <a:schemeClr val="accent2"/>
+            </a:solidFill>
+            <a:ln>
+              <a:noFill/>
+            </a:ln>
+          </p:spPr>
+          <p:txBody>
+            <a:bodyPr spcFirstLastPara="1" wrap="square" lIns="91425" tIns="91425" rIns="91425" bIns="91425" anchor="ctr" anchorCtr="0">
+              <a:noAutofit/>
+            </a:bodyPr>
+            <a:lstStyle/>
+            <a:p>
+              <a:pPr marL="0" lvl="0" indent="0" algn="l" rtl="0">
+                <a:spcBef>
+                  <a:spcPts val="0"/>
+                </a:spcBef>
+                <a:spcAft>
+                  <a:spcPts val="0"/>
+                </a:spcAft>
+                <a:buNone/>
+              </a:pPr>
+              <a:endParaRPr/>
+            </a:p>
+          </p:txBody>
+        </p:sp>
+        <p:sp>
+          <p:nvSpPr>
+            <p:cNvPr id="339" name="Google Shape;339;p47"/>
+            <p:cNvSpPr/>
+            <p:nvPr/>
+          </p:nvSpPr>
+          <p:spPr>
+            <a:xfrm>
+              <a:off x="4393306" y="3427710"/>
+              <a:ext cx="824353" cy="435203"/>
+            </a:xfrm>
+            <a:custGeom>
+              <a:avLst/>
+              <a:gdLst/>
+              <a:ahLst/>
+              <a:cxnLst/>
+              <a:rect l="l" t="t" r="r" b="b"/>
+              <a:pathLst>
+                <a:path w="3650" h="1927" extrusionOk="0">
+                  <a:moveTo>
+                    <a:pt x="1825" y="0"/>
+                  </a:moveTo>
+                  <a:cubicBezTo>
+                    <a:pt x="1399" y="0"/>
+                    <a:pt x="974" y="94"/>
+                    <a:pt x="649" y="282"/>
+                  </a:cubicBezTo>
+                  <a:cubicBezTo>
+                    <a:pt x="0" y="664"/>
+                    <a:pt x="0" y="1270"/>
+                    <a:pt x="649" y="1645"/>
+                  </a:cubicBezTo>
+                  <a:cubicBezTo>
+                    <a:pt x="974" y="1832"/>
+                    <a:pt x="1399" y="1926"/>
+                    <a:pt x="1825" y="1926"/>
+                  </a:cubicBezTo>
+                  <a:cubicBezTo>
+                    <a:pt x="2250" y="1926"/>
+                    <a:pt x="2676" y="1832"/>
+                    <a:pt x="3000" y="1645"/>
+                  </a:cubicBezTo>
+                  <a:cubicBezTo>
+                    <a:pt x="3649" y="1270"/>
+                    <a:pt x="3649" y="657"/>
+                    <a:pt x="3000" y="282"/>
+                  </a:cubicBezTo>
+                  <a:cubicBezTo>
+                    <a:pt x="2676" y="94"/>
+                    <a:pt x="2250" y="0"/>
+                    <a:pt x="1825" y="0"/>
+                  </a:cubicBezTo>
+                  <a:close/>
+                </a:path>
+              </a:pathLst>
+            </a:custGeom>
+            <a:solidFill>
+              <a:schemeClr val="accent1"/>
+            </a:solidFill>
+            <a:ln>
+              <a:noFill/>
+            </a:ln>
+          </p:spPr>
+          <p:txBody>
+            <a:bodyPr spcFirstLastPara="1" wrap="square" lIns="91425" tIns="91425" rIns="91425" bIns="91425" anchor="ctr" anchorCtr="0">
+              <a:noAutofit/>
+            </a:bodyPr>
+            <a:lstStyle/>
+            <a:p>
+              <a:pPr marL="0" lvl="0" indent="0" algn="l" rtl="0">
+                <a:spcBef>
+                  <a:spcPts val="0"/>
+                </a:spcBef>
+                <a:spcAft>
+                  <a:spcPts val="0"/>
+                </a:spcAft>
+                <a:buNone/>
+              </a:pPr>
+              <a:endParaRPr/>
+            </a:p>
+          </p:txBody>
+        </p:sp>
+        <p:sp>
+          <p:nvSpPr>
+            <p:cNvPr id="340" name="Google Shape;340;p47"/>
+            <p:cNvSpPr/>
+            <p:nvPr/>
+          </p:nvSpPr>
+          <p:spPr>
+            <a:xfrm>
+              <a:off x="4417697" y="3427710"/>
+              <a:ext cx="775569" cy="247752"/>
+            </a:xfrm>
+            <a:custGeom>
+              <a:avLst/>
+              <a:gdLst/>
+              <a:ahLst/>
+              <a:cxnLst/>
+              <a:rect l="l" t="t" r="r" b="b"/>
+              <a:pathLst>
+                <a:path w="3434" h="1097" extrusionOk="0">
+                  <a:moveTo>
+                    <a:pt x="1717" y="0"/>
+                  </a:moveTo>
+                  <a:cubicBezTo>
+                    <a:pt x="1291" y="0"/>
+                    <a:pt x="866" y="94"/>
+                    <a:pt x="541" y="282"/>
+                  </a:cubicBezTo>
+                  <a:cubicBezTo>
+                    <a:pt x="159" y="505"/>
+                    <a:pt x="0" y="808"/>
+                    <a:pt x="72" y="1097"/>
+                  </a:cubicBezTo>
+                  <a:cubicBezTo>
+                    <a:pt x="123" y="902"/>
+                    <a:pt x="274" y="707"/>
+                    <a:pt x="541" y="556"/>
+                  </a:cubicBezTo>
+                  <a:cubicBezTo>
+                    <a:pt x="866" y="368"/>
+                    <a:pt x="1291" y="274"/>
+                    <a:pt x="1717" y="274"/>
+                  </a:cubicBezTo>
+                  <a:cubicBezTo>
+                    <a:pt x="2142" y="274"/>
+                    <a:pt x="2568" y="368"/>
+                    <a:pt x="2892" y="556"/>
+                  </a:cubicBezTo>
+                  <a:cubicBezTo>
+                    <a:pt x="3159" y="707"/>
+                    <a:pt x="3318" y="902"/>
+                    <a:pt x="3361" y="1097"/>
+                  </a:cubicBezTo>
+                  <a:cubicBezTo>
+                    <a:pt x="3433" y="808"/>
+                    <a:pt x="3282" y="505"/>
+                    <a:pt x="2892" y="282"/>
+                  </a:cubicBezTo>
+                  <a:cubicBezTo>
+                    <a:pt x="2568" y="94"/>
+                    <a:pt x="2142" y="0"/>
+                    <a:pt x="1717" y="0"/>
+                  </a:cubicBezTo>
+                  <a:close/>
+                </a:path>
+              </a:pathLst>
+            </a:custGeom>
+            <a:solidFill>
+              <a:schemeClr val="accent3"/>
+            </a:solidFill>
+            <a:ln>
+              <a:noFill/>
+            </a:ln>
+          </p:spPr>
+          <p:txBody>
+            <a:bodyPr spcFirstLastPara="1" wrap="square" lIns="91425" tIns="91425" rIns="91425" bIns="91425" anchor="ctr" anchorCtr="0">
+              <a:noAutofit/>
+            </a:bodyPr>
+            <a:lstStyle/>
+            <a:p>
+              <a:pPr marL="0" lvl="0" indent="0" algn="l" rtl="0">
+                <a:spcBef>
+                  <a:spcPts val="0"/>
+                </a:spcBef>
+                <a:spcAft>
+                  <a:spcPts val="0"/>
+                </a:spcAft>
+                <a:buNone/>
+              </a:pPr>
+              <a:endParaRPr/>
+            </a:p>
+          </p:txBody>
+        </p:sp>
+      </p:grpSp>
+    </p:spTree>
   </p:cSld>
   <p:clrMapOvr>
     <a:masterClrMapping/>
